--- a/intro.pptx
+++ b/intro.pptx
@@ -6189,19 +6189,23 @@
           <a:p>
             <a:r>
               <a:rPr lang="en-US" dirty="0" err="1"/>
-              <a:t>Explanainability</a:t>
+              <a:t>Explainability</a:t>
             </a:r>
             <a:r>
               <a:rPr lang="en-US" dirty="0"/>
-              <a:t> from social sciences</a:t>
-            </a:r>
-          </a:p>
-          <a:p>
+              <a:t> (</a:t>
+            </a:r>
             <a:r>
               <a:rPr lang="en-US"/>
+              <a:t>insights from social sciences)</a:t>
+            </a:r>
+            <a:endParaRPr lang="en-US" dirty="0"/>
+          </a:p>
+          <a:p>
+            <a:r>
+              <a:rPr lang="en-US" dirty="0"/>
               <a:t>xx</a:t>
             </a:r>
-            <a:endParaRPr lang="en-US" dirty="0"/>
           </a:p>
           <a:p>
             <a:pPr marL="0" indent="0">

--- a/intro.pptx
+++ b/intro.pptx
@@ -10,6 +10,8 @@
     <p:sldId id="259" r:id="rId4"/>
     <p:sldId id="258" r:id="rId5"/>
     <p:sldId id="260" r:id="rId6"/>
+    <p:sldId id="261" r:id="rId7"/>
+    <p:sldId id="262" r:id="rId8"/>
   </p:sldIdLst>
   <p:sldSz cx="12192000" cy="6858000"/>
   <p:notesSz cx="6858000" cy="9144000"/>
@@ -108,6 +110,11 @@
       </a:defRPr>
     </a:lvl9pPr>
   </p:defaultTextStyle>
+  <p:extLst>
+    <p:ext uri="{EFAFB233-063F-42B5-8137-9DF3F51BA10A}">
+      <p15:sldGuideLst xmlns:p15="http://schemas.microsoft.com/office/powerpoint/2012/main"/>
+    </p:ext>
+  </p:extLst>
 </p:presentation>
 </file>
 
@@ -325,7 +332,7 @@
             <a:fld id="{B61BEF0D-F0BB-DE4B-95CE-6DB70DBA9567}" type="datetimeFigureOut">
               <a:rPr lang="en-US" dirty="0"/>
               <a:pPr/>
-              <a:t>9/13/22</a:t>
+              <a:t>9/14/22</a:t>
             </a:fld>
             <a:endParaRPr lang="en-US" dirty="0"/>
           </a:p>
@@ -613,7 +620,7 @@
             <a:fld id="{B61BEF0D-F0BB-DE4B-95CE-6DB70DBA9567}" type="datetimeFigureOut">
               <a:rPr lang="en-US" dirty="0"/>
               <a:pPr/>
-              <a:t>9/13/22</a:t>
+              <a:t>9/14/22</a:t>
             </a:fld>
             <a:endParaRPr lang="en-US" dirty="0"/>
           </a:p>
@@ -869,7 +876,7 @@
             <a:fld id="{B61BEF0D-F0BB-DE4B-95CE-6DB70DBA9567}" type="datetimeFigureOut">
               <a:rPr lang="en-US" dirty="0"/>
               <a:pPr/>
-              <a:t>9/13/22</a:t>
+              <a:t>9/14/22</a:t>
             </a:fld>
             <a:endParaRPr lang="en-US" dirty="0"/>
           </a:p>
@@ -1335,7 +1342,7 @@
             <a:fld id="{B61BEF0D-F0BB-DE4B-95CE-6DB70DBA9567}" type="datetimeFigureOut">
               <a:rPr lang="en-US" dirty="0"/>
               <a:pPr/>
-              <a:t>9/13/22</a:t>
+              <a:t>9/14/22</a:t>
             </a:fld>
             <a:endParaRPr lang="en-US" dirty="0"/>
           </a:p>
@@ -1512,7 +1519,7 @@
             <a:fld id="{B61BEF0D-F0BB-DE4B-95CE-6DB70DBA9567}" type="datetimeFigureOut">
               <a:rPr lang="en-US" dirty="0"/>
               <a:pPr/>
-              <a:t>9/13/22</a:t>
+              <a:t>9/14/22</a:t>
             </a:fld>
             <a:endParaRPr lang="en-US" dirty="0"/>
           </a:p>
@@ -2085,7 +2092,7 @@
             <a:fld id="{B61BEF0D-F0BB-DE4B-95CE-6DB70DBA9567}" type="datetimeFigureOut">
               <a:rPr lang="en-US" dirty="0"/>
               <a:pPr/>
-              <a:t>9/13/22</a:t>
+              <a:t>9/14/22</a:t>
             </a:fld>
             <a:endParaRPr lang="en-US" dirty="0"/>
           </a:p>
@@ -2414,7 +2421,7 @@
             <a:fld id="{B61BEF0D-F0BB-DE4B-95CE-6DB70DBA9567}" type="datetimeFigureOut">
               <a:rPr lang="en-US" dirty="0"/>
               <a:pPr/>
-              <a:t>9/13/22</a:t>
+              <a:t>9/14/22</a:t>
             </a:fld>
             <a:endParaRPr lang="en-US" dirty="0"/>
           </a:p>
@@ -2586,7 +2593,7 @@
             <a:fld id="{B61BEF0D-F0BB-DE4B-95CE-6DB70DBA9567}" type="datetimeFigureOut">
               <a:rPr lang="en-US" dirty="0"/>
               <a:pPr/>
-              <a:t>9/13/22</a:t>
+              <a:t>9/14/22</a:t>
             </a:fld>
             <a:endParaRPr lang="en-US" dirty="0"/>
           </a:p>
@@ -2763,7 +2770,7 @@
             <a:fld id="{B61BEF0D-F0BB-DE4B-95CE-6DB70DBA9567}" type="datetimeFigureOut">
               <a:rPr lang="en-US" dirty="0"/>
               <a:pPr/>
-              <a:t>9/13/22</a:t>
+              <a:t>9/14/22</a:t>
             </a:fld>
             <a:endParaRPr lang="en-US" dirty="0"/>
           </a:p>
@@ -2930,7 +2937,7 @@
             <a:fld id="{B61BEF0D-F0BB-DE4B-95CE-6DB70DBA9567}" type="datetimeFigureOut">
               <a:rPr lang="en-US" dirty="0"/>
               <a:pPr/>
-              <a:t>9/13/22</a:t>
+              <a:t>9/14/22</a:t>
             </a:fld>
             <a:endParaRPr lang="en-US" dirty="0"/>
           </a:p>
@@ -3184,7 +3191,7 @@
             <a:fld id="{B61BEF0D-F0BB-DE4B-95CE-6DB70DBA9567}" type="datetimeFigureOut">
               <a:rPr lang="en-US" dirty="0"/>
               <a:pPr/>
-              <a:t>9/13/22</a:t>
+              <a:t>9/14/22</a:t>
             </a:fld>
             <a:endParaRPr lang="en-US" dirty="0"/>
           </a:p>
@@ -3473,7 +3480,7 @@
             <a:fld id="{B61BEF0D-F0BB-DE4B-95CE-6DB70DBA9567}" type="datetimeFigureOut">
               <a:rPr lang="en-US" dirty="0"/>
               <a:pPr/>
-              <a:t>9/13/22</a:t>
+              <a:t>9/14/22</a:t>
             </a:fld>
             <a:endParaRPr lang="en-US" dirty="0"/>
           </a:p>
@@ -3900,7 +3907,7 @@
             <a:fld id="{B61BEF0D-F0BB-DE4B-95CE-6DB70DBA9567}" type="datetimeFigureOut">
               <a:rPr lang="en-US" dirty="0"/>
               <a:pPr/>
-              <a:t>9/13/22</a:t>
+              <a:t>9/14/22</a:t>
             </a:fld>
             <a:endParaRPr lang="en-US" dirty="0"/>
           </a:p>
@@ -4015,7 +4022,7 @@
             <a:fld id="{B61BEF0D-F0BB-DE4B-95CE-6DB70DBA9567}" type="datetimeFigureOut">
               <a:rPr lang="en-US" dirty="0"/>
               <a:pPr/>
-              <a:t>9/13/22</a:t>
+              <a:t>9/14/22</a:t>
             </a:fld>
             <a:endParaRPr lang="en-US" dirty="0"/>
           </a:p>
@@ -4107,7 +4114,7 @@
             <a:fld id="{B61BEF0D-F0BB-DE4B-95CE-6DB70DBA9567}" type="datetimeFigureOut">
               <a:rPr lang="en-US" dirty="0"/>
               <a:pPr/>
-              <a:t>9/13/22</a:t>
+              <a:t>9/14/22</a:t>
             </a:fld>
             <a:endParaRPr lang="en-US" dirty="0"/>
           </a:p>
@@ -4387,7 +4394,7 @@
             <a:fld id="{B61BEF0D-F0BB-DE4B-95CE-6DB70DBA9567}" type="datetimeFigureOut">
               <a:rPr lang="en-US" dirty="0"/>
               <a:pPr/>
-              <a:t>9/13/22</a:t>
+              <a:t>9/14/22</a:t>
             </a:fld>
             <a:endParaRPr lang="en-US" dirty="0"/>
           </a:p>
@@ -4675,7 +4682,7 @@
             <a:fld id="{B61BEF0D-F0BB-DE4B-95CE-6DB70DBA9567}" type="datetimeFigureOut">
               <a:rPr lang="en-US" dirty="0"/>
               <a:pPr/>
-              <a:t>9/13/22</a:t>
+              <a:t>9/14/22</a:t>
             </a:fld>
             <a:endParaRPr lang="en-US" dirty="0"/>
           </a:p>
@@ -4903,7 +4910,7 @@
             <a:fld id="{B61BEF0D-F0BB-DE4B-95CE-6DB70DBA9567}" type="datetimeFigureOut">
               <a:rPr lang="en-US" dirty="0"/>
               <a:pPr/>
-              <a:t>9/13/22</a:t>
+              <a:t>9/14/22</a:t>
             </a:fld>
             <a:endParaRPr lang="en-US" dirty="0"/>
           </a:p>
@@ -6193,24 +6200,35 @@
             </a:r>
             <a:r>
               <a:rPr lang="en-US" dirty="0"/>
-              <a:t> (</a:t>
-            </a:r>
-            <a:r>
-              <a:rPr lang="en-US"/>
-              <a:t>insights from social sciences)</a:t>
-            </a:r>
-            <a:endParaRPr lang="en-US" dirty="0"/>
+              <a:t> (insights from social sciences)</a:t>
+            </a:r>
           </a:p>
           <a:p>
             <a:r>
               <a:rPr lang="en-US" dirty="0"/>
-              <a:t>xx</a:t>
-            </a:r>
-          </a:p>
-          <a:p>
-            <a:pPr marL="0" indent="0">
-              <a:buNone/>
-            </a:pPr>
+              <a:t>Abstraction and reasoning</a:t>
+            </a:r>
+          </a:p>
+          <a:p>
+            <a:r>
+              <a:rPr lang="en-US" dirty="0"/>
+              <a:t>Psychology of invention</a:t>
+            </a:r>
+          </a:p>
+          <a:p>
+            <a:pPr lvl="1"/>
+            <a:r>
+              <a:rPr lang="en-US" dirty="0" err="1"/>
+              <a:t>Kekule</a:t>
+            </a:r>
+            <a:endParaRPr lang="en-US" dirty="0"/>
+          </a:p>
+          <a:p>
+            <a:pPr lvl="1"/>
+            <a:r>
+              <a:rPr lang="en-US" dirty="0" err="1"/>
+              <a:t>poincare</a:t>
+            </a:r>
             <a:endParaRPr lang="en-US" dirty="0"/>
           </a:p>
         </p:txBody>
@@ -6219,6 +6237,215 @@
     <p:extLst>
       <p:ext uri="{BB962C8B-B14F-4D97-AF65-F5344CB8AC3E}">
         <p14:creationId xmlns:p14="http://schemas.microsoft.com/office/powerpoint/2010/main" val="1232664304"/>
+      </p:ext>
+    </p:extLst>
+  </p:cSld>
+  <p:clrMapOvr>
+    <a:masterClrMapping/>
+  </p:clrMapOvr>
+</p:sld>
+</file>
+
+<file path=ppt/slides/slide6.xml><?xml version="1.0" encoding="utf-8"?>
+<p:sld xmlns:a="http://schemas.openxmlformats.org/drawingml/2006/main" xmlns:r="http://schemas.openxmlformats.org/officeDocument/2006/relationships" xmlns:p="http://schemas.openxmlformats.org/presentationml/2006/main">
+  <p:cSld>
+    <p:spTree>
+      <p:nvGrpSpPr>
+        <p:cNvPr id="1" name=""/>
+        <p:cNvGrpSpPr/>
+        <p:nvPr/>
+      </p:nvGrpSpPr>
+      <p:grpSpPr>
+        <a:xfrm>
+          <a:off x="0" y="0"/>
+          <a:ext cx="0" cy="0"/>
+          <a:chOff x="0" y="0"/>
+          <a:chExt cx="0" cy="0"/>
+        </a:xfrm>
+      </p:grpSpPr>
+      <p:sp>
+        <p:nvSpPr>
+          <p:cNvPr id="2" name="Title 1">
+            <a:extLst>
+              <a:ext uri="{FF2B5EF4-FFF2-40B4-BE49-F238E27FC236}">
+                <a16:creationId xmlns:a16="http://schemas.microsoft.com/office/drawing/2014/main" id="{CF612BA6-BC0E-B4AE-F70D-859427D8CA86}"/>
+              </a:ext>
+            </a:extLst>
+          </p:cNvPr>
+          <p:cNvSpPr>
+            <a:spLocks noGrp="1"/>
+          </p:cNvSpPr>
+          <p:nvPr>
+            <p:ph type="title"/>
+          </p:nvPr>
+        </p:nvSpPr>
+        <p:spPr/>
+        <p:txBody>
+          <a:bodyPr/>
+          <a:lstStyle/>
+          <a:p>
+            <a:pPr algn="ctr"/>
+            <a:r>
+              <a:rPr lang="en-US" dirty="0"/>
+              <a:t>Approaches</a:t>
+            </a:r>
+          </a:p>
+        </p:txBody>
+      </p:sp>
+      <p:sp>
+        <p:nvSpPr>
+          <p:cNvPr id="3" name="Content Placeholder 2">
+            <a:extLst>
+              <a:ext uri="{FF2B5EF4-FFF2-40B4-BE49-F238E27FC236}">
+                <a16:creationId xmlns:a16="http://schemas.microsoft.com/office/drawing/2014/main" id="{F1B0DF05-BBCC-D407-D536-3119B0214CAD}"/>
+              </a:ext>
+            </a:extLst>
+          </p:cNvPr>
+          <p:cNvSpPr>
+            <a:spLocks noGrp="1"/>
+          </p:cNvSpPr>
+          <p:nvPr>
+            <p:ph idx="1"/>
+          </p:nvPr>
+        </p:nvSpPr>
+        <p:spPr/>
+        <p:txBody>
+          <a:bodyPr/>
+          <a:lstStyle/>
+          <a:p>
+            <a:r>
+              <a:rPr lang="en-US" dirty="0"/>
+              <a:t>Other ideas</a:t>
+            </a:r>
+          </a:p>
+          <a:p>
+            <a:pPr lvl="1"/>
+            <a:r>
+              <a:rPr lang="en-US" dirty="0"/>
+              <a:t>Other paths to intelligence (in other species)</a:t>
+            </a:r>
+          </a:p>
+          <a:p>
+            <a:pPr lvl="1"/>
+            <a:r>
+              <a:rPr lang="en-US" dirty="0"/>
+              <a:t>Abstraction and reasoning corpus and challenges</a:t>
+            </a:r>
+          </a:p>
+        </p:txBody>
+      </p:sp>
+    </p:spTree>
+    <p:extLst>
+      <p:ext uri="{BB962C8B-B14F-4D97-AF65-F5344CB8AC3E}">
+        <p14:creationId xmlns:p14="http://schemas.microsoft.com/office/powerpoint/2010/main" val="4226629004"/>
+      </p:ext>
+    </p:extLst>
+  </p:cSld>
+  <p:clrMapOvr>
+    <a:masterClrMapping/>
+  </p:clrMapOvr>
+</p:sld>
+</file>
+
+<file path=ppt/slides/slide7.xml><?xml version="1.0" encoding="utf-8"?>
+<p:sld xmlns:a="http://schemas.openxmlformats.org/drawingml/2006/main" xmlns:r="http://schemas.openxmlformats.org/officeDocument/2006/relationships" xmlns:p="http://schemas.openxmlformats.org/presentationml/2006/main">
+  <p:cSld>
+    <p:spTree>
+      <p:nvGrpSpPr>
+        <p:cNvPr id="1" name=""/>
+        <p:cNvGrpSpPr/>
+        <p:nvPr/>
+      </p:nvGrpSpPr>
+      <p:grpSpPr>
+        <a:xfrm>
+          <a:off x="0" y="0"/>
+          <a:ext cx="0" cy="0"/>
+          <a:chOff x="0" y="0"/>
+          <a:chExt cx="0" cy="0"/>
+        </a:xfrm>
+      </p:grpSpPr>
+      <p:sp>
+        <p:nvSpPr>
+          <p:cNvPr id="2" name="Title 1">
+            <a:extLst>
+              <a:ext uri="{FF2B5EF4-FFF2-40B4-BE49-F238E27FC236}">
+                <a16:creationId xmlns:a16="http://schemas.microsoft.com/office/drawing/2014/main" id="{CF612BA6-BC0E-B4AE-F70D-859427D8CA86}"/>
+              </a:ext>
+            </a:extLst>
+          </p:cNvPr>
+          <p:cNvSpPr>
+            <a:spLocks noGrp="1"/>
+          </p:cNvSpPr>
+          <p:nvPr>
+            <p:ph type="title"/>
+          </p:nvPr>
+        </p:nvSpPr>
+        <p:spPr/>
+        <p:txBody>
+          <a:bodyPr/>
+          <a:lstStyle/>
+          <a:p>
+            <a:pPr algn="ctr"/>
+            <a:r>
+              <a:rPr lang="en-US" dirty="0"/>
+              <a:t>resources</a:t>
+            </a:r>
+          </a:p>
+        </p:txBody>
+      </p:sp>
+      <p:sp>
+        <p:nvSpPr>
+          <p:cNvPr id="3" name="Content Placeholder 2">
+            <a:extLst>
+              <a:ext uri="{FF2B5EF4-FFF2-40B4-BE49-F238E27FC236}">
+                <a16:creationId xmlns:a16="http://schemas.microsoft.com/office/drawing/2014/main" id="{F1B0DF05-BBCC-D407-D536-3119B0214CAD}"/>
+              </a:ext>
+            </a:extLst>
+          </p:cNvPr>
+          <p:cNvSpPr>
+            <a:spLocks noGrp="1"/>
+          </p:cNvSpPr>
+          <p:nvPr>
+            <p:ph idx="1"/>
+          </p:nvPr>
+        </p:nvSpPr>
+        <p:spPr/>
+        <p:txBody>
+          <a:bodyPr/>
+          <a:lstStyle/>
+          <a:p>
+            <a:r>
+              <a:rPr lang="en-US" dirty="0"/>
+              <a:t>https://</a:t>
+            </a:r>
+            <a:r>
+              <a:rPr lang="en-US" dirty="0" err="1"/>
+              <a:t>github.com</a:t>
+            </a:r>
+            <a:r>
+              <a:rPr lang="en-US" dirty="0"/>
+              <a:t>/</a:t>
+            </a:r>
+            <a:r>
+              <a:rPr lang="en-US" dirty="0" err="1"/>
+              <a:t>neelsoumya</a:t>
+            </a:r>
+            <a:r>
+              <a:rPr lang="en-US" dirty="0"/>
+              <a:t>/</a:t>
+            </a:r>
+            <a:r>
+              <a:rPr lang="en-US" dirty="0" err="1"/>
+              <a:t>special_topics_unconventional_AI</a:t>
+            </a:r>
+            <a:endParaRPr lang="en-US" dirty="0"/>
+          </a:p>
+        </p:txBody>
+      </p:sp>
+    </p:spTree>
+    <p:extLst>
+      <p:ext uri="{BB962C8B-B14F-4D97-AF65-F5344CB8AC3E}">
+        <p14:creationId xmlns:p14="http://schemas.microsoft.com/office/powerpoint/2010/main" val="1317827064"/>
       </p:ext>
     </p:extLst>
   </p:cSld>

--- a/intro.pptx
+++ b/intro.pptx
@@ -9,9 +9,10 @@
     <p:sldId id="257" r:id="rId3"/>
     <p:sldId id="259" r:id="rId4"/>
     <p:sldId id="258" r:id="rId5"/>
-    <p:sldId id="260" r:id="rId6"/>
-    <p:sldId id="261" r:id="rId7"/>
-    <p:sldId id="262" r:id="rId8"/>
+    <p:sldId id="263" r:id="rId6"/>
+    <p:sldId id="260" r:id="rId7"/>
+    <p:sldId id="261" r:id="rId8"/>
+    <p:sldId id="262" r:id="rId9"/>
   </p:sldIdLst>
   <p:sldSz cx="12192000" cy="6858000"/>
   <p:notesSz cx="6858000" cy="9144000"/>
@@ -6130,6 +6131,14 @@
 <file path=ppt/slides/slide5.xml><?xml version="1.0" encoding="utf-8"?>
 <p:sld xmlns:a="http://schemas.openxmlformats.org/drawingml/2006/main" xmlns:r="http://schemas.openxmlformats.org/officeDocument/2006/relationships" xmlns:p="http://schemas.openxmlformats.org/presentationml/2006/main">
   <p:cSld>
+    <p:bg>
+      <p:bgPr>
+        <a:solidFill>
+          <a:schemeClr val="bg1"/>
+        </a:solidFill>
+        <a:effectLst/>
+      </p:bgPr>
+    </p:bg>
     <p:spTree>
       <p:nvGrpSpPr>
         <p:cNvPr id="1" name=""/>
@@ -6146,6 +6155,66 @@
       </p:grpSpPr>
       <p:sp>
         <p:nvSpPr>
+          <p:cNvPr id="12" name="Rectangle 11">
+            <a:extLst>
+              <a:ext uri="{FF2B5EF4-FFF2-40B4-BE49-F238E27FC236}">
+                <a16:creationId xmlns:a16="http://schemas.microsoft.com/office/drawing/2014/main" id="{806ABAF8-A5F0-4E99-AB6D-67BFBB982B2B}"/>
+              </a:ext>
+              <a:ext uri="{C183D7F6-B498-43B3-948B-1728B52AA6E4}">
+                <adec:decorative xmlns:adec="http://schemas.microsoft.com/office/drawing/2017/decorative" val="1"/>
+              </a:ext>
+            </a:extLst>
+          </p:cNvPr>
+          <p:cNvSpPr>
+            <a:spLocks noGrp="1" noRot="1" noChangeAspect="1" noMove="1" noResize="1" noEditPoints="1" noAdjustHandles="1" noChangeArrowheads="1" noChangeShapeType="1" noTextEdit="1"/>
+          </p:cNvSpPr>
+          <p:nvPr>
+            <p:extLst>
+              <p:ext uri="{386F3935-93C4-4BCD-93E2-E3B085C9AB24}">
+                <p16:designElem xmlns:p16="http://schemas.microsoft.com/office/powerpoint/2015/main" val="1"/>
+              </p:ext>
+            </p:extLst>
+          </p:nvPr>
+        </p:nvSpPr>
+        <p:spPr>
+          <a:xfrm>
+            <a:off x="0" y="0"/>
+            <a:ext cx="12192000" cy="6858000"/>
+          </a:xfrm>
+          <a:prstGeom prst="rect">
+            <a:avLst/>
+          </a:prstGeom>
+          <a:ln>
+            <a:noFill/>
+          </a:ln>
+        </p:spPr>
+        <p:style>
+          <a:lnRef idx="2">
+            <a:schemeClr val="accent1">
+              <a:shade val="50000"/>
+            </a:schemeClr>
+          </a:lnRef>
+          <a:fillRef idx="1003">
+            <a:schemeClr val="dk2"/>
+          </a:fillRef>
+          <a:effectRef idx="0">
+            <a:schemeClr val="accent1"/>
+          </a:effectRef>
+          <a:fontRef idx="minor">
+            <a:schemeClr val="lt1"/>
+          </a:fontRef>
+        </p:style>
+        <p:txBody>
+          <a:bodyPr rtlCol="0" anchor="ctr"/>
+          <a:lstStyle/>
+          <a:p>
+            <a:pPr algn="ctr"/>
+            <a:endParaRPr lang="en-US"/>
+          </a:p>
+        </p:txBody>
+      </p:sp>
+      <p:sp>
+        <p:nvSpPr>
           <p:cNvPr id="2" name="Title 1">
             <a:extLst>
               <a:ext uri="{FF2B5EF4-FFF2-40B4-BE49-F238E27FC236}">
@@ -6160,14 +6229,50 @@
             <p:ph type="title"/>
           </p:nvPr>
         </p:nvSpPr>
-        <p:spPr/>
-        <p:txBody>
-          <a:bodyPr/>
+        <p:spPr>
+          <a:xfrm>
+            <a:off x="8164106" y="609600"/>
+            <a:ext cx="3369133" cy="3642851"/>
+          </a:xfrm>
+        </p:spPr>
+        <p:txBody>
+          <a:bodyPr vert="horz" lIns="91440" tIns="45720" rIns="91440" bIns="45720" rtlCol="0" anchor="b">
+            <a:normAutofit/>
+          </a:bodyPr>
           <a:lstStyle/>
           <a:p>
             <a:pPr algn="ctr"/>
             <a:r>
-              <a:rPr lang="en-US" dirty="0"/>
+              <a:rPr lang="en-US" sz="3700" dirty="0">
+                <a:gradFill flip="none" rotWithShape="1">
+                  <a:gsLst>
+                    <a:gs pos="0">
+                      <a:sysClr val="window" lastClr="FFFFFF"/>
+                    </a:gs>
+                    <a:gs pos="100000">
+                      <a:sysClr val="window" lastClr="FFFFFF">
+                        <a:lumMod val="65000"/>
+                      </a:sysClr>
+                    </a:gs>
+                  </a:gsLst>
+                  <a:lin ang="5580000" scaled="0"/>
+                  <a:tileRect/>
+                </a:gradFill>
+                <a:effectLst>
+                  <a:glow rad="38100">
+                    <a:schemeClr val="bg1">
+                      <a:lumMod val="65000"/>
+                      <a:lumOff val="35000"/>
+                      <a:alpha val="50000"/>
+                    </a:schemeClr>
+                  </a:glow>
+                  <a:outerShdw blurRad="28575" dist="31750" dir="13200000" algn="tl" rotWithShape="0">
+                    <a:srgbClr val="000000">
+                      <a:alpha val="25000"/>
+                    </a:srgbClr>
+                  </a:outerShdw>
+                </a:effectLst>
+              </a:rPr>
               <a:t>Approaches</a:t>
             </a:r>
           </a:p>
@@ -6175,73 +6280,202 @@
       </p:sp>
       <p:sp>
         <p:nvSpPr>
-          <p:cNvPr id="3" name="Content Placeholder 2">
+          <p:cNvPr id="14" name="Rounded Rectangle 7">
             <a:extLst>
               <a:ext uri="{FF2B5EF4-FFF2-40B4-BE49-F238E27FC236}">
-                <a16:creationId xmlns:a16="http://schemas.microsoft.com/office/drawing/2014/main" id="{F1B0DF05-BBCC-D407-D536-3119B0214CAD}"/>
+                <a16:creationId xmlns:a16="http://schemas.microsoft.com/office/drawing/2014/main" id="{5F7833E7-6A14-4F78-A2DD-5640A4F6C273}"/>
+              </a:ext>
+              <a:ext uri="{C183D7F6-B498-43B3-948B-1728B52AA6E4}">
+                <adec:decorative xmlns:adec="http://schemas.microsoft.com/office/drawing/2017/decorative" val="1"/>
               </a:ext>
             </a:extLst>
           </p:cNvPr>
           <p:cNvSpPr>
-            <a:spLocks noGrp="1"/>
-          </p:cNvSpPr>
-          <p:nvPr>
-            <p:ph idx="1"/>
-          </p:nvPr>
-        </p:nvSpPr>
-        <p:spPr/>
-        <p:txBody>
-          <a:bodyPr/>
-          <a:lstStyle/>
-          <a:p>
-            <a:r>
-              <a:rPr lang="en-US" dirty="0" err="1"/>
-              <a:t>Explainability</a:t>
-            </a:r>
-            <a:r>
-              <a:rPr lang="en-US" dirty="0"/>
-              <a:t> (insights from social sciences)</a:t>
-            </a:r>
-          </a:p>
-          <a:p>
-            <a:r>
-              <a:rPr lang="en-US" dirty="0"/>
-              <a:t>Abstraction and reasoning</a:t>
-            </a:r>
-          </a:p>
-          <a:p>
-            <a:r>
-              <a:rPr lang="en-US" dirty="0"/>
-              <a:t>Psychology of invention</a:t>
-            </a:r>
-          </a:p>
-          <a:p>
-            <a:pPr lvl="1"/>
-            <a:r>
-              <a:rPr lang="en-US" dirty="0" err="1"/>
-              <a:t>Kekule</a:t>
-            </a:r>
-            <a:endParaRPr lang="en-US" dirty="0"/>
-          </a:p>
-          <a:p>
-            <a:pPr lvl="1"/>
-            <a:r>
-              <a:rPr lang="en-US" dirty="0" err="1"/>
-              <a:t>poincare</a:t>
-            </a:r>
-            <a:endParaRPr lang="en-US" dirty="0"/>
+            <a:spLocks noGrp="1" noRot="1" noChangeAspect="1" noMove="1" noResize="1" noEditPoints="1" noAdjustHandles="1" noChangeArrowheads="1" noChangeShapeType="1" noTextEdit="1"/>
+          </p:cNvSpPr>
+          <p:nvPr>
+            <p:extLst>
+              <p:ext uri="{386F3935-93C4-4BCD-93E2-E3B085C9AB24}">
+                <p16:designElem xmlns:p16="http://schemas.microsoft.com/office/powerpoint/2015/main" val="1"/>
+              </p:ext>
+            </p:extLst>
+          </p:nvPr>
+        </p:nvSpPr>
+        <p:spPr>
+          <a:xfrm>
+            <a:off x="658290" y="620720"/>
+            <a:ext cx="6884079" cy="5597200"/>
+          </a:xfrm>
+          <a:prstGeom prst="roundRect">
+            <a:avLst>
+              <a:gd name="adj" fmla="val 3812"/>
+            </a:avLst>
+          </a:prstGeom>
+          <a:solidFill>
+            <a:schemeClr val="bg1"/>
+          </a:solidFill>
+          <a:ln w="38100">
+            <a:gradFill flip="none" rotWithShape="1">
+              <a:gsLst>
+                <a:gs pos="0">
+                  <a:srgbClr val="363D46"/>
+                </a:gs>
+                <a:gs pos="100000">
+                  <a:srgbClr val="363D46">
+                    <a:lumMod val="75000"/>
+                  </a:srgbClr>
+                </a:gs>
+              </a:gsLst>
+              <a:lin ang="5400000" scaled="0"/>
+              <a:tileRect/>
+            </a:gradFill>
+          </a:ln>
+          <a:effectLst>
+            <a:innerShdw blurRad="57150" dist="38100" dir="14460000">
+              <a:srgbClr val="000000">
+                <a:alpha val="70000"/>
+              </a:srgbClr>
+            </a:innerShdw>
+          </a:effectLst>
+        </p:spPr>
+        <p:style>
+          <a:lnRef idx="2">
+            <a:schemeClr val="accent1">
+              <a:shade val="50000"/>
+            </a:schemeClr>
+          </a:lnRef>
+          <a:fillRef idx="1">
+            <a:schemeClr val="accent1"/>
+          </a:fillRef>
+          <a:effectRef idx="0">
+            <a:schemeClr val="accent1"/>
+          </a:effectRef>
+          <a:fontRef idx="minor">
+            <a:schemeClr val="lt1"/>
+          </a:fontRef>
+        </p:style>
+        <p:txBody>
+          <a:bodyPr rtlCol="0" anchor="ctr"/>
+          <a:lstStyle/>
+          <a:p>
+            <a:pPr algn="ctr"/>
+            <a:endParaRPr lang="en-US">
+              <a:solidFill>
+                <a:schemeClr val="bg1"/>
+              </a:solidFill>
+            </a:endParaRPr>
+          </a:p>
+        </p:txBody>
+      </p:sp>
+      <p:pic>
+        <p:nvPicPr>
+          <p:cNvPr id="7" name="Picture 6" descr="Diagram&#10;&#10;Description automatically generated">
+            <a:extLst>
+              <a:ext uri="{FF2B5EF4-FFF2-40B4-BE49-F238E27FC236}">
+                <a16:creationId xmlns:a16="http://schemas.microsoft.com/office/drawing/2014/main" id="{686E512E-6FD1-2B6F-31FC-57DC6CF31D2C}"/>
+              </a:ext>
+            </a:extLst>
+          </p:cNvPr>
+          <p:cNvPicPr>
+            <a:picLocks noChangeAspect="1"/>
+          </p:cNvPicPr>
+          <p:nvPr/>
+        </p:nvPicPr>
+        <p:blipFill>
+          <a:blip r:embed="rId2"/>
+          <a:stretch>
+            <a:fillRect/>
+          </a:stretch>
+        </p:blipFill>
+        <p:spPr>
+          <a:xfrm>
+            <a:off x="1475012" y="1115604"/>
+            <a:ext cx="5250634" cy="4607432"/>
+          </a:xfrm>
+          <a:prstGeom prst="rect">
+            <a:avLst/>
+          </a:prstGeom>
+        </p:spPr>
+      </p:pic>
+      <p:sp>
+        <p:nvSpPr>
+          <p:cNvPr id="8" name="TextBox 7">
+            <a:extLst>
+              <a:ext uri="{FF2B5EF4-FFF2-40B4-BE49-F238E27FC236}">
+                <a16:creationId xmlns:a16="http://schemas.microsoft.com/office/drawing/2014/main" id="{36882AC6-B1CC-808A-C4AB-4A02D2DC722C}"/>
+              </a:ext>
+            </a:extLst>
+          </p:cNvPr>
+          <p:cNvSpPr txBox="1"/>
+          <p:nvPr/>
+        </p:nvSpPr>
+        <p:spPr>
+          <a:xfrm>
+            <a:off x="8164106" y="5972175"/>
+            <a:ext cx="3237319" cy="430887"/>
+          </a:xfrm>
+          <a:prstGeom prst="rect">
+            <a:avLst/>
+          </a:prstGeom>
+          <a:noFill/>
+        </p:spPr>
+        <p:txBody>
+          <a:bodyPr wrap="square" rtlCol="0">
+            <a:spAutoFit/>
+          </a:bodyPr>
+          <a:lstStyle/>
+          <a:p>
+            <a:r>
+              <a:rPr lang="en-US" sz="1100" cap="all" dirty="0">
+                <a:ln w="3175" cmpd="sng">
+                  <a:noFill/>
+                </a:ln>
+                <a:gradFill flip="none" rotWithShape="1">
+                  <a:gsLst>
+                    <a:gs pos="0">
+                      <a:sysClr val="window" lastClr="FFFFFF"/>
+                    </a:gs>
+                    <a:gs pos="100000">
+                      <a:sysClr val="window" lastClr="FFFFFF">
+                        <a:lumMod val="65000"/>
+                      </a:sysClr>
+                    </a:gs>
+                  </a:gsLst>
+                  <a:lin ang="5580000" scaled="0"/>
+                  <a:tileRect/>
+                </a:gradFill>
+                <a:effectLst>
+                  <a:glow rad="38100">
+                    <a:schemeClr val="bg1">
+                      <a:lumMod val="65000"/>
+                      <a:lumOff val="35000"/>
+                      <a:alpha val="50000"/>
+                    </a:schemeClr>
+                  </a:glow>
+                  <a:outerShdw blurRad="28575" dist="31750" dir="13200000" algn="tl" rotWithShape="0">
+                    <a:srgbClr val="000000">
+                      <a:alpha val="25000"/>
+                    </a:srgbClr>
+                  </a:outerShdw>
+                </a:effectLst>
+                <a:latin typeface="+mj-lt"/>
+                <a:ea typeface="+mj-ea"/>
+                <a:cs typeface="+mj-cs"/>
+              </a:rPr>
+              <a:t>A computational model of scientific insight, 1986</a:t>
+            </a:r>
           </a:p>
         </p:txBody>
       </p:sp>
     </p:spTree>
     <p:extLst>
       <p:ext uri="{BB962C8B-B14F-4D97-AF65-F5344CB8AC3E}">
-        <p14:creationId xmlns:p14="http://schemas.microsoft.com/office/powerpoint/2010/main" val="1232664304"/>
+        <p14:creationId xmlns:p14="http://schemas.microsoft.com/office/powerpoint/2010/main" val="3944467530"/>
       </p:ext>
     </p:extLst>
   </p:cSld>
   <p:clrMapOvr>
-    <a:masterClrMapping/>
+    <a:overrideClrMapping bg1="lt1" tx1="dk1" bg2="lt2" tx2="dk2" accent1="accent1" accent2="accent2" accent3="accent3" accent4="accent4" accent5="accent5" accent6="accent6" hlink="hlink" folHlink="folHlink"/>
   </p:clrMapOvr>
 </p:sld>
 </file>
@@ -6314,6 +6548,125 @@
           <a:lstStyle/>
           <a:p>
             <a:r>
+              <a:rPr lang="en-US" dirty="0" err="1"/>
+              <a:t>Explainability</a:t>
+            </a:r>
+            <a:r>
+              <a:rPr lang="en-US" dirty="0"/>
+              <a:t> (insights from social sciences)</a:t>
+            </a:r>
+          </a:p>
+          <a:p>
+            <a:r>
+              <a:rPr lang="en-US" dirty="0"/>
+              <a:t>Abstraction and reasoning</a:t>
+            </a:r>
+          </a:p>
+          <a:p>
+            <a:r>
+              <a:rPr lang="en-US" dirty="0"/>
+              <a:t>Psychology of invention</a:t>
+            </a:r>
+          </a:p>
+          <a:p>
+            <a:pPr lvl="1"/>
+            <a:r>
+              <a:rPr lang="en-US" dirty="0" err="1"/>
+              <a:t>Kekule</a:t>
+            </a:r>
+            <a:endParaRPr lang="en-US" dirty="0"/>
+          </a:p>
+          <a:p>
+            <a:pPr lvl="1"/>
+            <a:r>
+              <a:rPr lang="en-US" dirty="0" err="1"/>
+              <a:t>poincare</a:t>
+            </a:r>
+            <a:endParaRPr lang="en-US" dirty="0"/>
+          </a:p>
+        </p:txBody>
+      </p:sp>
+    </p:spTree>
+    <p:extLst>
+      <p:ext uri="{BB962C8B-B14F-4D97-AF65-F5344CB8AC3E}">
+        <p14:creationId xmlns:p14="http://schemas.microsoft.com/office/powerpoint/2010/main" val="1232664304"/>
+      </p:ext>
+    </p:extLst>
+  </p:cSld>
+  <p:clrMapOvr>
+    <a:masterClrMapping/>
+  </p:clrMapOvr>
+</p:sld>
+</file>
+
+<file path=ppt/slides/slide7.xml><?xml version="1.0" encoding="utf-8"?>
+<p:sld xmlns:a="http://schemas.openxmlformats.org/drawingml/2006/main" xmlns:r="http://schemas.openxmlformats.org/officeDocument/2006/relationships" xmlns:p="http://schemas.openxmlformats.org/presentationml/2006/main">
+  <p:cSld>
+    <p:spTree>
+      <p:nvGrpSpPr>
+        <p:cNvPr id="1" name=""/>
+        <p:cNvGrpSpPr/>
+        <p:nvPr/>
+      </p:nvGrpSpPr>
+      <p:grpSpPr>
+        <a:xfrm>
+          <a:off x="0" y="0"/>
+          <a:ext cx="0" cy="0"/>
+          <a:chOff x="0" y="0"/>
+          <a:chExt cx="0" cy="0"/>
+        </a:xfrm>
+      </p:grpSpPr>
+      <p:sp>
+        <p:nvSpPr>
+          <p:cNvPr id="2" name="Title 1">
+            <a:extLst>
+              <a:ext uri="{FF2B5EF4-FFF2-40B4-BE49-F238E27FC236}">
+                <a16:creationId xmlns:a16="http://schemas.microsoft.com/office/drawing/2014/main" id="{CF612BA6-BC0E-B4AE-F70D-859427D8CA86}"/>
+              </a:ext>
+            </a:extLst>
+          </p:cNvPr>
+          <p:cNvSpPr>
+            <a:spLocks noGrp="1"/>
+          </p:cNvSpPr>
+          <p:nvPr>
+            <p:ph type="title"/>
+          </p:nvPr>
+        </p:nvSpPr>
+        <p:spPr/>
+        <p:txBody>
+          <a:bodyPr/>
+          <a:lstStyle/>
+          <a:p>
+            <a:pPr algn="ctr"/>
+            <a:r>
+              <a:rPr lang="en-US" dirty="0"/>
+              <a:t>Approaches</a:t>
+            </a:r>
+          </a:p>
+        </p:txBody>
+      </p:sp>
+      <p:sp>
+        <p:nvSpPr>
+          <p:cNvPr id="3" name="Content Placeholder 2">
+            <a:extLst>
+              <a:ext uri="{FF2B5EF4-FFF2-40B4-BE49-F238E27FC236}">
+                <a16:creationId xmlns:a16="http://schemas.microsoft.com/office/drawing/2014/main" id="{F1B0DF05-BBCC-D407-D536-3119B0214CAD}"/>
+              </a:ext>
+            </a:extLst>
+          </p:cNvPr>
+          <p:cNvSpPr>
+            <a:spLocks noGrp="1"/>
+          </p:cNvSpPr>
+          <p:nvPr>
+            <p:ph idx="1"/>
+          </p:nvPr>
+        </p:nvSpPr>
+        <p:spPr/>
+        <p:txBody>
+          <a:bodyPr/>
+          <a:lstStyle/>
+          <a:p>
+            <a:r>
               <a:rPr lang="en-US" dirty="0"/>
               <a:t>Other ideas</a:t>
             </a:r>
@@ -6347,7 +6700,7 @@
 </p:sld>
 </file>
 
-<file path=ppt/slides/slide7.xml><?xml version="1.0" encoding="utf-8"?>
+<file path=ppt/slides/slide8.xml><?xml version="1.0" encoding="utf-8"?>
 <p:sld xmlns:a="http://schemas.openxmlformats.org/drawingml/2006/main" xmlns:r="http://schemas.openxmlformats.org/officeDocument/2006/relationships" xmlns:p="http://schemas.openxmlformats.org/presentationml/2006/main">
   <p:cSld>
     <p:spTree>

--- a/intro.pptx
+++ b/intro.pptx
@@ -6086,7 +6086,7 @@
           <a:p>
             <a:r>
               <a:rPr lang="en-US" dirty="0"/>
-              <a:t>Computational models of creativity</a:t>
+              <a:t>Computational models of creativity and insight</a:t>
             </a:r>
           </a:p>
           <a:p>
@@ -6464,6 +6464,81 @@
               </a:rPr>
               <a:t>A computational model of scientific insight, 1986</a:t>
             </a:r>
+            <a:r>
+              <a:rPr lang="en-US" sz="1100" cap="all">
+                <a:ln w="3175" cmpd="sng">
+                  <a:noFill/>
+                </a:ln>
+                <a:gradFill flip="none" rotWithShape="1">
+                  <a:gsLst>
+                    <a:gs pos="0">
+                      <a:sysClr val="window" lastClr="FFFFFF"/>
+                    </a:gs>
+                    <a:gs pos="100000">
+                      <a:sysClr val="window" lastClr="FFFFFF">
+                        <a:lumMod val="65000"/>
+                      </a:sysClr>
+                    </a:gs>
+                  </a:gsLst>
+                  <a:lin ang="5580000" scaled="0"/>
+                  <a:tileRect/>
+                </a:gradFill>
+                <a:effectLst>
+                  <a:glow rad="38100">
+                    <a:schemeClr val="bg1">
+                      <a:lumMod val="65000"/>
+                      <a:lumOff val="35000"/>
+                      <a:alpha val="50000"/>
+                    </a:schemeClr>
+                  </a:glow>
+                  <a:outerShdw blurRad="28575" dist="31750" dir="13200000" algn="tl" rotWithShape="0">
+                    <a:srgbClr val="000000">
+                      <a:alpha val="25000"/>
+                    </a:srgbClr>
+                  </a:outerShdw>
+                </a:effectLst>
+                <a:latin typeface="+mj-lt"/>
+                <a:ea typeface="+mj-ea"/>
+                <a:cs typeface="+mj-cs"/>
+              </a:rPr>
+              <a:t>, Langley et al.</a:t>
+            </a:r>
+            <a:endParaRPr lang="en-US" sz="1100" cap="all" dirty="0">
+              <a:ln w="3175" cmpd="sng">
+                <a:noFill/>
+              </a:ln>
+              <a:gradFill flip="none" rotWithShape="1">
+                <a:gsLst>
+                  <a:gs pos="0">
+                    <a:sysClr val="window" lastClr="FFFFFF"/>
+                  </a:gs>
+                  <a:gs pos="100000">
+                    <a:sysClr val="window" lastClr="FFFFFF">
+                      <a:lumMod val="65000"/>
+                    </a:sysClr>
+                  </a:gs>
+                </a:gsLst>
+                <a:lin ang="5580000" scaled="0"/>
+                <a:tileRect/>
+              </a:gradFill>
+              <a:effectLst>
+                <a:glow rad="38100">
+                  <a:schemeClr val="bg1">
+                    <a:lumMod val="65000"/>
+                    <a:lumOff val="35000"/>
+                    <a:alpha val="50000"/>
+                  </a:schemeClr>
+                </a:glow>
+                <a:outerShdw blurRad="28575" dist="31750" dir="13200000" algn="tl" rotWithShape="0">
+                  <a:srgbClr val="000000">
+                    <a:alpha val="25000"/>
+                  </a:srgbClr>
+                </a:outerShdw>
+              </a:effectLst>
+              <a:latin typeface="+mj-lt"/>
+              <a:ea typeface="+mj-ea"/>
+              <a:cs typeface="+mj-cs"/>
+            </a:endParaRPr>
           </a:p>
         </p:txBody>
       </p:sp>

--- a/intro.pptx
+++ b/intro.pptx
@@ -7,12 +7,13 @@
   <p:sldIdLst>
     <p:sldId id="256" r:id="rId2"/>
     <p:sldId id="257" r:id="rId3"/>
-    <p:sldId id="259" r:id="rId4"/>
-    <p:sldId id="258" r:id="rId5"/>
-    <p:sldId id="263" r:id="rId6"/>
-    <p:sldId id="260" r:id="rId7"/>
-    <p:sldId id="261" r:id="rId8"/>
-    <p:sldId id="262" r:id="rId9"/>
+    <p:sldId id="264" r:id="rId4"/>
+    <p:sldId id="259" r:id="rId5"/>
+    <p:sldId id="258" r:id="rId6"/>
+    <p:sldId id="263" r:id="rId7"/>
+    <p:sldId id="260" r:id="rId8"/>
+    <p:sldId id="261" r:id="rId9"/>
+    <p:sldId id="262" r:id="rId10"/>
   </p:sldIdLst>
   <p:sldSz cx="12192000" cy="6858000"/>
   <p:notesSz cx="6858000" cy="9144000"/>
@@ -5964,36 +5965,41 @@
           <a:lstStyle/>
           <a:p>
             <a:r>
-              <a:rPr lang="en-GB" dirty="0"/>
-              <a:t>Unconventional approaches in AI: complex systems perspectives, cognitive psychology, social sciences, computational models of creativity and other unconventional models</a:t>
-            </a:r>
-          </a:p>
-          <a:p>
-            <a:r>
-              <a:rPr lang="en-GB" dirty="0" err="1"/>
-              <a:t>Perceptrons</a:t>
-            </a:r>
-            <a:endParaRPr lang="en-GB" dirty="0"/>
-          </a:p>
-          <a:p>
-            <a:r>
-              <a:rPr lang="en-GB" dirty="0"/>
-              <a:t>Cognitive psychology</a:t>
-            </a:r>
-          </a:p>
-          <a:p>
-            <a:r>
-              <a:rPr lang="en-GB" dirty="0"/>
-              <a:t>Neuroscience</a:t>
-            </a:r>
-          </a:p>
-          <a:p>
-            <a:r>
-              <a:rPr lang="en-GB" dirty="0"/>
-              <a:t>linguistics</a:t>
-            </a:r>
-          </a:p>
-          <a:p>
+              <a:rPr lang="en-US" dirty="0"/>
+              <a:t>We are told of eureka moments (Archimedes, newton, …)</a:t>
+            </a:r>
+          </a:p>
+          <a:p>
+            <a:r>
+              <a:rPr lang="en-US" dirty="0"/>
+              <a:t>In reality we always build on the work of others</a:t>
+            </a:r>
+          </a:p>
+          <a:p>
+            <a:r>
+              <a:rPr lang="en-US" dirty="0"/>
+              <a:t>There is a preparation stage</a:t>
+            </a:r>
+          </a:p>
+          <a:p>
+            <a:r>
+              <a:rPr lang="en-US" dirty="0"/>
+              <a:t>Incubation stage</a:t>
+            </a:r>
+          </a:p>
+          <a:p>
+            <a:r>
+              <a:rPr lang="en-US" dirty="0"/>
+              <a:t>Retrieval/indexing (</a:t>
+            </a:r>
+            <a:r>
+              <a:rPr lang="en-US" dirty="0" err="1"/>
+              <a:t>kekule</a:t>
+            </a:r>
+            <a:r>
+              <a:rPr lang="en-US"/>
+              <a:t> dreaming of a snake and then linking it to benzene rings)</a:t>
+            </a:r>
             <a:endParaRPr lang="en-US" dirty="0"/>
           </a:p>
         </p:txBody>
@@ -6001,7 +6007,7 @@
     </p:spTree>
     <p:extLst>
       <p:ext uri="{BB962C8B-B14F-4D97-AF65-F5344CB8AC3E}">
-        <p14:creationId xmlns:p14="http://schemas.microsoft.com/office/powerpoint/2010/main" val="2307921614"/>
+        <p14:creationId xmlns:p14="http://schemas.microsoft.com/office/powerpoint/2010/main" val="1730645031"/>
       </p:ext>
     </p:extLst>
   </p:cSld>
@@ -6033,6 +6039,128 @@
           <p:cNvPr id="2" name="Title 1">
             <a:extLst>
               <a:ext uri="{FF2B5EF4-FFF2-40B4-BE49-F238E27FC236}">
+                <a16:creationId xmlns:a16="http://schemas.microsoft.com/office/drawing/2014/main" id="{EDB20C6A-BEB1-6767-F5DD-BEB434D5A13F}"/>
+              </a:ext>
+            </a:extLst>
+          </p:cNvPr>
+          <p:cNvSpPr>
+            <a:spLocks noGrp="1"/>
+          </p:cNvSpPr>
+          <p:nvPr>
+            <p:ph type="title"/>
+          </p:nvPr>
+        </p:nvSpPr>
+        <p:spPr/>
+        <p:txBody>
+          <a:bodyPr/>
+          <a:lstStyle/>
+          <a:p>
+            <a:pPr algn="ctr"/>
+            <a:r>
+              <a:rPr lang="en-US" dirty="0"/>
+              <a:t>Insights from the past</a:t>
+            </a:r>
+          </a:p>
+        </p:txBody>
+      </p:sp>
+      <p:sp>
+        <p:nvSpPr>
+          <p:cNvPr id="3" name="Content Placeholder 2">
+            <a:extLst>
+              <a:ext uri="{FF2B5EF4-FFF2-40B4-BE49-F238E27FC236}">
+                <a16:creationId xmlns:a16="http://schemas.microsoft.com/office/drawing/2014/main" id="{07FE878F-A37E-A7C5-11F8-95D836E3C783}"/>
+              </a:ext>
+            </a:extLst>
+          </p:cNvPr>
+          <p:cNvSpPr>
+            <a:spLocks noGrp="1"/>
+          </p:cNvSpPr>
+          <p:nvPr>
+            <p:ph idx="1"/>
+          </p:nvPr>
+        </p:nvSpPr>
+        <p:spPr>
+          <a:xfrm>
+            <a:off x="1141413" y="2666999"/>
+            <a:ext cx="9905998" cy="3581401"/>
+          </a:xfrm>
+        </p:spPr>
+        <p:txBody>
+          <a:bodyPr>
+            <a:normAutofit/>
+          </a:bodyPr>
+          <a:lstStyle/>
+          <a:p>
+            <a:r>
+              <a:rPr lang="en-GB" dirty="0"/>
+              <a:t>Unconventional approaches in AI: complex systems perspectives, cognitive psychology, social sciences, computational models of creativity and other unconventional models</a:t>
+            </a:r>
+          </a:p>
+          <a:p>
+            <a:r>
+              <a:rPr lang="en-GB" dirty="0" err="1"/>
+              <a:t>Perceptrons</a:t>
+            </a:r>
+            <a:endParaRPr lang="en-GB" dirty="0"/>
+          </a:p>
+          <a:p>
+            <a:r>
+              <a:rPr lang="en-GB" dirty="0"/>
+              <a:t>Cognitive psychology</a:t>
+            </a:r>
+          </a:p>
+          <a:p>
+            <a:r>
+              <a:rPr lang="en-GB" dirty="0"/>
+              <a:t>Neuroscience</a:t>
+            </a:r>
+          </a:p>
+          <a:p>
+            <a:r>
+              <a:rPr lang="en-GB" dirty="0"/>
+              <a:t>linguistics</a:t>
+            </a:r>
+          </a:p>
+          <a:p>
+            <a:endParaRPr lang="en-US" dirty="0"/>
+          </a:p>
+        </p:txBody>
+      </p:sp>
+    </p:spTree>
+    <p:extLst>
+      <p:ext uri="{BB962C8B-B14F-4D97-AF65-F5344CB8AC3E}">
+        <p14:creationId xmlns:p14="http://schemas.microsoft.com/office/powerpoint/2010/main" val="2307921614"/>
+      </p:ext>
+    </p:extLst>
+  </p:cSld>
+  <p:clrMapOvr>
+    <a:masterClrMapping/>
+  </p:clrMapOvr>
+</p:sld>
+</file>
+
+<file path=ppt/slides/slide5.xml><?xml version="1.0" encoding="utf-8"?>
+<p:sld xmlns:a="http://schemas.openxmlformats.org/drawingml/2006/main" xmlns:r="http://schemas.openxmlformats.org/officeDocument/2006/relationships" xmlns:p="http://schemas.openxmlformats.org/presentationml/2006/main">
+  <p:cSld>
+    <p:spTree>
+      <p:nvGrpSpPr>
+        <p:cNvPr id="1" name=""/>
+        <p:cNvGrpSpPr/>
+        <p:nvPr/>
+      </p:nvGrpSpPr>
+      <p:grpSpPr>
+        <a:xfrm>
+          <a:off x="0" y="0"/>
+          <a:ext cx="0" cy="0"/>
+          <a:chOff x="0" y="0"/>
+          <a:chExt cx="0" cy="0"/>
+        </a:xfrm>
+      </p:grpSpPr>
+      <p:sp>
+        <p:nvSpPr>
+          <p:cNvPr id="2" name="Title 1">
+            <a:extLst>
+              <a:ext uri="{FF2B5EF4-FFF2-40B4-BE49-F238E27FC236}">
                 <a16:creationId xmlns:a16="http://schemas.microsoft.com/office/drawing/2014/main" id="{CF612BA6-BC0E-B4AE-F70D-859427D8CA86}"/>
               </a:ext>
             </a:extLst>
@@ -6128,7 +6256,7 @@
 </p:sld>
 </file>
 
-<file path=ppt/slides/slide5.xml><?xml version="1.0" encoding="utf-8"?>
+<file path=ppt/slides/slide6.xml><?xml version="1.0" encoding="utf-8"?>
 <p:sld xmlns:a="http://schemas.openxmlformats.org/drawingml/2006/main" xmlns:r="http://schemas.openxmlformats.org/officeDocument/2006/relationships" xmlns:p="http://schemas.openxmlformats.org/presentationml/2006/main">
   <p:cSld>
     <p:bg>
@@ -6462,83 +6590,8 @@
                 <a:ea typeface="+mj-ea"/>
                 <a:cs typeface="+mj-cs"/>
               </a:rPr>
-              <a:t>A computational model of scientific insight, 1986</a:t>
-            </a:r>
-            <a:r>
-              <a:rPr lang="en-US" sz="1100" cap="all">
-                <a:ln w="3175" cmpd="sng">
-                  <a:noFill/>
-                </a:ln>
-                <a:gradFill flip="none" rotWithShape="1">
-                  <a:gsLst>
-                    <a:gs pos="0">
-                      <a:sysClr val="window" lastClr="FFFFFF"/>
-                    </a:gs>
-                    <a:gs pos="100000">
-                      <a:sysClr val="window" lastClr="FFFFFF">
-                        <a:lumMod val="65000"/>
-                      </a:sysClr>
-                    </a:gs>
-                  </a:gsLst>
-                  <a:lin ang="5580000" scaled="0"/>
-                  <a:tileRect/>
-                </a:gradFill>
-                <a:effectLst>
-                  <a:glow rad="38100">
-                    <a:schemeClr val="bg1">
-                      <a:lumMod val="65000"/>
-                      <a:lumOff val="35000"/>
-                      <a:alpha val="50000"/>
-                    </a:schemeClr>
-                  </a:glow>
-                  <a:outerShdw blurRad="28575" dist="31750" dir="13200000" algn="tl" rotWithShape="0">
-                    <a:srgbClr val="000000">
-                      <a:alpha val="25000"/>
-                    </a:srgbClr>
-                  </a:outerShdw>
-                </a:effectLst>
-                <a:latin typeface="+mj-lt"/>
-                <a:ea typeface="+mj-ea"/>
-                <a:cs typeface="+mj-cs"/>
-              </a:rPr>
-              <a:t>, Langley et al.</a:t>
-            </a:r>
-            <a:endParaRPr lang="en-US" sz="1100" cap="all" dirty="0">
-              <a:ln w="3175" cmpd="sng">
-                <a:noFill/>
-              </a:ln>
-              <a:gradFill flip="none" rotWithShape="1">
-                <a:gsLst>
-                  <a:gs pos="0">
-                    <a:sysClr val="window" lastClr="FFFFFF"/>
-                  </a:gs>
-                  <a:gs pos="100000">
-                    <a:sysClr val="window" lastClr="FFFFFF">
-                      <a:lumMod val="65000"/>
-                    </a:sysClr>
-                  </a:gs>
-                </a:gsLst>
-                <a:lin ang="5580000" scaled="0"/>
-                <a:tileRect/>
-              </a:gradFill>
-              <a:effectLst>
-                <a:glow rad="38100">
-                  <a:schemeClr val="bg1">
-                    <a:lumMod val="65000"/>
-                    <a:lumOff val="35000"/>
-                    <a:alpha val="50000"/>
-                  </a:schemeClr>
-                </a:glow>
-                <a:outerShdw blurRad="28575" dist="31750" dir="13200000" algn="tl" rotWithShape="0">
-                  <a:srgbClr val="000000">
-                    <a:alpha val="25000"/>
-                  </a:srgbClr>
-                </a:outerShdw>
-              </a:effectLst>
-              <a:latin typeface="+mj-lt"/>
-              <a:ea typeface="+mj-ea"/>
-              <a:cs typeface="+mj-cs"/>
-            </a:endParaRPr>
+              <a:t>A computational model of scientific insight, 1986, Langley et al.</a:t>
+            </a:r>
           </a:p>
         </p:txBody>
       </p:sp>
@@ -6551,125 +6604,6 @@
   </p:cSld>
   <p:clrMapOvr>
     <a:overrideClrMapping bg1="lt1" tx1="dk1" bg2="lt2" tx2="dk2" accent1="accent1" accent2="accent2" accent3="accent3" accent4="accent4" accent5="accent5" accent6="accent6" hlink="hlink" folHlink="folHlink"/>
-  </p:clrMapOvr>
-</p:sld>
-</file>
-
-<file path=ppt/slides/slide6.xml><?xml version="1.0" encoding="utf-8"?>
-<p:sld xmlns:a="http://schemas.openxmlformats.org/drawingml/2006/main" xmlns:r="http://schemas.openxmlformats.org/officeDocument/2006/relationships" xmlns:p="http://schemas.openxmlformats.org/presentationml/2006/main">
-  <p:cSld>
-    <p:spTree>
-      <p:nvGrpSpPr>
-        <p:cNvPr id="1" name=""/>
-        <p:cNvGrpSpPr/>
-        <p:nvPr/>
-      </p:nvGrpSpPr>
-      <p:grpSpPr>
-        <a:xfrm>
-          <a:off x="0" y="0"/>
-          <a:ext cx="0" cy="0"/>
-          <a:chOff x="0" y="0"/>
-          <a:chExt cx="0" cy="0"/>
-        </a:xfrm>
-      </p:grpSpPr>
-      <p:sp>
-        <p:nvSpPr>
-          <p:cNvPr id="2" name="Title 1">
-            <a:extLst>
-              <a:ext uri="{FF2B5EF4-FFF2-40B4-BE49-F238E27FC236}">
-                <a16:creationId xmlns:a16="http://schemas.microsoft.com/office/drawing/2014/main" id="{CF612BA6-BC0E-B4AE-F70D-859427D8CA86}"/>
-              </a:ext>
-            </a:extLst>
-          </p:cNvPr>
-          <p:cNvSpPr>
-            <a:spLocks noGrp="1"/>
-          </p:cNvSpPr>
-          <p:nvPr>
-            <p:ph type="title"/>
-          </p:nvPr>
-        </p:nvSpPr>
-        <p:spPr/>
-        <p:txBody>
-          <a:bodyPr/>
-          <a:lstStyle/>
-          <a:p>
-            <a:pPr algn="ctr"/>
-            <a:r>
-              <a:rPr lang="en-US" dirty="0"/>
-              <a:t>Approaches</a:t>
-            </a:r>
-          </a:p>
-        </p:txBody>
-      </p:sp>
-      <p:sp>
-        <p:nvSpPr>
-          <p:cNvPr id="3" name="Content Placeholder 2">
-            <a:extLst>
-              <a:ext uri="{FF2B5EF4-FFF2-40B4-BE49-F238E27FC236}">
-                <a16:creationId xmlns:a16="http://schemas.microsoft.com/office/drawing/2014/main" id="{F1B0DF05-BBCC-D407-D536-3119B0214CAD}"/>
-              </a:ext>
-            </a:extLst>
-          </p:cNvPr>
-          <p:cNvSpPr>
-            <a:spLocks noGrp="1"/>
-          </p:cNvSpPr>
-          <p:nvPr>
-            <p:ph idx="1"/>
-          </p:nvPr>
-        </p:nvSpPr>
-        <p:spPr/>
-        <p:txBody>
-          <a:bodyPr/>
-          <a:lstStyle/>
-          <a:p>
-            <a:r>
-              <a:rPr lang="en-US" dirty="0" err="1"/>
-              <a:t>Explainability</a:t>
-            </a:r>
-            <a:r>
-              <a:rPr lang="en-US" dirty="0"/>
-              <a:t> (insights from social sciences)</a:t>
-            </a:r>
-          </a:p>
-          <a:p>
-            <a:r>
-              <a:rPr lang="en-US" dirty="0"/>
-              <a:t>Abstraction and reasoning</a:t>
-            </a:r>
-          </a:p>
-          <a:p>
-            <a:r>
-              <a:rPr lang="en-US" dirty="0"/>
-              <a:t>Psychology of invention</a:t>
-            </a:r>
-          </a:p>
-          <a:p>
-            <a:pPr lvl="1"/>
-            <a:r>
-              <a:rPr lang="en-US" dirty="0" err="1"/>
-              <a:t>Kekule</a:t>
-            </a:r>
-            <a:endParaRPr lang="en-US" dirty="0"/>
-          </a:p>
-          <a:p>
-            <a:pPr lvl="1"/>
-            <a:r>
-              <a:rPr lang="en-US" dirty="0" err="1"/>
-              <a:t>poincare</a:t>
-            </a:r>
-            <a:endParaRPr lang="en-US" dirty="0"/>
-          </a:p>
-        </p:txBody>
-      </p:sp>
-    </p:spTree>
-    <p:extLst>
-      <p:ext uri="{BB962C8B-B14F-4D97-AF65-F5344CB8AC3E}">
-        <p14:creationId xmlns:p14="http://schemas.microsoft.com/office/powerpoint/2010/main" val="1232664304"/>
-      </p:ext>
-    </p:extLst>
-  </p:cSld>
-  <p:clrMapOvr>
-    <a:masterClrMapping/>
   </p:clrMapOvr>
 </p:sld>
 </file>
@@ -6742,6 +6676,125 @@
           <a:lstStyle/>
           <a:p>
             <a:r>
+              <a:rPr lang="en-US" dirty="0" err="1"/>
+              <a:t>Explainability</a:t>
+            </a:r>
+            <a:r>
+              <a:rPr lang="en-US" dirty="0"/>
+              <a:t> (insights from social sciences)</a:t>
+            </a:r>
+          </a:p>
+          <a:p>
+            <a:r>
+              <a:rPr lang="en-US" dirty="0"/>
+              <a:t>Abstraction and reasoning</a:t>
+            </a:r>
+          </a:p>
+          <a:p>
+            <a:r>
+              <a:rPr lang="en-US" dirty="0"/>
+              <a:t>Psychology of invention</a:t>
+            </a:r>
+          </a:p>
+          <a:p>
+            <a:pPr lvl="1"/>
+            <a:r>
+              <a:rPr lang="en-US" dirty="0" err="1"/>
+              <a:t>Kekule</a:t>
+            </a:r>
+            <a:endParaRPr lang="en-US" dirty="0"/>
+          </a:p>
+          <a:p>
+            <a:pPr lvl="1"/>
+            <a:r>
+              <a:rPr lang="en-US" dirty="0" err="1"/>
+              <a:t>poincare</a:t>
+            </a:r>
+            <a:endParaRPr lang="en-US" dirty="0"/>
+          </a:p>
+        </p:txBody>
+      </p:sp>
+    </p:spTree>
+    <p:extLst>
+      <p:ext uri="{BB962C8B-B14F-4D97-AF65-F5344CB8AC3E}">
+        <p14:creationId xmlns:p14="http://schemas.microsoft.com/office/powerpoint/2010/main" val="1232664304"/>
+      </p:ext>
+    </p:extLst>
+  </p:cSld>
+  <p:clrMapOvr>
+    <a:masterClrMapping/>
+  </p:clrMapOvr>
+</p:sld>
+</file>
+
+<file path=ppt/slides/slide8.xml><?xml version="1.0" encoding="utf-8"?>
+<p:sld xmlns:a="http://schemas.openxmlformats.org/drawingml/2006/main" xmlns:r="http://schemas.openxmlformats.org/officeDocument/2006/relationships" xmlns:p="http://schemas.openxmlformats.org/presentationml/2006/main">
+  <p:cSld>
+    <p:spTree>
+      <p:nvGrpSpPr>
+        <p:cNvPr id="1" name=""/>
+        <p:cNvGrpSpPr/>
+        <p:nvPr/>
+      </p:nvGrpSpPr>
+      <p:grpSpPr>
+        <a:xfrm>
+          <a:off x="0" y="0"/>
+          <a:ext cx="0" cy="0"/>
+          <a:chOff x="0" y="0"/>
+          <a:chExt cx="0" cy="0"/>
+        </a:xfrm>
+      </p:grpSpPr>
+      <p:sp>
+        <p:nvSpPr>
+          <p:cNvPr id="2" name="Title 1">
+            <a:extLst>
+              <a:ext uri="{FF2B5EF4-FFF2-40B4-BE49-F238E27FC236}">
+                <a16:creationId xmlns:a16="http://schemas.microsoft.com/office/drawing/2014/main" id="{CF612BA6-BC0E-B4AE-F70D-859427D8CA86}"/>
+              </a:ext>
+            </a:extLst>
+          </p:cNvPr>
+          <p:cNvSpPr>
+            <a:spLocks noGrp="1"/>
+          </p:cNvSpPr>
+          <p:nvPr>
+            <p:ph type="title"/>
+          </p:nvPr>
+        </p:nvSpPr>
+        <p:spPr/>
+        <p:txBody>
+          <a:bodyPr/>
+          <a:lstStyle/>
+          <a:p>
+            <a:pPr algn="ctr"/>
+            <a:r>
+              <a:rPr lang="en-US" dirty="0"/>
+              <a:t>Approaches</a:t>
+            </a:r>
+          </a:p>
+        </p:txBody>
+      </p:sp>
+      <p:sp>
+        <p:nvSpPr>
+          <p:cNvPr id="3" name="Content Placeholder 2">
+            <a:extLst>
+              <a:ext uri="{FF2B5EF4-FFF2-40B4-BE49-F238E27FC236}">
+                <a16:creationId xmlns:a16="http://schemas.microsoft.com/office/drawing/2014/main" id="{F1B0DF05-BBCC-D407-D536-3119B0214CAD}"/>
+              </a:ext>
+            </a:extLst>
+          </p:cNvPr>
+          <p:cNvSpPr>
+            <a:spLocks noGrp="1"/>
+          </p:cNvSpPr>
+          <p:nvPr>
+            <p:ph idx="1"/>
+          </p:nvPr>
+        </p:nvSpPr>
+        <p:spPr/>
+        <p:txBody>
+          <a:bodyPr/>
+          <a:lstStyle/>
+          <a:p>
+            <a:r>
               <a:rPr lang="en-US" dirty="0"/>
               <a:t>Other ideas</a:t>
             </a:r>
@@ -6775,7 +6828,7 @@
 </p:sld>
 </file>
 
-<file path=ppt/slides/slide8.xml><?xml version="1.0" encoding="utf-8"?>
+<file path=ppt/slides/slide9.xml><?xml version="1.0" encoding="utf-8"?>
 <p:sld xmlns:a="http://schemas.openxmlformats.org/drawingml/2006/main" xmlns:r="http://schemas.openxmlformats.org/officeDocument/2006/relationships" xmlns:p="http://schemas.openxmlformats.org/presentationml/2006/main">
   <p:cSld>
     <p:spTree>

--- a/intro.pptx
+++ b/intro.pptx
@@ -5997,10 +5997,9 @@
               <a:t>kekule</a:t>
             </a:r>
             <a:r>
-              <a:rPr lang="en-US"/>
+              <a:rPr lang="en-US" dirty="0"/>
               <a:t> dreaming of a snake and then linking it to benzene rings)</a:t>
             </a:r>
-            <a:endParaRPr lang="en-US" dirty="0"/>
           </a:p>
         </p:txBody>
       </p:sp>

--- a/intro.pptx
+++ b/intro.pptx
@@ -12,8 +12,10 @@
     <p:sldId id="258" r:id="rId6"/>
     <p:sldId id="263" r:id="rId7"/>
     <p:sldId id="260" r:id="rId8"/>
-    <p:sldId id="261" r:id="rId9"/>
-    <p:sldId id="262" r:id="rId10"/>
+    <p:sldId id="265" r:id="rId9"/>
+    <p:sldId id="266" r:id="rId10"/>
+    <p:sldId id="261" r:id="rId11"/>
+    <p:sldId id="262" r:id="rId12"/>
   </p:sldIdLst>
   <p:sldSz cx="12192000" cy="6858000"/>
   <p:notesSz cx="6858000" cy="9144000"/>
@@ -334,7 +336,7 @@
             <a:fld id="{B61BEF0D-F0BB-DE4B-95CE-6DB70DBA9567}" type="datetimeFigureOut">
               <a:rPr lang="en-US" dirty="0"/>
               <a:pPr/>
-              <a:t>9/14/22</a:t>
+              <a:t>9/16/22</a:t>
             </a:fld>
             <a:endParaRPr lang="en-US" dirty="0"/>
           </a:p>
@@ -622,7 +624,7 @@
             <a:fld id="{B61BEF0D-F0BB-DE4B-95CE-6DB70DBA9567}" type="datetimeFigureOut">
               <a:rPr lang="en-US" dirty="0"/>
               <a:pPr/>
-              <a:t>9/14/22</a:t>
+              <a:t>9/16/22</a:t>
             </a:fld>
             <a:endParaRPr lang="en-US" dirty="0"/>
           </a:p>
@@ -878,7 +880,7 @@
             <a:fld id="{B61BEF0D-F0BB-DE4B-95CE-6DB70DBA9567}" type="datetimeFigureOut">
               <a:rPr lang="en-US" dirty="0"/>
               <a:pPr/>
-              <a:t>9/14/22</a:t>
+              <a:t>9/16/22</a:t>
             </a:fld>
             <a:endParaRPr lang="en-US" dirty="0"/>
           </a:p>
@@ -1344,7 +1346,7 @@
             <a:fld id="{B61BEF0D-F0BB-DE4B-95CE-6DB70DBA9567}" type="datetimeFigureOut">
               <a:rPr lang="en-US" dirty="0"/>
               <a:pPr/>
-              <a:t>9/14/22</a:t>
+              <a:t>9/16/22</a:t>
             </a:fld>
             <a:endParaRPr lang="en-US" dirty="0"/>
           </a:p>
@@ -1521,7 +1523,7 @@
             <a:fld id="{B61BEF0D-F0BB-DE4B-95CE-6DB70DBA9567}" type="datetimeFigureOut">
               <a:rPr lang="en-US" dirty="0"/>
               <a:pPr/>
-              <a:t>9/14/22</a:t>
+              <a:t>9/16/22</a:t>
             </a:fld>
             <a:endParaRPr lang="en-US" dirty="0"/>
           </a:p>
@@ -2094,7 +2096,7 @@
             <a:fld id="{B61BEF0D-F0BB-DE4B-95CE-6DB70DBA9567}" type="datetimeFigureOut">
               <a:rPr lang="en-US" dirty="0"/>
               <a:pPr/>
-              <a:t>9/14/22</a:t>
+              <a:t>9/16/22</a:t>
             </a:fld>
             <a:endParaRPr lang="en-US" dirty="0"/>
           </a:p>
@@ -2423,7 +2425,7 @@
             <a:fld id="{B61BEF0D-F0BB-DE4B-95CE-6DB70DBA9567}" type="datetimeFigureOut">
               <a:rPr lang="en-US" dirty="0"/>
               <a:pPr/>
-              <a:t>9/14/22</a:t>
+              <a:t>9/16/22</a:t>
             </a:fld>
             <a:endParaRPr lang="en-US" dirty="0"/>
           </a:p>
@@ -2595,7 +2597,7 @@
             <a:fld id="{B61BEF0D-F0BB-DE4B-95CE-6DB70DBA9567}" type="datetimeFigureOut">
               <a:rPr lang="en-US" dirty="0"/>
               <a:pPr/>
-              <a:t>9/14/22</a:t>
+              <a:t>9/16/22</a:t>
             </a:fld>
             <a:endParaRPr lang="en-US" dirty="0"/>
           </a:p>
@@ -2772,7 +2774,7 @@
             <a:fld id="{B61BEF0D-F0BB-DE4B-95CE-6DB70DBA9567}" type="datetimeFigureOut">
               <a:rPr lang="en-US" dirty="0"/>
               <a:pPr/>
-              <a:t>9/14/22</a:t>
+              <a:t>9/16/22</a:t>
             </a:fld>
             <a:endParaRPr lang="en-US" dirty="0"/>
           </a:p>
@@ -2939,7 +2941,7 @@
             <a:fld id="{B61BEF0D-F0BB-DE4B-95CE-6DB70DBA9567}" type="datetimeFigureOut">
               <a:rPr lang="en-US" dirty="0"/>
               <a:pPr/>
-              <a:t>9/14/22</a:t>
+              <a:t>9/16/22</a:t>
             </a:fld>
             <a:endParaRPr lang="en-US" dirty="0"/>
           </a:p>
@@ -3193,7 +3195,7 @@
             <a:fld id="{B61BEF0D-F0BB-DE4B-95CE-6DB70DBA9567}" type="datetimeFigureOut">
               <a:rPr lang="en-US" dirty="0"/>
               <a:pPr/>
-              <a:t>9/14/22</a:t>
+              <a:t>9/16/22</a:t>
             </a:fld>
             <a:endParaRPr lang="en-US" dirty="0"/>
           </a:p>
@@ -3482,7 +3484,7 @@
             <a:fld id="{B61BEF0D-F0BB-DE4B-95CE-6DB70DBA9567}" type="datetimeFigureOut">
               <a:rPr lang="en-US" dirty="0"/>
               <a:pPr/>
-              <a:t>9/14/22</a:t>
+              <a:t>9/16/22</a:t>
             </a:fld>
             <a:endParaRPr lang="en-US" dirty="0"/>
           </a:p>
@@ -3909,7 +3911,7 @@
             <a:fld id="{B61BEF0D-F0BB-DE4B-95CE-6DB70DBA9567}" type="datetimeFigureOut">
               <a:rPr lang="en-US" dirty="0"/>
               <a:pPr/>
-              <a:t>9/14/22</a:t>
+              <a:t>9/16/22</a:t>
             </a:fld>
             <a:endParaRPr lang="en-US" dirty="0"/>
           </a:p>
@@ -4024,7 +4026,7 @@
             <a:fld id="{B61BEF0D-F0BB-DE4B-95CE-6DB70DBA9567}" type="datetimeFigureOut">
               <a:rPr lang="en-US" dirty="0"/>
               <a:pPr/>
-              <a:t>9/14/22</a:t>
+              <a:t>9/16/22</a:t>
             </a:fld>
             <a:endParaRPr lang="en-US" dirty="0"/>
           </a:p>
@@ -4116,7 +4118,7 @@
             <a:fld id="{B61BEF0D-F0BB-DE4B-95CE-6DB70DBA9567}" type="datetimeFigureOut">
               <a:rPr lang="en-US" dirty="0"/>
               <a:pPr/>
-              <a:t>9/14/22</a:t>
+              <a:t>9/16/22</a:t>
             </a:fld>
             <a:endParaRPr lang="en-US" dirty="0"/>
           </a:p>
@@ -4396,7 +4398,7 @@
             <a:fld id="{B61BEF0D-F0BB-DE4B-95CE-6DB70DBA9567}" type="datetimeFigureOut">
               <a:rPr lang="en-US" dirty="0"/>
               <a:pPr/>
-              <a:t>9/14/22</a:t>
+              <a:t>9/16/22</a:t>
             </a:fld>
             <a:endParaRPr lang="en-US" dirty="0"/>
           </a:p>
@@ -4684,7 +4686,7 @@
             <a:fld id="{B61BEF0D-F0BB-DE4B-95CE-6DB70DBA9567}" type="datetimeFigureOut">
               <a:rPr lang="en-US" dirty="0"/>
               <a:pPr/>
-              <a:t>9/14/22</a:t>
+              <a:t>9/16/22</a:t>
             </a:fld>
             <a:endParaRPr lang="en-US" dirty="0"/>
           </a:p>
@@ -4912,7 +4914,7 @@
             <a:fld id="{B61BEF0D-F0BB-DE4B-95CE-6DB70DBA9567}" type="datetimeFigureOut">
               <a:rPr lang="en-US" dirty="0"/>
               <a:pPr/>
-              <a:t>9/14/22</a:t>
+              <a:t>9/16/22</a:t>
             </a:fld>
             <a:endParaRPr lang="en-US" dirty="0"/>
           </a:p>
@@ -5767,6 +5769,215 @@
 </p:sld>
 </file>
 
+<file path=ppt/slides/slide10.xml><?xml version="1.0" encoding="utf-8"?>
+<p:sld xmlns:a="http://schemas.openxmlformats.org/drawingml/2006/main" xmlns:r="http://schemas.openxmlformats.org/officeDocument/2006/relationships" xmlns:p="http://schemas.openxmlformats.org/presentationml/2006/main">
+  <p:cSld>
+    <p:spTree>
+      <p:nvGrpSpPr>
+        <p:cNvPr id="1" name=""/>
+        <p:cNvGrpSpPr/>
+        <p:nvPr/>
+      </p:nvGrpSpPr>
+      <p:grpSpPr>
+        <a:xfrm>
+          <a:off x="0" y="0"/>
+          <a:ext cx="0" cy="0"/>
+          <a:chOff x="0" y="0"/>
+          <a:chExt cx="0" cy="0"/>
+        </a:xfrm>
+      </p:grpSpPr>
+      <p:sp>
+        <p:nvSpPr>
+          <p:cNvPr id="2" name="Title 1">
+            <a:extLst>
+              <a:ext uri="{FF2B5EF4-FFF2-40B4-BE49-F238E27FC236}">
+                <a16:creationId xmlns:a16="http://schemas.microsoft.com/office/drawing/2014/main" id="{CF612BA6-BC0E-B4AE-F70D-859427D8CA86}"/>
+              </a:ext>
+            </a:extLst>
+          </p:cNvPr>
+          <p:cNvSpPr>
+            <a:spLocks noGrp="1"/>
+          </p:cNvSpPr>
+          <p:nvPr>
+            <p:ph type="title"/>
+          </p:nvPr>
+        </p:nvSpPr>
+        <p:spPr/>
+        <p:txBody>
+          <a:bodyPr/>
+          <a:lstStyle/>
+          <a:p>
+            <a:pPr algn="ctr"/>
+            <a:r>
+              <a:rPr lang="en-US" dirty="0"/>
+              <a:t>Approaches</a:t>
+            </a:r>
+          </a:p>
+        </p:txBody>
+      </p:sp>
+      <p:sp>
+        <p:nvSpPr>
+          <p:cNvPr id="3" name="Content Placeholder 2">
+            <a:extLst>
+              <a:ext uri="{FF2B5EF4-FFF2-40B4-BE49-F238E27FC236}">
+                <a16:creationId xmlns:a16="http://schemas.microsoft.com/office/drawing/2014/main" id="{F1B0DF05-BBCC-D407-D536-3119B0214CAD}"/>
+              </a:ext>
+            </a:extLst>
+          </p:cNvPr>
+          <p:cNvSpPr>
+            <a:spLocks noGrp="1"/>
+          </p:cNvSpPr>
+          <p:nvPr>
+            <p:ph idx="1"/>
+          </p:nvPr>
+        </p:nvSpPr>
+        <p:spPr/>
+        <p:txBody>
+          <a:bodyPr/>
+          <a:lstStyle/>
+          <a:p>
+            <a:r>
+              <a:rPr lang="en-US" dirty="0"/>
+              <a:t>Other ideas</a:t>
+            </a:r>
+          </a:p>
+          <a:p>
+            <a:pPr lvl="1"/>
+            <a:r>
+              <a:rPr lang="en-US" dirty="0"/>
+              <a:t>Other paths to intelligence (in other species)</a:t>
+            </a:r>
+          </a:p>
+          <a:p>
+            <a:pPr lvl="1"/>
+            <a:r>
+              <a:rPr lang="en-US" dirty="0"/>
+              <a:t>Abstraction and reasoning corpus and challenges</a:t>
+            </a:r>
+          </a:p>
+        </p:txBody>
+      </p:sp>
+    </p:spTree>
+    <p:extLst>
+      <p:ext uri="{BB962C8B-B14F-4D97-AF65-F5344CB8AC3E}">
+        <p14:creationId xmlns:p14="http://schemas.microsoft.com/office/powerpoint/2010/main" val="4226629004"/>
+      </p:ext>
+    </p:extLst>
+  </p:cSld>
+  <p:clrMapOvr>
+    <a:masterClrMapping/>
+  </p:clrMapOvr>
+</p:sld>
+</file>
+
+<file path=ppt/slides/slide11.xml><?xml version="1.0" encoding="utf-8"?>
+<p:sld xmlns:a="http://schemas.openxmlformats.org/drawingml/2006/main" xmlns:r="http://schemas.openxmlformats.org/officeDocument/2006/relationships" xmlns:p="http://schemas.openxmlformats.org/presentationml/2006/main">
+  <p:cSld>
+    <p:spTree>
+      <p:nvGrpSpPr>
+        <p:cNvPr id="1" name=""/>
+        <p:cNvGrpSpPr/>
+        <p:nvPr/>
+      </p:nvGrpSpPr>
+      <p:grpSpPr>
+        <a:xfrm>
+          <a:off x="0" y="0"/>
+          <a:ext cx="0" cy="0"/>
+          <a:chOff x="0" y="0"/>
+          <a:chExt cx="0" cy="0"/>
+        </a:xfrm>
+      </p:grpSpPr>
+      <p:sp>
+        <p:nvSpPr>
+          <p:cNvPr id="2" name="Title 1">
+            <a:extLst>
+              <a:ext uri="{FF2B5EF4-FFF2-40B4-BE49-F238E27FC236}">
+                <a16:creationId xmlns:a16="http://schemas.microsoft.com/office/drawing/2014/main" id="{CF612BA6-BC0E-B4AE-F70D-859427D8CA86}"/>
+              </a:ext>
+            </a:extLst>
+          </p:cNvPr>
+          <p:cNvSpPr>
+            <a:spLocks noGrp="1"/>
+          </p:cNvSpPr>
+          <p:nvPr>
+            <p:ph type="title"/>
+          </p:nvPr>
+        </p:nvSpPr>
+        <p:spPr/>
+        <p:txBody>
+          <a:bodyPr/>
+          <a:lstStyle/>
+          <a:p>
+            <a:pPr algn="ctr"/>
+            <a:r>
+              <a:rPr lang="en-US" dirty="0"/>
+              <a:t>resources</a:t>
+            </a:r>
+          </a:p>
+        </p:txBody>
+      </p:sp>
+      <p:sp>
+        <p:nvSpPr>
+          <p:cNvPr id="3" name="Content Placeholder 2">
+            <a:extLst>
+              <a:ext uri="{FF2B5EF4-FFF2-40B4-BE49-F238E27FC236}">
+                <a16:creationId xmlns:a16="http://schemas.microsoft.com/office/drawing/2014/main" id="{F1B0DF05-BBCC-D407-D536-3119B0214CAD}"/>
+              </a:ext>
+            </a:extLst>
+          </p:cNvPr>
+          <p:cNvSpPr>
+            <a:spLocks noGrp="1"/>
+          </p:cNvSpPr>
+          <p:nvPr>
+            <p:ph idx="1"/>
+          </p:nvPr>
+        </p:nvSpPr>
+        <p:spPr/>
+        <p:txBody>
+          <a:bodyPr/>
+          <a:lstStyle/>
+          <a:p>
+            <a:r>
+              <a:rPr lang="en-US" dirty="0"/>
+              <a:t>https://</a:t>
+            </a:r>
+            <a:r>
+              <a:rPr lang="en-US" dirty="0" err="1"/>
+              <a:t>github.com</a:t>
+            </a:r>
+            <a:r>
+              <a:rPr lang="en-US" dirty="0"/>
+              <a:t>/</a:t>
+            </a:r>
+            <a:r>
+              <a:rPr lang="en-US" dirty="0" err="1"/>
+              <a:t>neelsoumya</a:t>
+            </a:r>
+            <a:r>
+              <a:rPr lang="en-US" dirty="0"/>
+              <a:t>/</a:t>
+            </a:r>
+            <a:r>
+              <a:rPr lang="en-US" dirty="0" err="1"/>
+              <a:t>special_topics_unconventional_AI</a:t>
+            </a:r>
+            <a:endParaRPr lang="en-US" dirty="0"/>
+          </a:p>
+        </p:txBody>
+      </p:sp>
+    </p:spTree>
+    <p:extLst>
+      <p:ext uri="{BB962C8B-B14F-4D97-AF65-F5344CB8AC3E}">
+        <p14:creationId xmlns:p14="http://schemas.microsoft.com/office/powerpoint/2010/main" val="1317827064"/>
+      </p:ext>
+    </p:extLst>
+  </p:cSld>
+  <p:clrMapOvr>
+    <a:masterClrMapping/>
+  </p:clrMapOvr>
+</p:sld>
+</file>
+
 <file path=ppt/slides/slide2.xml><?xml version="1.0" encoding="utf-8"?>
 <p:sld xmlns:a="http://schemas.openxmlformats.org/drawingml/2006/main" xmlns:r="http://schemas.openxmlformats.org/officeDocument/2006/relationships" xmlns:p="http://schemas.openxmlformats.org/presentationml/2006/main">
   <p:cSld>
@@ -6772,52 +6983,146 @@
           </a:p>
         </p:txBody>
       </p:sp>
-      <p:sp>
-        <p:nvSpPr>
-          <p:cNvPr id="3" name="Content Placeholder 2">
+      <p:pic>
+        <p:nvPicPr>
+          <p:cNvPr id="7" name="Picture 6">
             <a:extLst>
               <a:ext uri="{FF2B5EF4-FFF2-40B4-BE49-F238E27FC236}">
-                <a16:creationId xmlns:a16="http://schemas.microsoft.com/office/drawing/2014/main" id="{F1B0DF05-BBCC-D407-D536-3119B0214CAD}"/>
+                <a16:creationId xmlns:a16="http://schemas.microsoft.com/office/drawing/2014/main" id="{51D7B0E3-52C5-A3C8-C8B5-B5AAB484165B}"/>
               </a:ext>
             </a:extLst>
           </p:cNvPr>
-          <p:cNvSpPr>
-            <a:spLocks noGrp="1"/>
-          </p:cNvSpPr>
-          <p:nvPr>
-            <p:ph idx="1"/>
-          </p:nvPr>
-        </p:nvSpPr>
-        <p:spPr/>
-        <p:txBody>
-          <a:bodyPr/>
-          <a:lstStyle/>
-          <a:p>
-            <a:r>
-              <a:rPr lang="en-US" dirty="0"/>
-              <a:t>Other ideas</a:t>
-            </a:r>
-          </a:p>
-          <a:p>
-            <a:pPr lvl="1"/>
-            <a:r>
-              <a:rPr lang="en-US" dirty="0"/>
-              <a:t>Other paths to intelligence (in other species)</a:t>
-            </a:r>
-          </a:p>
-          <a:p>
-            <a:pPr lvl="1"/>
-            <a:r>
-              <a:rPr lang="en-US" dirty="0"/>
-              <a:t>Abstraction and reasoning corpus and challenges</a:t>
-            </a:r>
+          <p:cNvPicPr>
+            <a:picLocks noChangeAspect="1"/>
+          </p:cNvPicPr>
+          <p:nvPr/>
+        </p:nvPicPr>
+        <p:blipFill>
+          <a:blip r:embed="rId2"/>
+          <a:stretch>
+            <a:fillRect/>
+          </a:stretch>
+        </p:blipFill>
+        <p:spPr>
+          <a:xfrm>
+            <a:off x="2208212" y="2256224"/>
+            <a:ext cx="7772400" cy="3741703"/>
+          </a:xfrm>
+          <a:prstGeom prst="rect">
+            <a:avLst/>
+          </a:prstGeom>
+        </p:spPr>
+      </p:pic>
+      <p:sp>
+        <p:nvSpPr>
+          <p:cNvPr id="8" name="TextBox 7">
+            <a:extLst>
+              <a:ext uri="{FF2B5EF4-FFF2-40B4-BE49-F238E27FC236}">
+                <a16:creationId xmlns:a16="http://schemas.microsoft.com/office/drawing/2014/main" id="{F3513CDE-E96D-A06B-9CC3-218BD6C9F37B}"/>
+              </a:ext>
+            </a:extLst>
+          </p:cNvPr>
+          <p:cNvSpPr txBox="1"/>
+          <p:nvPr/>
+        </p:nvSpPr>
+        <p:spPr>
+          <a:xfrm>
+            <a:off x="8164106" y="6139440"/>
+            <a:ext cx="3237319" cy="261610"/>
+          </a:xfrm>
+          <a:prstGeom prst="rect">
+            <a:avLst/>
+          </a:prstGeom>
+          <a:noFill/>
+        </p:spPr>
+        <p:txBody>
+          <a:bodyPr wrap="square" rtlCol="0">
+            <a:spAutoFit/>
+          </a:bodyPr>
+          <a:lstStyle/>
+          <a:p>
+            <a:r>
+              <a:rPr lang="en-US" sz="1100" cap="all" dirty="0" err="1">
+                <a:ln w="3175" cmpd="sng">
+                  <a:noFill/>
+                </a:ln>
+                <a:gradFill flip="none" rotWithShape="1">
+                  <a:gsLst>
+                    <a:gs pos="0">
+                      <a:sysClr val="window" lastClr="FFFFFF"/>
+                    </a:gs>
+                    <a:gs pos="100000">
+                      <a:sysClr val="window" lastClr="FFFFFF">
+                        <a:lumMod val="65000"/>
+                      </a:sysClr>
+                    </a:gs>
+                  </a:gsLst>
+                  <a:lin ang="5580000" scaled="0"/>
+                  <a:tileRect/>
+                </a:gradFill>
+                <a:effectLst>
+                  <a:glow rad="38100">
+                    <a:schemeClr val="bg1">
+                      <a:lumMod val="65000"/>
+                      <a:lumOff val="35000"/>
+                      <a:alpha val="50000"/>
+                    </a:schemeClr>
+                  </a:glow>
+                  <a:outerShdw blurRad="28575" dist="31750" dir="13200000" algn="tl" rotWithShape="0">
+                    <a:srgbClr val="000000">
+                      <a:alpha val="25000"/>
+                    </a:srgbClr>
+                  </a:outerShdw>
+                </a:effectLst>
+                <a:latin typeface="+mj-lt"/>
+                <a:ea typeface="+mj-ea"/>
+                <a:cs typeface="+mj-cs"/>
+              </a:rPr>
+              <a:t>Copy.cat</a:t>
+            </a:r>
+            <a:endParaRPr lang="en-US" sz="1100" cap="all" dirty="0">
+              <a:ln w="3175" cmpd="sng">
+                <a:noFill/>
+              </a:ln>
+              <a:gradFill flip="none" rotWithShape="1">
+                <a:gsLst>
+                  <a:gs pos="0">
+                    <a:sysClr val="window" lastClr="FFFFFF"/>
+                  </a:gs>
+                  <a:gs pos="100000">
+                    <a:sysClr val="window" lastClr="FFFFFF">
+                      <a:lumMod val="65000"/>
+                    </a:sysClr>
+                  </a:gs>
+                </a:gsLst>
+                <a:lin ang="5580000" scaled="0"/>
+                <a:tileRect/>
+              </a:gradFill>
+              <a:effectLst>
+                <a:glow rad="38100">
+                  <a:schemeClr val="bg1">
+                    <a:lumMod val="65000"/>
+                    <a:lumOff val="35000"/>
+                    <a:alpha val="50000"/>
+                  </a:schemeClr>
+                </a:glow>
+                <a:outerShdw blurRad="28575" dist="31750" dir="13200000" algn="tl" rotWithShape="0">
+                  <a:srgbClr val="000000">
+                    <a:alpha val="25000"/>
+                  </a:srgbClr>
+                </a:outerShdw>
+              </a:effectLst>
+              <a:latin typeface="+mj-lt"/>
+              <a:ea typeface="+mj-ea"/>
+              <a:cs typeface="+mj-cs"/>
+            </a:endParaRPr>
           </a:p>
         </p:txBody>
       </p:sp>
     </p:spTree>
     <p:extLst>
       <p:ext uri="{BB962C8B-B14F-4D97-AF65-F5344CB8AC3E}">
-        <p14:creationId xmlns:p14="http://schemas.microsoft.com/office/powerpoint/2010/main" val="4226629004"/>
+        <p14:creationId xmlns:p14="http://schemas.microsoft.com/office/powerpoint/2010/main" val="4287854798"/>
       </p:ext>
     </p:extLst>
   </p:cSld>
@@ -6860,72 +7165,159 @@
             <p:ph type="title"/>
           </p:nvPr>
         </p:nvSpPr>
-        <p:spPr/>
-        <p:txBody>
-          <a:bodyPr/>
+        <p:spPr>
+          <a:xfrm>
+            <a:off x="8164106" y="609600"/>
+            <a:ext cx="3369133" cy="3642851"/>
+          </a:xfrm>
+        </p:spPr>
+        <p:txBody>
+          <a:bodyPr vert="horz" lIns="91440" tIns="45720" rIns="91440" bIns="45720" rtlCol="0" anchor="b">
+            <a:normAutofit/>
+          </a:bodyPr>
           <a:lstStyle/>
           <a:p>
             <a:pPr algn="ctr"/>
             <a:r>
-              <a:rPr lang="en-US" dirty="0"/>
-              <a:t>resources</a:t>
-            </a:r>
-          </a:p>
-        </p:txBody>
-      </p:sp>
-      <p:sp>
-        <p:nvSpPr>
-          <p:cNvPr id="3" name="Content Placeholder 2">
+              <a:rPr lang="en-US" sz="3700" dirty="0">
+                <a:gradFill flip="none" rotWithShape="1">
+                  <a:gsLst>
+                    <a:gs pos="0">
+                      <a:sysClr val="window" lastClr="FFFFFF"/>
+                    </a:gs>
+                    <a:gs pos="100000">
+                      <a:sysClr val="window" lastClr="FFFFFF">
+                        <a:lumMod val="65000"/>
+                      </a:sysClr>
+                    </a:gs>
+                  </a:gsLst>
+                  <a:lin ang="5580000" scaled="0"/>
+                  <a:tileRect/>
+                </a:gradFill>
+                <a:effectLst>
+                  <a:glow rad="38100">
+                    <a:schemeClr val="bg1">
+                      <a:lumMod val="65000"/>
+                      <a:lumOff val="35000"/>
+                      <a:alpha val="50000"/>
+                    </a:schemeClr>
+                  </a:glow>
+                  <a:outerShdw blurRad="28575" dist="31750" dir="13200000" algn="tl" rotWithShape="0">
+                    <a:srgbClr val="000000">
+                      <a:alpha val="25000"/>
+                    </a:srgbClr>
+                  </a:outerShdw>
+                </a:effectLst>
+              </a:rPr>
+              <a:t>Approaches</a:t>
+            </a:r>
+          </a:p>
+        </p:txBody>
+      </p:sp>
+      <p:sp>
+        <p:nvSpPr>
+          <p:cNvPr id="8" name="TextBox 7">
             <a:extLst>
               <a:ext uri="{FF2B5EF4-FFF2-40B4-BE49-F238E27FC236}">
-                <a16:creationId xmlns:a16="http://schemas.microsoft.com/office/drawing/2014/main" id="{F1B0DF05-BBCC-D407-D536-3119B0214CAD}"/>
+                <a16:creationId xmlns:a16="http://schemas.microsoft.com/office/drawing/2014/main" id="{36882AC6-B1CC-808A-C4AB-4A02D2DC722C}"/>
               </a:ext>
             </a:extLst>
           </p:cNvPr>
-          <p:cNvSpPr>
-            <a:spLocks noGrp="1"/>
-          </p:cNvSpPr>
-          <p:nvPr>
-            <p:ph idx="1"/>
-          </p:nvPr>
-        </p:nvSpPr>
-        <p:spPr/>
-        <p:txBody>
-          <a:bodyPr/>
-          <a:lstStyle/>
-          <a:p>
-            <a:r>
-              <a:rPr lang="en-US" dirty="0"/>
-              <a:t>https://</a:t>
-            </a:r>
-            <a:r>
-              <a:rPr lang="en-US" dirty="0" err="1"/>
-              <a:t>github.com</a:t>
-            </a:r>
-            <a:r>
-              <a:rPr lang="en-US" dirty="0"/>
-              <a:t>/</a:t>
-            </a:r>
-            <a:r>
-              <a:rPr lang="en-US" dirty="0" err="1"/>
-              <a:t>neelsoumya</a:t>
-            </a:r>
-            <a:r>
-              <a:rPr lang="en-US" dirty="0"/>
-              <a:t>/</a:t>
-            </a:r>
-            <a:r>
-              <a:rPr lang="en-US" dirty="0" err="1"/>
-              <a:t>special_topics_unconventional_AI</a:t>
-            </a:r>
-            <a:endParaRPr lang="en-US" dirty="0"/>
-          </a:p>
-        </p:txBody>
-      </p:sp>
+          <p:cNvSpPr txBox="1"/>
+          <p:nvPr/>
+        </p:nvSpPr>
+        <p:spPr>
+          <a:xfrm>
+            <a:off x="8164106" y="5972175"/>
+            <a:ext cx="3237319" cy="261610"/>
+          </a:xfrm>
+          <a:prstGeom prst="rect">
+            <a:avLst/>
+          </a:prstGeom>
+          <a:noFill/>
+        </p:spPr>
+        <p:txBody>
+          <a:bodyPr wrap="square" rtlCol="0">
+            <a:spAutoFit/>
+          </a:bodyPr>
+          <a:lstStyle/>
+          <a:p>
+            <a:r>
+              <a:rPr lang="en-US" sz="1100" cap="all" dirty="0">
+                <a:ln w="3175" cmpd="sng">
+                  <a:noFill/>
+                </a:ln>
+                <a:gradFill flip="none" rotWithShape="1">
+                  <a:gsLst>
+                    <a:gs pos="0">
+                      <a:sysClr val="window" lastClr="FFFFFF"/>
+                    </a:gs>
+                    <a:gs pos="100000">
+                      <a:sysClr val="window" lastClr="FFFFFF">
+                        <a:lumMod val="65000"/>
+                      </a:sysClr>
+                    </a:gs>
+                  </a:gsLst>
+                  <a:lin ang="5580000" scaled="0"/>
+                  <a:tileRect/>
+                </a:gradFill>
+                <a:effectLst>
+                  <a:glow rad="38100">
+                    <a:schemeClr val="bg1">
+                      <a:lumMod val="65000"/>
+                      <a:lumOff val="35000"/>
+                      <a:alpha val="50000"/>
+                    </a:schemeClr>
+                  </a:glow>
+                  <a:outerShdw blurRad="28575" dist="31750" dir="13200000" algn="tl" rotWithShape="0">
+                    <a:srgbClr val="000000">
+                      <a:alpha val="25000"/>
+                    </a:srgbClr>
+                  </a:outerShdw>
+                </a:effectLst>
+                <a:latin typeface="+mj-lt"/>
+                <a:ea typeface="+mj-ea"/>
+                <a:cs typeface="+mj-cs"/>
+              </a:rPr>
+              <a:t>Qualitative process models</a:t>
+            </a:r>
+          </a:p>
+        </p:txBody>
+      </p:sp>
+      <p:pic>
+        <p:nvPicPr>
+          <p:cNvPr id="4" name="Picture 3">
+            <a:extLst>
+              <a:ext uri="{FF2B5EF4-FFF2-40B4-BE49-F238E27FC236}">
+                <a16:creationId xmlns:a16="http://schemas.microsoft.com/office/drawing/2014/main" id="{54B1CFCA-67C8-A46C-6F0D-E24D528BFF53}"/>
+              </a:ext>
+            </a:extLst>
+          </p:cNvPr>
+          <p:cNvPicPr>
+            <a:picLocks noChangeAspect="1"/>
+          </p:cNvPicPr>
+          <p:nvPr/>
+        </p:nvPicPr>
+        <p:blipFill>
+          <a:blip r:embed="rId2"/>
+          <a:stretch>
+            <a:fillRect/>
+          </a:stretch>
+        </p:blipFill>
+        <p:spPr>
+          <a:xfrm>
+            <a:off x="391706" y="836342"/>
+            <a:ext cx="7772400" cy="5534499"/>
+          </a:xfrm>
+          <a:prstGeom prst="rect">
+            <a:avLst/>
+          </a:prstGeom>
+        </p:spPr>
+      </p:pic>
     </p:spTree>
     <p:extLst>
       <p:ext uri="{BB962C8B-B14F-4D97-AF65-F5344CB8AC3E}">
-        <p14:creationId xmlns:p14="http://schemas.microsoft.com/office/powerpoint/2010/main" val="1317827064"/>
+        <p14:creationId xmlns:p14="http://schemas.microsoft.com/office/powerpoint/2010/main" val="2097880509"/>
       </p:ext>
     </p:extLst>
   </p:cSld>

--- a/intro.pptx
+++ b/intro.pptx
@@ -15,7 +15,8 @@
     <p:sldId id="265" r:id="rId9"/>
     <p:sldId id="266" r:id="rId10"/>
     <p:sldId id="261" r:id="rId11"/>
-    <p:sldId id="262" r:id="rId12"/>
+    <p:sldId id="267" r:id="rId12"/>
+    <p:sldId id="262" r:id="rId13"/>
   </p:sldIdLst>
   <p:sldSz cx="12192000" cy="6858000"/>
   <p:notesSz cx="6858000" cy="9144000"/>
@@ -5911,6 +5912,165 @@
             <a:pPr algn="ctr"/>
             <a:r>
               <a:rPr lang="en-US" dirty="0"/>
+              <a:t>Approaches</a:t>
+            </a:r>
+          </a:p>
+        </p:txBody>
+      </p:sp>
+      <p:pic>
+        <p:nvPicPr>
+          <p:cNvPr id="7" name="Picture 6">
+            <a:extLst>
+              <a:ext uri="{FF2B5EF4-FFF2-40B4-BE49-F238E27FC236}">
+                <a16:creationId xmlns:a16="http://schemas.microsoft.com/office/drawing/2014/main" id="{776C847C-81B7-7D62-7E14-1943077740E9}"/>
+              </a:ext>
+            </a:extLst>
+          </p:cNvPr>
+          <p:cNvPicPr>
+            <a:picLocks noChangeAspect="1"/>
+          </p:cNvPicPr>
+          <p:nvPr/>
+        </p:nvPicPr>
+        <p:blipFill>
+          <a:blip r:embed="rId2"/>
+          <a:stretch>
+            <a:fillRect/>
+          </a:stretch>
+        </p:blipFill>
+        <p:spPr>
+          <a:xfrm>
+            <a:off x="2287598" y="2586042"/>
+            <a:ext cx="7772400" cy="1964932"/>
+          </a:xfrm>
+          <a:prstGeom prst="rect">
+            <a:avLst/>
+          </a:prstGeom>
+        </p:spPr>
+      </p:pic>
+      <p:sp>
+        <p:nvSpPr>
+          <p:cNvPr id="8" name="TextBox 7">
+            <a:extLst>
+              <a:ext uri="{FF2B5EF4-FFF2-40B4-BE49-F238E27FC236}">
+                <a16:creationId xmlns:a16="http://schemas.microsoft.com/office/drawing/2014/main" id="{ADEB7249-533E-C9BC-E210-B9E8E0A13C25}"/>
+              </a:ext>
+            </a:extLst>
+          </p:cNvPr>
+          <p:cNvSpPr txBox="1"/>
+          <p:nvPr/>
+        </p:nvSpPr>
+        <p:spPr>
+          <a:xfrm>
+            <a:off x="8392714" y="5972175"/>
+            <a:ext cx="3237319" cy="261610"/>
+          </a:xfrm>
+          <a:prstGeom prst="rect">
+            <a:avLst/>
+          </a:prstGeom>
+          <a:noFill/>
+        </p:spPr>
+        <p:txBody>
+          <a:bodyPr wrap="square" rtlCol="0">
+            <a:spAutoFit/>
+          </a:bodyPr>
+          <a:lstStyle/>
+          <a:p>
+            <a:r>
+              <a:rPr lang="en-US" sz="1100" cap="all" dirty="0">
+                <a:ln w="3175" cmpd="sng">
+                  <a:noFill/>
+                </a:ln>
+                <a:gradFill flip="none" rotWithShape="1">
+                  <a:gsLst>
+                    <a:gs pos="0">
+                      <a:sysClr val="window" lastClr="FFFFFF"/>
+                    </a:gs>
+                    <a:gs pos="100000">
+                      <a:sysClr val="window" lastClr="FFFFFF">
+                        <a:lumMod val="65000"/>
+                      </a:sysClr>
+                    </a:gs>
+                  </a:gsLst>
+                  <a:lin ang="5580000" scaled="0"/>
+                  <a:tileRect/>
+                </a:gradFill>
+                <a:effectLst>
+                  <a:glow rad="38100">
+                    <a:schemeClr val="bg1">
+                      <a:lumMod val="65000"/>
+                      <a:lumOff val="35000"/>
+                      <a:alpha val="50000"/>
+                    </a:schemeClr>
+                  </a:glow>
+                  <a:outerShdw blurRad="28575" dist="31750" dir="13200000" algn="tl" rotWithShape="0">
+                    <a:srgbClr val="000000">
+                      <a:alpha val="25000"/>
+                    </a:srgbClr>
+                  </a:outerShdw>
+                </a:effectLst>
+                <a:latin typeface="+mj-lt"/>
+                <a:ea typeface="+mj-ea"/>
+                <a:cs typeface="+mj-cs"/>
+              </a:rPr>
+              <a:t>Abstraction and reasoning corpus</a:t>
+            </a:r>
+          </a:p>
+        </p:txBody>
+      </p:sp>
+    </p:spTree>
+    <p:extLst>
+      <p:ext uri="{BB962C8B-B14F-4D97-AF65-F5344CB8AC3E}">
+        <p14:creationId xmlns:p14="http://schemas.microsoft.com/office/powerpoint/2010/main" val="1977651261"/>
+      </p:ext>
+    </p:extLst>
+  </p:cSld>
+  <p:clrMapOvr>
+    <a:masterClrMapping/>
+  </p:clrMapOvr>
+</p:sld>
+</file>
+
+<file path=ppt/slides/slide12.xml><?xml version="1.0" encoding="utf-8"?>
+<p:sld xmlns:a="http://schemas.openxmlformats.org/drawingml/2006/main" xmlns:r="http://schemas.openxmlformats.org/officeDocument/2006/relationships" xmlns:p="http://schemas.openxmlformats.org/presentationml/2006/main">
+  <p:cSld>
+    <p:spTree>
+      <p:nvGrpSpPr>
+        <p:cNvPr id="1" name=""/>
+        <p:cNvGrpSpPr/>
+        <p:nvPr/>
+      </p:nvGrpSpPr>
+      <p:grpSpPr>
+        <a:xfrm>
+          <a:off x="0" y="0"/>
+          <a:ext cx="0" cy="0"/>
+          <a:chOff x="0" y="0"/>
+          <a:chExt cx="0" cy="0"/>
+        </a:xfrm>
+      </p:grpSpPr>
+      <p:sp>
+        <p:nvSpPr>
+          <p:cNvPr id="2" name="Title 1">
+            <a:extLst>
+              <a:ext uri="{FF2B5EF4-FFF2-40B4-BE49-F238E27FC236}">
+                <a16:creationId xmlns:a16="http://schemas.microsoft.com/office/drawing/2014/main" id="{CF612BA6-BC0E-B4AE-F70D-859427D8CA86}"/>
+              </a:ext>
+            </a:extLst>
+          </p:cNvPr>
+          <p:cNvSpPr>
+            <a:spLocks noGrp="1"/>
+          </p:cNvSpPr>
+          <p:nvPr>
+            <p:ph type="title"/>
+          </p:nvPr>
+        </p:nvSpPr>
+        <p:spPr/>
+        <p:txBody>
+          <a:bodyPr/>
+          <a:lstStyle/>
+          <a:p>
+            <a:pPr algn="ctr"/>
+            <a:r>
+              <a:rPr lang="en-US" dirty="0"/>
               <a:t>resources</a:t>
             </a:r>
           </a:p>
@@ -7228,7 +7388,7 @@
         </p:nvSpPr>
         <p:spPr>
           <a:xfrm>
-            <a:off x="8164106" y="5972175"/>
+            <a:off x="8392714" y="5972175"/>
             <a:ext cx="3237319" cy="261610"/>
           </a:xfrm>
           <a:prstGeom prst="rect">

--- a/intro.pptx
+++ b/intro.pptx
@@ -4,6 +4,9 @@
   <p:sldMasterIdLst>
     <p:sldMasterId id="2147483648" r:id="rId1"/>
   </p:sldMasterIdLst>
+  <p:notesMasterIdLst>
+    <p:notesMasterId r:id="rId15"/>
+  </p:notesMasterIdLst>
   <p:sldIdLst>
     <p:sldId id="256" r:id="rId2"/>
     <p:sldId id="257" r:id="rId3"/>
@@ -12,11 +15,12 @@
     <p:sldId id="258" r:id="rId6"/>
     <p:sldId id="263" r:id="rId7"/>
     <p:sldId id="260" r:id="rId8"/>
-    <p:sldId id="265" r:id="rId9"/>
-    <p:sldId id="266" r:id="rId10"/>
-    <p:sldId id="261" r:id="rId11"/>
-    <p:sldId id="267" r:id="rId12"/>
-    <p:sldId id="262" r:id="rId13"/>
+    <p:sldId id="268" r:id="rId9"/>
+    <p:sldId id="265" r:id="rId10"/>
+    <p:sldId id="266" r:id="rId11"/>
+    <p:sldId id="261" r:id="rId12"/>
+    <p:sldId id="267" r:id="rId13"/>
+    <p:sldId id="262" r:id="rId14"/>
   </p:sldIdLst>
   <p:sldSz cx="12192000" cy="6858000"/>
   <p:notesSz cx="6858000" cy="9144000"/>
@@ -123,6 +127,589 @@
 </p:presentation>
 </file>
 
+<file path=ppt/notesMasters/notesMaster1.xml><?xml version="1.0" encoding="utf-8"?>
+<p:notesMaster xmlns:a="http://schemas.openxmlformats.org/drawingml/2006/main" xmlns:r="http://schemas.openxmlformats.org/officeDocument/2006/relationships" xmlns:p="http://schemas.openxmlformats.org/presentationml/2006/main">
+  <p:cSld>
+    <p:bg>
+      <p:bgRef idx="1001">
+        <a:schemeClr val="bg1"/>
+      </p:bgRef>
+    </p:bg>
+    <p:spTree>
+      <p:nvGrpSpPr>
+        <p:cNvPr id="1" name=""/>
+        <p:cNvGrpSpPr/>
+        <p:nvPr/>
+      </p:nvGrpSpPr>
+      <p:grpSpPr>
+        <a:xfrm>
+          <a:off x="0" y="0"/>
+          <a:ext cx="0" cy="0"/>
+          <a:chOff x="0" y="0"/>
+          <a:chExt cx="0" cy="0"/>
+        </a:xfrm>
+      </p:grpSpPr>
+      <p:sp>
+        <p:nvSpPr>
+          <p:cNvPr id="2" name="Header Placeholder 1"/>
+          <p:cNvSpPr>
+            <a:spLocks noGrp="1"/>
+          </p:cNvSpPr>
+          <p:nvPr>
+            <p:ph type="hdr" sz="quarter"/>
+          </p:nvPr>
+        </p:nvSpPr>
+        <p:spPr>
+          <a:xfrm>
+            <a:off x="0" y="0"/>
+            <a:ext cx="2971800" cy="458788"/>
+          </a:xfrm>
+          <a:prstGeom prst="rect">
+            <a:avLst/>
+          </a:prstGeom>
+        </p:spPr>
+        <p:txBody>
+          <a:bodyPr vert="horz" lIns="91440" tIns="45720" rIns="91440" bIns="45720" rtlCol="0"/>
+          <a:lstStyle>
+            <a:lvl1pPr algn="l">
+              <a:defRPr sz="1200"/>
+            </a:lvl1pPr>
+          </a:lstStyle>
+          <a:p>
+            <a:endParaRPr lang="en-US"/>
+          </a:p>
+        </p:txBody>
+      </p:sp>
+      <p:sp>
+        <p:nvSpPr>
+          <p:cNvPr id="3" name="Date Placeholder 2"/>
+          <p:cNvSpPr>
+            <a:spLocks noGrp="1"/>
+          </p:cNvSpPr>
+          <p:nvPr>
+            <p:ph type="dt" idx="1"/>
+          </p:nvPr>
+        </p:nvSpPr>
+        <p:spPr>
+          <a:xfrm>
+            <a:off x="3884613" y="0"/>
+            <a:ext cx="2971800" cy="458788"/>
+          </a:xfrm>
+          <a:prstGeom prst="rect">
+            <a:avLst/>
+          </a:prstGeom>
+        </p:spPr>
+        <p:txBody>
+          <a:bodyPr vert="horz" lIns="91440" tIns="45720" rIns="91440" bIns="45720" rtlCol="0"/>
+          <a:lstStyle>
+            <a:lvl1pPr algn="r">
+              <a:defRPr sz="1200"/>
+            </a:lvl1pPr>
+          </a:lstStyle>
+          <a:p>
+            <a:fld id="{F43FDD9E-F0E2-7A48-9C2D-75F5053E741C}" type="datetimeFigureOut">
+              <a:rPr lang="en-US" smtClean="0"/>
+              <a:t>10/10/22</a:t>
+            </a:fld>
+            <a:endParaRPr lang="en-US"/>
+          </a:p>
+        </p:txBody>
+      </p:sp>
+      <p:sp>
+        <p:nvSpPr>
+          <p:cNvPr id="4" name="Slide Image Placeholder 3"/>
+          <p:cNvSpPr>
+            <a:spLocks noGrp="1" noRot="1" noChangeAspect="1"/>
+          </p:cNvSpPr>
+          <p:nvPr>
+            <p:ph type="sldImg" idx="2"/>
+          </p:nvPr>
+        </p:nvSpPr>
+        <p:spPr>
+          <a:xfrm>
+            <a:off x="685800" y="1143000"/>
+            <a:ext cx="5486400" cy="3086100"/>
+          </a:xfrm>
+          <a:prstGeom prst="rect">
+            <a:avLst/>
+          </a:prstGeom>
+          <a:noFill/>
+          <a:ln w="12700">
+            <a:solidFill>
+              <a:prstClr val="black"/>
+            </a:solidFill>
+          </a:ln>
+        </p:spPr>
+        <p:txBody>
+          <a:bodyPr vert="horz" lIns="91440" tIns="45720" rIns="91440" bIns="45720" rtlCol="0" anchor="ctr"/>
+          <a:lstStyle/>
+          <a:p>
+            <a:endParaRPr lang="en-US"/>
+          </a:p>
+        </p:txBody>
+      </p:sp>
+      <p:sp>
+        <p:nvSpPr>
+          <p:cNvPr id="5" name="Notes Placeholder 4"/>
+          <p:cNvSpPr>
+            <a:spLocks noGrp="1"/>
+          </p:cNvSpPr>
+          <p:nvPr>
+            <p:ph type="body" sz="quarter" idx="3"/>
+          </p:nvPr>
+        </p:nvSpPr>
+        <p:spPr>
+          <a:xfrm>
+            <a:off x="685800" y="4400550"/>
+            <a:ext cx="5486400" cy="3600450"/>
+          </a:xfrm>
+          <a:prstGeom prst="rect">
+            <a:avLst/>
+          </a:prstGeom>
+        </p:spPr>
+        <p:txBody>
+          <a:bodyPr vert="horz" lIns="91440" tIns="45720" rIns="91440" bIns="45720" rtlCol="0"/>
+          <a:lstStyle/>
+          <a:p>
+            <a:pPr lvl="0"/>
+            <a:r>
+              <a:rPr lang="en-GB"/>
+              <a:t>Click to edit Master text styles</a:t>
+            </a:r>
+          </a:p>
+          <a:p>
+            <a:pPr lvl="1"/>
+            <a:r>
+              <a:rPr lang="en-GB"/>
+              <a:t>Second level</a:t>
+            </a:r>
+          </a:p>
+          <a:p>
+            <a:pPr lvl="2"/>
+            <a:r>
+              <a:rPr lang="en-GB"/>
+              <a:t>Third level</a:t>
+            </a:r>
+          </a:p>
+          <a:p>
+            <a:pPr lvl="3"/>
+            <a:r>
+              <a:rPr lang="en-GB"/>
+              <a:t>Fourth level</a:t>
+            </a:r>
+          </a:p>
+          <a:p>
+            <a:pPr lvl="4"/>
+            <a:r>
+              <a:rPr lang="en-GB"/>
+              <a:t>Fifth level</a:t>
+            </a:r>
+            <a:endParaRPr lang="en-US"/>
+          </a:p>
+        </p:txBody>
+      </p:sp>
+      <p:sp>
+        <p:nvSpPr>
+          <p:cNvPr id="6" name="Footer Placeholder 5"/>
+          <p:cNvSpPr>
+            <a:spLocks noGrp="1"/>
+          </p:cNvSpPr>
+          <p:nvPr>
+            <p:ph type="ftr" sz="quarter" idx="4"/>
+          </p:nvPr>
+        </p:nvSpPr>
+        <p:spPr>
+          <a:xfrm>
+            <a:off x="0" y="8685213"/>
+            <a:ext cx="2971800" cy="458787"/>
+          </a:xfrm>
+          <a:prstGeom prst="rect">
+            <a:avLst/>
+          </a:prstGeom>
+        </p:spPr>
+        <p:txBody>
+          <a:bodyPr vert="horz" lIns="91440" tIns="45720" rIns="91440" bIns="45720" rtlCol="0" anchor="b"/>
+          <a:lstStyle>
+            <a:lvl1pPr algn="l">
+              <a:defRPr sz="1200"/>
+            </a:lvl1pPr>
+          </a:lstStyle>
+          <a:p>
+            <a:endParaRPr lang="en-US"/>
+          </a:p>
+        </p:txBody>
+      </p:sp>
+      <p:sp>
+        <p:nvSpPr>
+          <p:cNvPr id="7" name="Slide Number Placeholder 6"/>
+          <p:cNvSpPr>
+            <a:spLocks noGrp="1"/>
+          </p:cNvSpPr>
+          <p:nvPr>
+            <p:ph type="sldNum" sz="quarter" idx="5"/>
+          </p:nvPr>
+        </p:nvSpPr>
+        <p:spPr>
+          <a:xfrm>
+            <a:off x="3884613" y="8685213"/>
+            <a:ext cx="2971800" cy="458787"/>
+          </a:xfrm>
+          <a:prstGeom prst="rect">
+            <a:avLst/>
+          </a:prstGeom>
+        </p:spPr>
+        <p:txBody>
+          <a:bodyPr vert="horz" lIns="91440" tIns="45720" rIns="91440" bIns="45720" rtlCol="0" anchor="b"/>
+          <a:lstStyle>
+            <a:lvl1pPr algn="r">
+              <a:defRPr sz="1200"/>
+            </a:lvl1pPr>
+          </a:lstStyle>
+          <a:p>
+            <a:fld id="{50371DB5-D0DF-4E48-A88F-A3049A7357B4}" type="slidenum">
+              <a:rPr lang="en-US" smtClean="0"/>
+              <a:t>‹#›</a:t>
+            </a:fld>
+            <a:endParaRPr lang="en-US"/>
+          </a:p>
+        </p:txBody>
+      </p:sp>
+    </p:spTree>
+    <p:extLst>
+      <p:ext uri="{BB962C8B-B14F-4D97-AF65-F5344CB8AC3E}">
+        <p14:creationId xmlns:p14="http://schemas.microsoft.com/office/powerpoint/2010/main" val="834125555"/>
+      </p:ext>
+    </p:extLst>
+  </p:cSld>
+  <p:clrMap bg1="lt1" tx1="dk1" bg2="lt2" tx2="dk2" accent1="accent1" accent2="accent2" accent3="accent3" accent4="accent4" accent5="accent5" accent6="accent6" hlink="hlink" folHlink="folHlink"/>
+  <p:notesStyle>
+    <a:lvl1pPr marL="0" algn="l" defTabSz="914400" rtl="0" eaLnBrk="1" latinLnBrk="0" hangingPunct="1">
+      <a:defRPr sz="1200" kern="1200">
+        <a:solidFill>
+          <a:schemeClr val="tx1"/>
+        </a:solidFill>
+        <a:latin typeface="+mn-lt"/>
+        <a:ea typeface="+mn-ea"/>
+        <a:cs typeface="+mn-cs"/>
+      </a:defRPr>
+    </a:lvl1pPr>
+    <a:lvl2pPr marL="457200" algn="l" defTabSz="914400" rtl="0" eaLnBrk="1" latinLnBrk="0" hangingPunct="1">
+      <a:defRPr sz="1200" kern="1200">
+        <a:solidFill>
+          <a:schemeClr val="tx1"/>
+        </a:solidFill>
+        <a:latin typeface="+mn-lt"/>
+        <a:ea typeface="+mn-ea"/>
+        <a:cs typeface="+mn-cs"/>
+      </a:defRPr>
+    </a:lvl2pPr>
+    <a:lvl3pPr marL="914400" algn="l" defTabSz="914400" rtl="0" eaLnBrk="1" latinLnBrk="0" hangingPunct="1">
+      <a:defRPr sz="1200" kern="1200">
+        <a:solidFill>
+          <a:schemeClr val="tx1"/>
+        </a:solidFill>
+        <a:latin typeface="+mn-lt"/>
+        <a:ea typeface="+mn-ea"/>
+        <a:cs typeface="+mn-cs"/>
+      </a:defRPr>
+    </a:lvl3pPr>
+    <a:lvl4pPr marL="1371600" algn="l" defTabSz="914400" rtl="0" eaLnBrk="1" latinLnBrk="0" hangingPunct="1">
+      <a:defRPr sz="1200" kern="1200">
+        <a:solidFill>
+          <a:schemeClr val="tx1"/>
+        </a:solidFill>
+        <a:latin typeface="+mn-lt"/>
+        <a:ea typeface="+mn-ea"/>
+        <a:cs typeface="+mn-cs"/>
+      </a:defRPr>
+    </a:lvl4pPr>
+    <a:lvl5pPr marL="1828800" algn="l" defTabSz="914400" rtl="0" eaLnBrk="1" latinLnBrk="0" hangingPunct="1">
+      <a:defRPr sz="1200" kern="1200">
+        <a:solidFill>
+          <a:schemeClr val="tx1"/>
+        </a:solidFill>
+        <a:latin typeface="+mn-lt"/>
+        <a:ea typeface="+mn-ea"/>
+        <a:cs typeface="+mn-cs"/>
+      </a:defRPr>
+    </a:lvl5pPr>
+    <a:lvl6pPr marL="2286000" algn="l" defTabSz="914400" rtl="0" eaLnBrk="1" latinLnBrk="0" hangingPunct="1">
+      <a:defRPr sz="1200" kern="1200">
+        <a:solidFill>
+          <a:schemeClr val="tx1"/>
+        </a:solidFill>
+        <a:latin typeface="+mn-lt"/>
+        <a:ea typeface="+mn-ea"/>
+        <a:cs typeface="+mn-cs"/>
+      </a:defRPr>
+    </a:lvl6pPr>
+    <a:lvl7pPr marL="2743200" algn="l" defTabSz="914400" rtl="0" eaLnBrk="1" latinLnBrk="0" hangingPunct="1">
+      <a:defRPr sz="1200" kern="1200">
+        <a:solidFill>
+          <a:schemeClr val="tx1"/>
+        </a:solidFill>
+        <a:latin typeface="+mn-lt"/>
+        <a:ea typeface="+mn-ea"/>
+        <a:cs typeface="+mn-cs"/>
+      </a:defRPr>
+    </a:lvl7pPr>
+    <a:lvl8pPr marL="3200400" algn="l" defTabSz="914400" rtl="0" eaLnBrk="1" latinLnBrk="0" hangingPunct="1">
+      <a:defRPr sz="1200" kern="1200">
+        <a:solidFill>
+          <a:schemeClr val="tx1"/>
+        </a:solidFill>
+        <a:latin typeface="+mn-lt"/>
+        <a:ea typeface="+mn-ea"/>
+        <a:cs typeface="+mn-cs"/>
+      </a:defRPr>
+    </a:lvl8pPr>
+    <a:lvl9pPr marL="3657600" algn="l" defTabSz="914400" rtl="0" eaLnBrk="1" latinLnBrk="0" hangingPunct="1">
+      <a:defRPr sz="1200" kern="1200">
+        <a:solidFill>
+          <a:schemeClr val="tx1"/>
+        </a:solidFill>
+        <a:latin typeface="+mn-lt"/>
+        <a:ea typeface="+mn-ea"/>
+        <a:cs typeface="+mn-cs"/>
+      </a:defRPr>
+    </a:lvl9pPr>
+  </p:notesStyle>
+</p:notesMaster>
+</file>
+
+<file path=ppt/notesSlides/notesSlide1.xml><?xml version="1.0" encoding="utf-8"?>
+<p:notes xmlns:a="http://schemas.openxmlformats.org/drawingml/2006/main" xmlns:r="http://schemas.openxmlformats.org/officeDocument/2006/relationships" xmlns:p="http://schemas.openxmlformats.org/presentationml/2006/main">
+  <p:cSld>
+    <p:spTree>
+      <p:nvGrpSpPr>
+        <p:cNvPr id="1" name=""/>
+        <p:cNvGrpSpPr/>
+        <p:nvPr/>
+      </p:nvGrpSpPr>
+      <p:grpSpPr>
+        <a:xfrm>
+          <a:off x="0" y="0"/>
+          <a:ext cx="0" cy="0"/>
+          <a:chOff x="0" y="0"/>
+          <a:chExt cx="0" cy="0"/>
+        </a:xfrm>
+      </p:grpSpPr>
+      <p:sp>
+        <p:nvSpPr>
+          <p:cNvPr id="2" name="Slide Image Placeholder 1"/>
+          <p:cNvSpPr>
+            <a:spLocks noGrp="1" noRot="1" noChangeAspect="1"/>
+          </p:cNvSpPr>
+          <p:nvPr>
+            <p:ph type="sldImg"/>
+          </p:nvPr>
+        </p:nvSpPr>
+        <p:spPr/>
+      </p:sp>
+      <p:sp>
+        <p:nvSpPr>
+          <p:cNvPr id="3" name="Notes Placeholder 2"/>
+          <p:cNvSpPr>
+            <a:spLocks noGrp="1"/>
+          </p:cNvSpPr>
+          <p:nvPr>
+            <p:ph type="body" idx="1"/>
+          </p:nvPr>
+        </p:nvSpPr>
+        <p:spPr/>
+        <p:txBody>
+          <a:bodyPr/>
+          <a:lstStyle/>
+          <a:p>
+            <a:pPr marL="0" marR="0" lvl="0" indent="0" algn="l" defTabSz="914400" rtl="0" eaLnBrk="1" fontAlgn="auto" latinLnBrk="0" hangingPunct="1">
+              <a:lnSpc>
+                <a:spcPct val="100000"/>
+              </a:lnSpc>
+              <a:spcBef>
+                <a:spcPts val="0"/>
+              </a:spcBef>
+              <a:spcAft>
+                <a:spcPts val="0"/>
+              </a:spcAft>
+              <a:buClrTx/>
+              <a:buSzTx/>
+              <a:buFontTx/>
+              <a:buNone/>
+              <a:tabLst/>
+              <a:defRPr/>
+            </a:pPr>
+            <a:r>
+              <a:rPr lang="en-US" dirty="0"/>
+              <a:t>	\</a:t>
+            </a:r>
+            <a:r>
+              <a:rPr lang="en-US" dirty="0" err="1"/>
+              <a:t>textit</a:t>
+            </a:r>
+            <a:r>
+              <a:rPr lang="en-US" dirty="0"/>
+              <a:t>{ I argue that we can take inspiration from other disciplines and develop new </a:t>
+            </a:r>
+            <a:r>
+              <a:rPr lang="en-US" dirty="0" err="1"/>
+              <a:t>xAI</a:t>
+            </a:r>
+            <a:r>
+              <a:rPr lang="en-US"/>
+              <a:t> approaches.}</a:t>
+            </a:r>
+          </a:p>
+          <a:p>
+            <a:endParaRPr lang="en-US"/>
+          </a:p>
+        </p:txBody>
+      </p:sp>
+      <p:sp>
+        <p:nvSpPr>
+          <p:cNvPr id="4" name="Slide Number Placeholder 3"/>
+          <p:cNvSpPr>
+            <a:spLocks noGrp="1"/>
+          </p:cNvSpPr>
+          <p:nvPr>
+            <p:ph type="sldNum" sz="quarter" idx="5"/>
+          </p:nvPr>
+        </p:nvSpPr>
+        <p:spPr/>
+        <p:txBody>
+          <a:bodyPr/>
+          <a:lstStyle/>
+          <a:p>
+            <a:fld id="{50371DB5-D0DF-4E48-A88F-A3049A7357B4}" type="slidenum">
+              <a:rPr lang="en-US" smtClean="0"/>
+              <a:t>7</a:t>
+            </a:fld>
+            <a:endParaRPr lang="en-US"/>
+          </a:p>
+        </p:txBody>
+      </p:sp>
+    </p:spTree>
+    <p:extLst>
+      <p:ext uri="{BB962C8B-B14F-4D97-AF65-F5344CB8AC3E}">
+        <p14:creationId xmlns:p14="http://schemas.microsoft.com/office/powerpoint/2010/main" val="4190233494"/>
+      </p:ext>
+    </p:extLst>
+  </p:cSld>
+  <p:clrMapOvr>
+    <a:masterClrMapping/>
+  </p:clrMapOvr>
+</p:notes>
+</file>
+
+<file path=ppt/notesSlides/notesSlide2.xml><?xml version="1.0" encoding="utf-8"?>
+<p:notes xmlns:a="http://schemas.openxmlformats.org/drawingml/2006/main" xmlns:r="http://schemas.openxmlformats.org/officeDocument/2006/relationships" xmlns:p="http://schemas.openxmlformats.org/presentationml/2006/main">
+  <p:cSld>
+    <p:spTree>
+      <p:nvGrpSpPr>
+        <p:cNvPr id="1" name=""/>
+        <p:cNvGrpSpPr/>
+        <p:nvPr/>
+      </p:nvGrpSpPr>
+      <p:grpSpPr>
+        <a:xfrm>
+          <a:off x="0" y="0"/>
+          <a:ext cx="0" cy="0"/>
+          <a:chOff x="0" y="0"/>
+          <a:chExt cx="0" cy="0"/>
+        </a:xfrm>
+      </p:grpSpPr>
+      <p:sp>
+        <p:nvSpPr>
+          <p:cNvPr id="2" name="Slide Image Placeholder 1"/>
+          <p:cNvSpPr>
+            <a:spLocks noGrp="1" noRot="1" noChangeAspect="1"/>
+          </p:cNvSpPr>
+          <p:nvPr>
+            <p:ph type="sldImg"/>
+          </p:nvPr>
+        </p:nvSpPr>
+        <p:spPr/>
+      </p:sp>
+      <p:sp>
+        <p:nvSpPr>
+          <p:cNvPr id="3" name="Notes Placeholder 2"/>
+          <p:cNvSpPr>
+            <a:spLocks noGrp="1"/>
+          </p:cNvSpPr>
+          <p:nvPr>
+            <p:ph type="body" idx="1"/>
+          </p:nvPr>
+        </p:nvSpPr>
+        <p:spPr/>
+        <p:txBody>
+          <a:bodyPr/>
+          <a:lstStyle/>
+          <a:p>
+            <a:r>
+              <a:rPr lang="en-US" dirty="0"/>
+              <a:t>	</a:t>
+            </a:r>
+          </a:p>
+          <a:p>
+            <a:r>
+              <a:rPr lang="en-US" dirty="0"/>
+              <a:t>	We are told of eureka moments (Archimedes, Newton, etc.). In reality we always build on the work of others.</a:t>
+            </a:r>
+          </a:p>
+          <a:p>
+            <a:r>
+              <a:rPr lang="en-US" dirty="0"/>
+              <a:t>	There is a preparation stage, incubation stage and retrieval/indexing (e.g. </a:t>
+            </a:r>
+            <a:r>
+              <a:rPr lang="en-US" dirty="0" err="1"/>
+              <a:t>Kekule</a:t>
+            </a:r>
+            <a:r>
+              <a:rPr lang="en-US" dirty="0"/>
+              <a:t> dreaming of a snake and then linking it to benzene rings).</a:t>
+            </a:r>
+          </a:p>
+          <a:p>
+            <a:endParaRPr lang="en-US" dirty="0"/>
+          </a:p>
+        </p:txBody>
+      </p:sp>
+      <p:sp>
+        <p:nvSpPr>
+          <p:cNvPr id="4" name="Slide Number Placeholder 3"/>
+          <p:cNvSpPr>
+            <a:spLocks noGrp="1"/>
+          </p:cNvSpPr>
+          <p:nvPr>
+            <p:ph type="sldNum" sz="quarter" idx="5"/>
+          </p:nvPr>
+        </p:nvSpPr>
+        <p:spPr/>
+        <p:txBody>
+          <a:bodyPr/>
+          <a:lstStyle/>
+          <a:p>
+            <a:fld id="{50371DB5-D0DF-4E48-A88F-A3049A7357B4}" type="slidenum">
+              <a:rPr lang="en-US" smtClean="0"/>
+              <a:t>8</a:t>
+            </a:fld>
+            <a:endParaRPr lang="en-US"/>
+          </a:p>
+        </p:txBody>
+      </p:sp>
+    </p:spTree>
+    <p:extLst>
+      <p:ext uri="{BB962C8B-B14F-4D97-AF65-F5344CB8AC3E}">
+        <p14:creationId xmlns:p14="http://schemas.microsoft.com/office/powerpoint/2010/main" val="2149804870"/>
+      </p:ext>
+    </p:extLst>
+  </p:cSld>
+  <p:clrMapOvr>
+    <a:masterClrMapping/>
+  </p:clrMapOvr>
+</p:notes>
+</file>
+
 <file path=ppt/slideLayouts/slideLayout1.xml><?xml version="1.0" encoding="utf-8"?>
 <p:sldLayout xmlns:a="http://schemas.openxmlformats.org/drawingml/2006/main" xmlns:r="http://schemas.openxmlformats.org/officeDocument/2006/relationships" xmlns:p="http://schemas.openxmlformats.org/presentationml/2006/main" type="title" preserve="1">
   <p:cSld name="Title Slide">
@@ -337,7 +924,7 @@
             <a:fld id="{B61BEF0D-F0BB-DE4B-95CE-6DB70DBA9567}" type="datetimeFigureOut">
               <a:rPr lang="en-US" dirty="0"/>
               <a:pPr/>
-              <a:t>9/16/22</a:t>
+              <a:t>10/10/22</a:t>
             </a:fld>
             <a:endParaRPr lang="en-US" dirty="0"/>
           </a:p>
@@ -625,7 +1212,7 @@
             <a:fld id="{B61BEF0D-F0BB-DE4B-95CE-6DB70DBA9567}" type="datetimeFigureOut">
               <a:rPr lang="en-US" dirty="0"/>
               <a:pPr/>
-              <a:t>9/16/22</a:t>
+              <a:t>10/10/22</a:t>
             </a:fld>
             <a:endParaRPr lang="en-US" dirty="0"/>
           </a:p>
@@ -881,7 +1468,7 @@
             <a:fld id="{B61BEF0D-F0BB-DE4B-95CE-6DB70DBA9567}" type="datetimeFigureOut">
               <a:rPr lang="en-US" dirty="0"/>
               <a:pPr/>
-              <a:t>9/16/22</a:t>
+              <a:t>10/10/22</a:t>
             </a:fld>
             <a:endParaRPr lang="en-US" dirty="0"/>
           </a:p>
@@ -1347,7 +1934,7 @@
             <a:fld id="{B61BEF0D-F0BB-DE4B-95CE-6DB70DBA9567}" type="datetimeFigureOut">
               <a:rPr lang="en-US" dirty="0"/>
               <a:pPr/>
-              <a:t>9/16/22</a:t>
+              <a:t>10/10/22</a:t>
             </a:fld>
             <a:endParaRPr lang="en-US" dirty="0"/>
           </a:p>
@@ -1524,7 +2111,7 @@
             <a:fld id="{B61BEF0D-F0BB-DE4B-95CE-6DB70DBA9567}" type="datetimeFigureOut">
               <a:rPr lang="en-US" dirty="0"/>
               <a:pPr/>
-              <a:t>9/16/22</a:t>
+              <a:t>10/10/22</a:t>
             </a:fld>
             <a:endParaRPr lang="en-US" dirty="0"/>
           </a:p>
@@ -2097,7 +2684,7 @@
             <a:fld id="{B61BEF0D-F0BB-DE4B-95CE-6DB70DBA9567}" type="datetimeFigureOut">
               <a:rPr lang="en-US" dirty="0"/>
               <a:pPr/>
-              <a:t>9/16/22</a:t>
+              <a:t>10/10/22</a:t>
             </a:fld>
             <a:endParaRPr lang="en-US" dirty="0"/>
           </a:p>
@@ -2426,7 +3013,7 @@
             <a:fld id="{B61BEF0D-F0BB-DE4B-95CE-6DB70DBA9567}" type="datetimeFigureOut">
               <a:rPr lang="en-US" dirty="0"/>
               <a:pPr/>
-              <a:t>9/16/22</a:t>
+              <a:t>10/10/22</a:t>
             </a:fld>
             <a:endParaRPr lang="en-US" dirty="0"/>
           </a:p>
@@ -2598,7 +3185,7 @@
             <a:fld id="{B61BEF0D-F0BB-DE4B-95CE-6DB70DBA9567}" type="datetimeFigureOut">
               <a:rPr lang="en-US" dirty="0"/>
               <a:pPr/>
-              <a:t>9/16/22</a:t>
+              <a:t>10/10/22</a:t>
             </a:fld>
             <a:endParaRPr lang="en-US" dirty="0"/>
           </a:p>
@@ -2775,7 +3362,7 @@
             <a:fld id="{B61BEF0D-F0BB-DE4B-95CE-6DB70DBA9567}" type="datetimeFigureOut">
               <a:rPr lang="en-US" dirty="0"/>
               <a:pPr/>
-              <a:t>9/16/22</a:t>
+              <a:t>10/10/22</a:t>
             </a:fld>
             <a:endParaRPr lang="en-US" dirty="0"/>
           </a:p>
@@ -2942,7 +3529,7 @@
             <a:fld id="{B61BEF0D-F0BB-DE4B-95CE-6DB70DBA9567}" type="datetimeFigureOut">
               <a:rPr lang="en-US" dirty="0"/>
               <a:pPr/>
-              <a:t>9/16/22</a:t>
+              <a:t>10/10/22</a:t>
             </a:fld>
             <a:endParaRPr lang="en-US" dirty="0"/>
           </a:p>
@@ -3196,7 +3783,7 @@
             <a:fld id="{B61BEF0D-F0BB-DE4B-95CE-6DB70DBA9567}" type="datetimeFigureOut">
               <a:rPr lang="en-US" dirty="0"/>
               <a:pPr/>
-              <a:t>9/16/22</a:t>
+              <a:t>10/10/22</a:t>
             </a:fld>
             <a:endParaRPr lang="en-US" dirty="0"/>
           </a:p>
@@ -3485,7 +4072,7 @@
             <a:fld id="{B61BEF0D-F0BB-DE4B-95CE-6DB70DBA9567}" type="datetimeFigureOut">
               <a:rPr lang="en-US" dirty="0"/>
               <a:pPr/>
-              <a:t>9/16/22</a:t>
+              <a:t>10/10/22</a:t>
             </a:fld>
             <a:endParaRPr lang="en-US" dirty="0"/>
           </a:p>
@@ -3912,7 +4499,7 @@
             <a:fld id="{B61BEF0D-F0BB-DE4B-95CE-6DB70DBA9567}" type="datetimeFigureOut">
               <a:rPr lang="en-US" dirty="0"/>
               <a:pPr/>
-              <a:t>9/16/22</a:t>
+              <a:t>10/10/22</a:t>
             </a:fld>
             <a:endParaRPr lang="en-US" dirty="0"/>
           </a:p>
@@ -4027,7 +4614,7 @@
             <a:fld id="{B61BEF0D-F0BB-DE4B-95CE-6DB70DBA9567}" type="datetimeFigureOut">
               <a:rPr lang="en-US" dirty="0"/>
               <a:pPr/>
-              <a:t>9/16/22</a:t>
+              <a:t>10/10/22</a:t>
             </a:fld>
             <a:endParaRPr lang="en-US" dirty="0"/>
           </a:p>
@@ -4119,7 +4706,7 @@
             <a:fld id="{B61BEF0D-F0BB-DE4B-95CE-6DB70DBA9567}" type="datetimeFigureOut">
               <a:rPr lang="en-US" dirty="0"/>
               <a:pPr/>
-              <a:t>9/16/22</a:t>
+              <a:t>10/10/22</a:t>
             </a:fld>
             <a:endParaRPr lang="en-US" dirty="0"/>
           </a:p>
@@ -4399,7 +4986,7 @@
             <a:fld id="{B61BEF0D-F0BB-DE4B-95CE-6DB70DBA9567}" type="datetimeFigureOut">
               <a:rPr lang="en-US" dirty="0"/>
               <a:pPr/>
-              <a:t>9/16/22</a:t>
+              <a:t>10/10/22</a:t>
             </a:fld>
             <a:endParaRPr lang="en-US" dirty="0"/>
           </a:p>
@@ -4687,7 +5274,7 @@
             <a:fld id="{B61BEF0D-F0BB-DE4B-95CE-6DB70DBA9567}" type="datetimeFigureOut">
               <a:rPr lang="en-US" dirty="0"/>
               <a:pPr/>
-              <a:t>9/16/22</a:t>
+              <a:t>10/10/22</a:t>
             </a:fld>
             <a:endParaRPr lang="en-US" dirty="0"/>
           </a:p>
@@ -4915,7 +5502,7 @@
             <a:fld id="{B61BEF0D-F0BB-DE4B-95CE-6DB70DBA9567}" type="datetimeFigureOut">
               <a:rPr lang="en-US" dirty="0"/>
               <a:pPr/>
-              <a:t>9/16/22</a:t>
+              <a:t>10/10/22</a:t>
             </a:fld>
             <a:endParaRPr lang="en-US" dirty="0"/>
           </a:p>
@@ -5803,6 +6390,201 @@
             <p:ph type="title"/>
           </p:nvPr>
         </p:nvSpPr>
+        <p:spPr>
+          <a:xfrm>
+            <a:off x="8164106" y="609600"/>
+            <a:ext cx="3369133" cy="3642851"/>
+          </a:xfrm>
+        </p:spPr>
+        <p:txBody>
+          <a:bodyPr vert="horz" lIns="91440" tIns="45720" rIns="91440" bIns="45720" rtlCol="0" anchor="b">
+            <a:normAutofit/>
+          </a:bodyPr>
+          <a:lstStyle/>
+          <a:p>
+            <a:pPr algn="ctr"/>
+            <a:r>
+              <a:rPr lang="en-US" sz="3700" dirty="0">
+                <a:gradFill flip="none" rotWithShape="1">
+                  <a:gsLst>
+                    <a:gs pos="0">
+                      <a:sysClr val="window" lastClr="FFFFFF"/>
+                    </a:gs>
+                    <a:gs pos="100000">
+                      <a:sysClr val="window" lastClr="FFFFFF">
+                        <a:lumMod val="65000"/>
+                      </a:sysClr>
+                    </a:gs>
+                  </a:gsLst>
+                  <a:lin ang="5580000" scaled="0"/>
+                  <a:tileRect/>
+                </a:gradFill>
+                <a:effectLst>
+                  <a:glow rad="38100">
+                    <a:schemeClr val="bg1">
+                      <a:lumMod val="65000"/>
+                      <a:lumOff val="35000"/>
+                      <a:alpha val="50000"/>
+                    </a:schemeClr>
+                  </a:glow>
+                  <a:outerShdw blurRad="28575" dist="31750" dir="13200000" algn="tl" rotWithShape="0">
+                    <a:srgbClr val="000000">
+                      <a:alpha val="25000"/>
+                    </a:srgbClr>
+                  </a:outerShdw>
+                </a:effectLst>
+              </a:rPr>
+              <a:t>Approaches</a:t>
+            </a:r>
+          </a:p>
+        </p:txBody>
+      </p:sp>
+      <p:sp>
+        <p:nvSpPr>
+          <p:cNvPr id="8" name="TextBox 7">
+            <a:extLst>
+              <a:ext uri="{FF2B5EF4-FFF2-40B4-BE49-F238E27FC236}">
+                <a16:creationId xmlns:a16="http://schemas.microsoft.com/office/drawing/2014/main" id="{36882AC6-B1CC-808A-C4AB-4A02D2DC722C}"/>
+              </a:ext>
+            </a:extLst>
+          </p:cNvPr>
+          <p:cNvSpPr txBox="1"/>
+          <p:nvPr/>
+        </p:nvSpPr>
+        <p:spPr>
+          <a:xfrm>
+            <a:off x="8392714" y="5972175"/>
+            <a:ext cx="3237319" cy="261610"/>
+          </a:xfrm>
+          <a:prstGeom prst="rect">
+            <a:avLst/>
+          </a:prstGeom>
+          <a:noFill/>
+        </p:spPr>
+        <p:txBody>
+          <a:bodyPr wrap="square" rtlCol="0">
+            <a:spAutoFit/>
+          </a:bodyPr>
+          <a:lstStyle/>
+          <a:p>
+            <a:r>
+              <a:rPr lang="en-US" sz="1100" cap="all" dirty="0">
+                <a:ln w="3175" cmpd="sng">
+                  <a:noFill/>
+                </a:ln>
+                <a:gradFill flip="none" rotWithShape="1">
+                  <a:gsLst>
+                    <a:gs pos="0">
+                      <a:sysClr val="window" lastClr="FFFFFF"/>
+                    </a:gs>
+                    <a:gs pos="100000">
+                      <a:sysClr val="window" lastClr="FFFFFF">
+                        <a:lumMod val="65000"/>
+                      </a:sysClr>
+                    </a:gs>
+                  </a:gsLst>
+                  <a:lin ang="5580000" scaled="0"/>
+                  <a:tileRect/>
+                </a:gradFill>
+                <a:effectLst>
+                  <a:glow rad="38100">
+                    <a:schemeClr val="bg1">
+                      <a:lumMod val="65000"/>
+                      <a:lumOff val="35000"/>
+                      <a:alpha val="50000"/>
+                    </a:schemeClr>
+                  </a:glow>
+                  <a:outerShdw blurRad="28575" dist="31750" dir="13200000" algn="tl" rotWithShape="0">
+                    <a:srgbClr val="000000">
+                      <a:alpha val="25000"/>
+                    </a:srgbClr>
+                  </a:outerShdw>
+                </a:effectLst>
+                <a:latin typeface="+mj-lt"/>
+                <a:ea typeface="+mj-ea"/>
+                <a:cs typeface="+mj-cs"/>
+              </a:rPr>
+              <a:t>Qualitative process models</a:t>
+            </a:r>
+          </a:p>
+        </p:txBody>
+      </p:sp>
+      <p:pic>
+        <p:nvPicPr>
+          <p:cNvPr id="4" name="Picture 3">
+            <a:extLst>
+              <a:ext uri="{FF2B5EF4-FFF2-40B4-BE49-F238E27FC236}">
+                <a16:creationId xmlns:a16="http://schemas.microsoft.com/office/drawing/2014/main" id="{54B1CFCA-67C8-A46C-6F0D-E24D528BFF53}"/>
+              </a:ext>
+            </a:extLst>
+          </p:cNvPr>
+          <p:cNvPicPr>
+            <a:picLocks noChangeAspect="1"/>
+          </p:cNvPicPr>
+          <p:nvPr/>
+        </p:nvPicPr>
+        <p:blipFill>
+          <a:blip r:embed="rId2"/>
+          <a:stretch>
+            <a:fillRect/>
+          </a:stretch>
+        </p:blipFill>
+        <p:spPr>
+          <a:xfrm>
+            <a:off x="391706" y="836342"/>
+            <a:ext cx="7772400" cy="5534499"/>
+          </a:xfrm>
+          <a:prstGeom prst="rect">
+            <a:avLst/>
+          </a:prstGeom>
+        </p:spPr>
+      </p:pic>
+    </p:spTree>
+    <p:extLst>
+      <p:ext uri="{BB962C8B-B14F-4D97-AF65-F5344CB8AC3E}">
+        <p14:creationId xmlns:p14="http://schemas.microsoft.com/office/powerpoint/2010/main" val="2097880509"/>
+      </p:ext>
+    </p:extLst>
+  </p:cSld>
+  <p:clrMapOvr>
+    <a:masterClrMapping/>
+  </p:clrMapOvr>
+</p:sld>
+</file>
+
+<file path=ppt/slides/slide11.xml><?xml version="1.0" encoding="utf-8"?>
+<p:sld xmlns:a="http://schemas.openxmlformats.org/drawingml/2006/main" xmlns:r="http://schemas.openxmlformats.org/officeDocument/2006/relationships" xmlns:p="http://schemas.openxmlformats.org/presentationml/2006/main">
+  <p:cSld>
+    <p:spTree>
+      <p:nvGrpSpPr>
+        <p:cNvPr id="1" name=""/>
+        <p:cNvGrpSpPr/>
+        <p:nvPr/>
+      </p:nvGrpSpPr>
+      <p:grpSpPr>
+        <a:xfrm>
+          <a:off x="0" y="0"/>
+          <a:ext cx="0" cy="0"/>
+          <a:chOff x="0" y="0"/>
+          <a:chExt cx="0" cy="0"/>
+        </a:xfrm>
+      </p:grpSpPr>
+      <p:sp>
+        <p:nvSpPr>
+          <p:cNvPr id="2" name="Title 1">
+            <a:extLst>
+              <a:ext uri="{FF2B5EF4-FFF2-40B4-BE49-F238E27FC236}">
+                <a16:creationId xmlns:a16="http://schemas.microsoft.com/office/drawing/2014/main" id="{CF612BA6-BC0E-B4AE-F70D-859427D8CA86}"/>
+              </a:ext>
+            </a:extLst>
+          </p:cNvPr>
+          <p:cNvSpPr>
+            <a:spLocks noGrp="1"/>
+          </p:cNvSpPr>
+          <p:nvPr>
+            <p:ph type="title"/>
+          </p:nvPr>
+        </p:nvSpPr>
         <p:spPr/>
         <p:txBody>
           <a:bodyPr/>
@@ -5871,7 +6653,7 @@
 </p:sld>
 </file>
 
-<file path=ppt/slides/slide11.xml><?xml version="1.0" encoding="utf-8"?>
+<file path=ppt/slides/slide12.xml><?xml version="1.0" encoding="utf-8"?>
 <p:sld xmlns:a="http://schemas.openxmlformats.org/drawingml/2006/main" xmlns:r="http://schemas.openxmlformats.org/officeDocument/2006/relationships" xmlns:p="http://schemas.openxmlformats.org/presentationml/2006/main">
   <p:cSld>
     <p:spTree>
@@ -6030,7 +6812,7 @@
 </p:sld>
 </file>
 
-<file path=ppt/slides/slide12.xml><?xml version="1.0" encoding="utf-8"?>
+<file path=ppt/slides/slide13.xml><?xml version="1.0" encoding="utf-8"?>
 <p:sld xmlns:a="http://schemas.openxmlformats.org/drawingml/2006/main" xmlns:r="http://schemas.openxmlformats.org/officeDocument/2006/relationships" xmlns:p="http://schemas.openxmlformats.org/presentationml/2006/main">
   <p:cSld>
     <p:spTree>
@@ -7055,32 +7837,42 @@
             </a:r>
           </a:p>
           <a:p>
+            <a:pPr lvl="1"/>
             <a:r>
               <a:rPr lang="en-US" dirty="0"/>
-              <a:t>Abstraction and reasoning</a:t>
+              <a:t>Miller, 2019</a:t>
             </a:r>
           </a:p>
           <a:p>
             <a:r>
               <a:rPr lang="en-US" dirty="0"/>
-              <a:t>Psychology of invention</a:t>
+              <a:t>How do you generate explainable models by working with domain experts</a:t>
             </a:r>
           </a:p>
           <a:p>
             <a:pPr lvl="1"/>
             <a:r>
+              <a:rPr lang="en-US" dirty="0"/>
+              <a:t>Rudin, 2019</a:t>
+            </a:r>
+          </a:p>
+          <a:p>
+            <a:pPr lvl="1"/>
+            <a:endParaRPr lang="en-US" dirty="0"/>
+          </a:p>
+          <a:p>
+            <a:r>
+              <a:rPr lang="en-US" dirty="0"/>
+              <a:t>We can take inspiration from other disciplines and develop new </a:t>
+            </a:r>
+            <a:r>
               <a:rPr lang="en-US" dirty="0" err="1"/>
-              <a:t>Kekule</a:t>
-            </a:r>
-            <a:endParaRPr lang="en-US" dirty="0"/>
-          </a:p>
-          <a:p>
-            <a:pPr lvl="1"/>
-            <a:r>
-              <a:rPr lang="en-US" dirty="0" err="1"/>
-              <a:t>poincare</a:t>
-            </a:r>
-            <a:endParaRPr lang="en-US" dirty="0"/>
+              <a:t>xAI</a:t>
+            </a:r>
+            <a:r>
+              <a:rPr lang="en-US" dirty="0"/>
+              <a:t> approaches</a:t>
+            </a:r>
           </a:p>
         </p:txBody>
       </p:sp>
@@ -7098,6 +7890,121 @@
 </file>
 
 <file path=ppt/slides/slide8.xml><?xml version="1.0" encoding="utf-8"?>
+<p:sld xmlns:a="http://schemas.openxmlformats.org/drawingml/2006/main" xmlns:r="http://schemas.openxmlformats.org/officeDocument/2006/relationships" xmlns:p="http://schemas.openxmlformats.org/presentationml/2006/main">
+  <p:cSld>
+    <p:spTree>
+      <p:nvGrpSpPr>
+        <p:cNvPr id="1" name=""/>
+        <p:cNvGrpSpPr/>
+        <p:nvPr/>
+      </p:nvGrpSpPr>
+      <p:grpSpPr>
+        <a:xfrm>
+          <a:off x="0" y="0"/>
+          <a:ext cx="0" cy="0"/>
+          <a:chOff x="0" y="0"/>
+          <a:chExt cx="0" cy="0"/>
+        </a:xfrm>
+      </p:grpSpPr>
+      <p:sp>
+        <p:nvSpPr>
+          <p:cNvPr id="2" name="Title 1">
+            <a:extLst>
+              <a:ext uri="{FF2B5EF4-FFF2-40B4-BE49-F238E27FC236}">
+                <a16:creationId xmlns:a16="http://schemas.microsoft.com/office/drawing/2014/main" id="{CF612BA6-BC0E-B4AE-F70D-859427D8CA86}"/>
+              </a:ext>
+            </a:extLst>
+          </p:cNvPr>
+          <p:cNvSpPr>
+            <a:spLocks noGrp="1"/>
+          </p:cNvSpPr>
+          <p:nvPr>
+            <p:ph type="title"/>
+          </p:nvPr>
+        </p:nvSpPr>
+        <p:spPr/>
+        <p:txBody>
+          <a:bodyPr/>
+          <a:lstStyle/>
+          <a:p>
+            <a:pPr algn="ctr"/>
+            <a:r>
+              <a:rPr lang="en-US" dirty="0"/>
+              <a:t>Approaches</a:t>
+            </a:r>
+          </a:p>
+        </p:txBody>
+      </p:sp>
+      <p:sp>
+        <p:nvSpPr>
+          <p:cNvPr id="3" name="Content Placeholder 2">
+            <a:extLst>
+              <a:ext uri="{FF2B5EF4-FFF2-40B4-BE49-F238E27FC236}">
+                <a16:creationId xmlns:a16="http://schemas.microsoft.com/office/drawing/2014/main" id="{F1B0DF05-BBCC-D407-D536-3119B0214CAD}"/>
+              </a:ext>
+            </a:extLst>
+          </p:cNvPr>
+          <p:cNvSpPr>
+            <a:spLocks noGrp="1"/>
+          </p:cNvSpPr>
+          <p:nvPr>
+            <p:ph idx="1"/>
+          </p:nvPr>
+        </p:nvSpPr>
+        <p:spPr/>
+        <p:txBody>
+          <a:bodyPr/>
+          <a:lstStyle/>
+          <a:p>
+            <a:pPr marL="0" indent="0">
+              <a:buNone/>
+            </a:pPr>
+            <a:endParaRPr lang="en-US" dirty="0"/>
+          </a:p>
+          <a:p>
+            <a:r>
+              <a:rPr lang="en-US" dirty="0"/>
+              <a:t>Abstraction and reasoning</a:t>
+            </a:r>
+          </a:p>
+          <a:p>
+            <a:r>
+              <a:rPr lang="en-US" dirty="0"/>
+              <a:t>Psychology of invention</a:t>
+            </a:r>
+          </a:p>
+          <a:p>
+            <a:pPr lvl="1"/>
+            <a:r>
+              <a:rPr lang="en-US" dirty="0" err="1"/>
+              <a:t>Kekule</a:t>
+            </a:r>
+            <a:endParaRPr lang="en-US" dirty="0"/>
+          </a:p>
+          <a:p>
+            <a:pPr lvl="1"/>
+            <a:r>
+              <a:rPr lang="en-US" dirty="0" err="1"/>
+              <a:t>poincare</a:t>
+            </a:r>
+            <a:endParaRPr lang="en-US" dirty="0"/>
+          </a:p>
+        </p:txBody>
+      </p:sp>
+    </p:spTree>
+    <p:extLst>
+      <p:ext uri="{BB962C8B-B14F-4D97-AF65-F5344CB8AC3E}">
+        <p14:creationId xmlns:p14="http://schemas.microsoft.com/office/powerpoint/2010/main" val="3026762325"/>
+      </p:ext>
+    </p:extLst>
+  </p:cSld>
+  <p:clrMapOvr>
+    <a:masterClrMapping/>
+  </p:clrMapOvr>
+</p:sld>
+</file>
+
+<file path=ppt/slides/slide9.xml><?xml version="1.0" encoding="utf-8"?>
 <p:sld xmlns:a="http://schemas.openxmlformats.org/drawingml/2006/main" xmlns:r="http://schemas.openxmlformats.org/officeDocument/2006/relationships" xmlns:p="http://schemas.openxmlformats.org/presentationml/2006/main">
   <p:cSld>
     <p:spTree>
@@ -7283,201 +8190,6 @@
     <p:extLst>
       <p:ext uri="{BB962C8B-B14F-4D97-AF65-F5344CB8AC3E}">
         <p14:creationId xmlns:p14="http://schemas.microsoft.com/office/powerpoint/2010/main" val="4287854798"/>
-      </p:ext>
-    </p:extLst>
-  </p:cSld>
-  <p:clrMapOvr>
-    <a:masterClrMapping/>
-  </p:clrMapOvr>
-</p:sld>
-</file>
-
-<file path=ppt/slides/slide9.xml><?xml version="1.0" encoding="utf-8"?>
-<p:sld xmlns:a="http://schemas.openxmlformats.org/drawingml/2006/main" xmlns:r="http://schemas.openxmlformats.org/officeDocument/2006/relationships" xmlns:p="http://schemas.openxmlformats.org/presentationml/2006/main">
-  <p:cSld>
-    <p:spTree>
-      <p:nvGrpSpPr>
-        <p:cNvPr id="1" name=""/>
-        <p:cNvGrpSpPr/>
-        <p:nvPr/>
-      </p:nvGrpSpPr>
-      <p:grpSpPr>
-        <a:xfrm>
-          <a:off x="0" y="0"/>
-          <a:ext cx="0" cy="0"/>
-          <a:chOff x="0" y="0"/>
-          <a:chExt cx="0" cy="0"/>
-        </a:xfrm>
-      </p:grpSpPr>
-      <p:sp>
-        <p:nvSpPr>
-          <p:cNvPr id="2" name="Title 1">
-            <a:extLst>
-              <a:ext uri="{FF2B5EF4-FFF2-40B4-BE49-F238E27FC236}">
-                <a16:creationId xmlns:a16="http://schemas.microsoft.com/office/drawing/2014/main" id="{CF612BA6-BC0E-B4AE-F70D-859427D8CA86}"/>
-              </a:ext>
-            </a:extLst>
-          </p:cNvPr>
-          <p:cNvSpPr>
-            <a:spLocks noGrp="1"/>
-          </p:cNvSpPr>
-          <p:nvPr>
-            <p:ph type="title"/>
-          </p:nvPr>
-        </p:nvSpPr>
-        <p:spPr>
-          <a:xfrm>
-            <a:off x="8164106" y="609600"/>
-            <a:ext cx="3369133" cy="3642851"/>
-          </a:xfrm>
-        </p:spPr>
-        <p:txBody>
-          <a:bodyPr vert="horz" lIns="91440" tIns="45720" rIns="91440" bIns="45720" rtlCol="0" anchor="b">
-            <a:normAutofit/>
-          </a:bodyPr>
-          <a:lstStyle/>
-          <a:p>
-            <a:pPr algn="ctr"/>
-            <a:r>
-              <a:rPr lang="en-US" sz="3700" dirty="0">
-                <a:gradFill flip="none" rotWithShape="1">
-                  <a:gsLst>
-                    <a:gs pos="0">
-                      <a:sysClr val="window" lastClr="FFFFFF"/>
-                    </a:gs>
-                    <a:gs pos="100000">
-                      <a:sysClr val="window" lastClr="FFFFFF">
-                        <a:lumMod val="65000"/>
-                      </a:sysClr>
-                    </a:gs>
-                  </a:gsLst>
-                  <a:lin ang="5580000" scaled="0"/>
-                  <a:tileRect/>
-                </a:gradFill>
-                <a:effectLst>
-                  <a:glow rad="38100">
-                    <a:schemeClr val="bg1">
-                      <a:lumMod val="65000"/>
-                      <a:lumOff val="35000"/>
-                      <a:alpha val="50000"/>
-                    </a:schemeClr>
-                  </a:glow>
-                  <a:outerShdw blurRad="28575" dist="31750" dir="13200000" algn="tl" rotWithShape="0">
-                    <a:srgbClr val="000000">
-                      <a:alpha val="25000"/>
-                    </a:srgbClr>
-                  </a:outerShdw>
-                </a:effectLst>
-              </a:rPr>
-              <a:t>Approaches</a:t>
-            </a:r>
-          </a:p>
-        </p:txBody>
-      </p:sp>
-      <p:sp>
-        <p:nvSpPr>
-          <p:cNvPr id="8" name="TextBox 7">
-            <a:extLst>
-              <a:ext uri="{FF2B5EF4-FFF2-40B4-BE49-F238E27FC236}">
-                <a16:creationId xmlns:a16="http://schemas.microsoft.com/office/drawing/2014/main" id="{36882AC6-B1CC-808A-C4AB-4A02D2DC722C}"/>
-              </a:ext>
-            </a:extLst>
-          </p:cNvPr>
-          <p:cNvSpPr txBox="1"/>
-          <p:nvPr/>
-        </p:nvSpPr>
-        <p:spPr>
-          <a:xfrm>
-            <a:off x="8392714" y="5972175"/>
-            <a:ext cx="3237319" cy="261610"/>
-          </a:xfrm>
-          <a:prstGeom prst="rect">
-            <a:avLst/>
-          </a:prstGeom>
-          <a:noFill/>
-        </p:spPr>
-        <p:txBody>
-          <a:bodyPr wrap="square" rtlCol="0">
-            <a:spAutoFit/>
-          </a:bodyPr>
-          <a:lstStyle/>
-          <a:p>
-            <a:r>
-              <a:rPr lang="en-US" sz="1100" cap="all" dirty="0">
-                <a:ln w="3175" cmpd="sng">
-                  <a:noFill/>
-                </a:ln>
-                <a:gradFill flip="none" rotWithShape="1">
-                  <a:gsLst>
-                    <a:gs pos="0">
-                      <a:sysClr val="window" lastClr="FFFFFF"/>
-                    </a:gs>
-                    <a:gs pos="100000">
-                      <a:sysClr val="window" lastClr="FFFFFF">
-                        <a:lumMod val="65000"/>
-                      </a:sysClr>
-                    </a:gs>
-                  </a:gsLst>
-                  <a:lin ang="5580000" scaled="0"/>
-                  <a:tileRect/>
-                </a:gradFill>
-                <a:effectLst>
-                  <a:glow rad="38100">
-                    <a:schemeClr val="bg1">
-                      <a:lumMod val="65000"/>
-                      <a:lumOff val="35000"/>
-                      <a:alpha val="50000"/>
-                    </a:schemeClr>
-                  </a:glow>
-                  <a:outerShdw blurRad="28575" dist="31750" dir="13200000" algn="tl" rotWithShape="0">
-                    <a:srgbClr val="000000">
-                      <a:alpha val="25000"/>
-                    </a:srgbClr>
-                  </a:outerShdw>
-                </a:effectLst>
-                <a:latin typeface="+mj-lt"/>
-                <a:ea typeface="+mj-ea"/>
-                <a:cs typeface="+mj-cs"/>
-              </a:rPr>
-              <a:t>Qualitative process models</a:t>
-            </a:r>
-          </a:p>
-        </p:txBody>
-      </p:sp>
-      <p:pic>
-        <p:nvPicPr>
-          <p:cNvPr id="4" name="Picture 3">
-            <a:extLst>
-              <a:ext uri="{FF2B5EF4-FFF2-40B4-BE49-F238E27FC236}">
-                <a16:creationId xmlns:a16="http://schemas.microsoft.com/office/drawing/2014/main" id="{54B1CFCA-67C8-A46C-6F0D-E24D528BFF53}"/>
-              </a:ext>
-            </a:extLst>
-          </p:cNvPr>
-          <p:cNvPicPr>
-            <a:picLocks noChangeAspect="1"/>
-          </p:cNvPicPr>
-          <p:nvPr/>
-        </p:nvPicPr>
-        <p:blipFill>
-          <a:blip r:embed="rId2"/>
-          <a:stretch>
-            <a:fillRect/>
-          </a:stretch>
-        </p:blipFill>
-        <p:spPr>
-          <a:xfrm>
-            <a:off x="391706" y="836342"/>
-            <a:ext cx="7772400" cy="5534499"/>
-          </a:xfrm>
-          <a:prstGeom prst="rect">
-            <a:avLst/>
-          </a:prstGeom>
-        </p:spPr>
-      </p:pic>
-    </p:spTree>
-    <p:extLst>
-      <p:ext uri="{BB962C8B-B14F-4D97-AF65-F5344CB8AC3E}">
-        <p14:creationId xmlns:p14="http://schemas.microsoft.com/office/powerpoint/2010/main" val="2097880509"/>
       </p:ext>
     </p:extLst>
   </p:cSld>
@@ -7741,4 +8453,299 @@
     </a:ext>
   </a:extLst>
 </a:theme>
+</file>
+
+<file path=ppt/theme/theme2.xml><?xml version="1.0" encoding="utf-8"?>
+<a:theme xmlns:a="http://schemas.openxmlformats.org/drawingml/2006/main" name="Office Theme">
+  <a:themeElements>
+    <a:clrScheme name="Office">
+      <a:dk1>
+        <a:sysClr val="windowText" lastClr="000000"/>
+      </a:dk1>
+      <a:lt1>
+        <a:sysClr val="window" lastClr="FFFFFF"/>
+      </a:lt1>
+      <a:dk2>
+        <a:srgbClr val="44546A"/>
+      </a:dk2>
+      <a:lt2>
+        <a:srgbClr val="E7E6E6"/>
+      </a:lt2>
+      <a:accent1>
+        <a:srgbClr val="4472C4"/>
+      </a:accent1>
+      <a:accent2>
+        <a:srgbClr val="ED7D31"/>
+      </a:accent2>
+      <a:accent3>
+        <a:srgbClr val="A5A5A5"/>
+      </a:accent3>
+      <a:accent4>
+        <a:srgbClr val="FFC000"/>
+      </a:accent4>
+      <a:accent5>
+        <a:srgbClr val="5B9BD5"/>
+      </a:accent5>
+      <a:accent6>
+        <a:srgbClr val="70AD47"/>
+      </a:accent6>
+      <a:hlink>
+        <a:srgbClr val="0563C1"/>
+      </a:hlink>
+      <a:folHlink>
+        <a:srgbClr val="954F72"/>
+      </a:folHlink>
+    </a:clrScheme>
+    <a:fontScheme name="Office">
+      <a:majorFont>
+        <a:latin typeface="Calibri Light" panose="020F0302020204030204"/>
+        <a:ea typeface=""/>
+        <a:cs typeface=""/>
+        <a:font script="Jpan" typeface="游ゴシック Light"/>
+        <a:font script="Hang" typeface="맑은 고딕"/>
+        <a:font script="Hans" typeface="等线 Light"/>
+        <a:font script="Hant" typeface="新細明體"/>
+        <a:font script="Arab" typeface="Times New Roman"/>
+        <a:font script="Hebr" typeface="Times New Roman"/>
+        <a:font script="Thai" typeface="Angsana New"/>
+        <a:font script="Ethi" typeface="Nyala"/>
+        <a:font script="Beng" typeface="Vrinda"/>
+        <a:font script="Gujr" typeface="Shruti"/>
+        <a:font script="Khmr" typeface="MoolBoran"/>
+        <a:font script="Knda" typeface="Tunga"/>
+        <a:font script="Guru" typeface="Raavi"/>
+        <a:font script="Cans" typeface="Euphemia"/>
+        <a:font script="Cher" typeface="Plantagenet Cherokee"/>
+        <a:font script="Yiii" typeface="Microsoft Yi Baiti"/>
+        <a:font script="Tibt" typeface="Microsoft Himalaya"/>
+        <a:font script="Thaa" typeface="MV Boli"/>
+        <a:font script="Deva" typeface="Mangal"/>
+        <a:font script="Telu" typeface="Gautami"/>
+        <a:font script="Taml" typeface="Latha"/>
+        <a:font script="Syrc" typeface="Estrangelo Edessa"/>
+        <a:font script="Orya" typeface="Kalinga"/>
+        <a:font script="Mlym" typeface="Kartika"/>
+        <a:font script="Laoo" typeface="DokChampa"/>
+        <a:font script="Sinh" typeface="Iskoola Pota"/>
+        <a:font script="Mong" typeface="Mongolian Baiti"/>
+        <a:font script="Viet" typeface="Times New Roman"/>
+        <a:font script="Uigh" typeface="Microsoft Uighur"/>
+        <a:font script="Geor" typeface="Sylfaen"/>
+        <a:font script="Armn" typeface="Arial"/>
+        <a:font script="Bugi" typeface="Leelawadee UI"/>
+        <a:font script="Bopo" typeface="Microsoft JhengHei"/>
+        <a:font script="Java" typeface="Javanese Text"/>
+        <a:font script="Lisu" typeface="Segoe UI"/>
+        <a:font script="Mymr" typeface="Myanmar Text"/>
+        <a:font script="Nkoo" typeface="Ebrima"/>
+        <a:font script="Olck" typeface="Nirmala UI"/>
+        <a:font script="Osma" typeface="Ebrima"/>
+        <a:font script="Phag" typeface="Phagspa"/>
+        <a:font script="Syrn" typeface="Estrangelo Edessa"/>
+        <a:font script="Syrj" typeface="Estrangelo Edessa"/>
+        <a:font script="Syre" typeface="Estrangelo Edessa"/>
+        <a:font script="Sora" typeface="Nirmala UI"/>
+        <a:font script="Tale" typeface="Microsoft Tai Le"/>
+        <a:font script="Talu" typeface="Microsoft New Tai Lue"/>
+        <a:font script="Tfng" typeface="Ebrima"/>
+      </a:majorFont>
+      <a:minorFont>
+        <a:latin typeface="Calibri" panose="020F0502020204030204"/>
+        <a:ea typeface=""/>
+        <a:cs typeface=""/>
+        <a:font script="Jpan" typeface="游ゴシック"/>
+        <a:font script="Hang" typeface="맑은 고딕"/>
+        <a:font script="Hans" typeface="等线"/>
+        <a:font script="Hant" typeface="新細明體"/>
+        <a:font script="Arab" typeface="Arial"/>
+        <a:font script="Hebr" typeface="Arial"/>
+        <a:font script="Thai" typeface="Cordia New"/>
+        <a:font script="Ethi" typeface="Nyala"/>
+        <a:font script="Beng" typeface="Vrinda"/>
+        <a:font script="Gujr" typeface="Shruti"/>
+        <a:font script="Khmr" typeface="DaunPenh"/>
+        <a:font script="Knda" typeface="Tunga"/>
+        <a:font script="Guru" typeface="Raavi"/>
+        <a:font script="Cans" typeface="Euphemia"/>
+        <a:font script="Cher" typeface="Plantagenet Cherokee"/>
+        <a:font script="Yiii" typeface="Microsoft Yi Baiti"/>
+        <a:font script="Tibt" typeface="Microsoft Himalaya"/>
+        <a:font script="Thaa" typeface="MV Boli"/>
+        <a:font script="Deva" typeface="Mangal"/>
+        <a:font script="Telu" typeface="Gautami"/>
+        <a:font script="Taml" typeface="Latha"/>
+        <a:font script="Syrc" typeface="Estrangelo Edessa"/>
+        <a:font script="Orya" typeface="Kalinga"/>
+        <a:font script="Mlym" typeface="Kartika"/>
+        <a:font script="Laoo" typeface="DokChampa"/>
+        <a:font script="Sinh" typeface="Iskoola Pota"/>
+        <a:font script="Mong" typeface="Mongolian Baiti"/>
+        <a:font script="Viet" typeface="Arial"/>
+        <a:font script="Uigh" typeface="Microsoft Uighur"/>
+        <a:font script="Geor" typeface="Sylfaen"/>
+        <a:font script="Armn" typeface="Arial"/>
+        <a:font script="Bugi" typeface="Leelawadee UI"/>
+        <a:font script="Bopo" typeface="Microsoft JhengHei"/>
+        <a:font script="Java" typeface="Javanese Text"/>
+        <a:font script="Lisu" typeface="Segoe UI"/>
+        <a:font script="Mymr" typeface="Myanmar Text"/>
+        <a:font script="Nkoo" typeface="Ebrima"/>
+        <a:font script="Olck" typeface="Nirmala UI"/>
+        <a:font script="Osma" typeface="Ebrima"/>
+        <a:font script="Phag" typeface="Phagspa"/>
+        <a:font script="Syrn" typeface="Estrangelo Edessa"/>
+        <a:font script="Syrj" typeface="Estrangelo Edessa"/>
+        <a:font script="Syre" typeface="Estrangelo Edessa"/>
+        <a:font script="Sora" typeface="Nirmala UI"/>
+        <a:font script="Tale" typeface="Microsoft Tai Le"/>
+        <a:font script="Talu" typeface="Microsoft New Tai Lue"/>
+        <a:font script="Tfng" typeface="Ebrima"/>
+      </a:minorFont>
+    </a:fontScheme>
+    <a:fmtScheme name="Office">
+      <a:fillStyleLst>
+        <a:solidFill>
+          <a:schemeClr val="phClr"/>
+        </a:solidFill>
+        <a:gradFill rotWithShape="1">
+          <a:gsLst>
+            <a:gs pos="0">
+              <a:schemeClr val="phClr">
+                <a:lumMod val="110000"/>
+                <a:satMod val="105000"/>
+                <a:tint val="67000"/>
+              </a:schemeClr>
+            </a:gs>
+            <a:gs pos="50000">
+              <a:schemeClr val="phClr">
+                <a:lumMod val="105000"/>
+                <a:satMod val="103000"/>
+                <a:tint val="73000"/>
+              </a:schemeClr>
+            </a:gs>
+            <a:gs pos="100000">
+              <a:schemeClr val="phClr">
+                <a:lumMod val="105000"/>
+                <a:satMod val="109000"/>
+                <a:tint val="81000"/>
+              </a:schemeClr>
+            </a:gs>
+          </a:gsLst>
+          <a:lin ang="5400000" scaled="0"/>
+        </a:gradFill>
+        <a:gradFill rotWithShape="1">
+          <a:gsLst>
+            <a:gs pos="0">
+              <a:schemeClr val="phClr">
+                <a:satMod val="103000"/>
+                <a:lumMod val="102000"/>
+                <a:tint val="94000"/>
+              </a:schemeClr>
+            </a:gs>
+            <a:gs pos="50000">
+              <a:schemeClr val="phClr">
+                <a:satMod val="110000"/>
+                <a:lumMod val="100000"/>
+                <a:shade val="100000"/>
+              </a:schemeClr>
+            </a:gs>
+            <a:gs pos="100000">
+              <a:schemeClr val="phClr">
+                <a:lumMod val="99000"/>
+                <a:satMod val="120000"/>
+                <a:shade val="78000"/>
+              </a:schemeClr>
+            </a:gs>
+          </a:gsLst>
+          <a:lin ang="5400000" scaled="0"/>
+        </a:gradFill>
+      </a:fillStyleLst>
+      <a:lnStyleLst>
+        <a:ln w="6350" cap="flat" cmpd="sng" algn="ctr">
+          <a:solidFill>
+            <a:schemeClr val="phClr"/>
+          </a:solidFill>
+          <a:prstDash val="solid"/>
+          <a:miter lim="800000"/>
+        </a:ln>
+        <a:ln w="12700" cap="flat" cmpd="sng" algn="ctr">
+          <a:solidFill>
+            <a:schemeClr val="phClr"/>
+          </a:solidFill>
+          <a:prstDash val="solid"/>
+          <a:miter lim="800000"/>
+        </a:ln>
+        <a:ln w="19050" cap="flat" cmpd="sng" algn="ctr">
+          <a:solidFill>
+            <a:schemeClr val="phClr"/>
+          </a:solidFill>
+          <a:prstDash val="solid"/>
+          <a:miter lim="800000"/>
+        </a:ln>
+      </a:lnStyleLst>
+      <a:effectStyleLst>
+        <a:effectStyle>
+          <a:effectLst/>
+        </a:effectStyle>
+        <a:effectStyle>
+          <a:effectLst/>
+        </a:effectStyle>
+        <a:effectStyle>
+          <a:effectLst>
+            <a:outerShdw blurRad="57150" dist="19050" dir="5400000" algn="ctr" rotWithShape="0">
+              <a:srgbClr val="000000">
+                <a:alpha val="63000"/>
+              </a:srgbClr>
+            </a:outerShdw>
+          </a:effectLst>
+        </a:effectStyle>
+      </a:effectStyleLst>
+      <a:bgFillStyleLst>
+        <a:solidFill>
+          <a:schemeClr val="phClr"/>
+        </a:solidFill>
+        <a:solidFill>
+          <a:schemeClr val="phClr">
+            <a:tint val="95000"/>
+            <a:satMod val="170000"/>
+          </a:schemeClr>
+        </a:solidFill>
+        <a:gradFill rotWithShape="1">
+          <a:gsLst>
+            <a:gs pos="0">
+              <a:schemeClr val="phClr">
+                <a:tint val="93000"/>
+                <a:satMod val="150000"/>
+                <a:shade val="98000"/>
+                <a:lumMod val="102000"/>
+              </a:schemeClr>
+            </a:gs>
+            <a:gs pos="50000">
+              <a:schemeClr val="phClr">
+                <a:tint val="98000"/>
+                <a:satMod val="130000"/>
+                <a:shade val="90000"/>
+                <a:lumMod val="103000"/>
+              </a:schemeClr>
+            </a:gs>
+            <a:gs pos="100000">
+              <a:schemeClr val="phClr">
+                <a:shade val="63000"/>
+                <a:satMod val="120000"/>
+              </a:schemeClr>
+            </a:gs>
+          </a:gsLst>
+          <a:lin ang="5400000" scaled="0"/>
+        </a:gradFill>
+      </a:bgFillStyleLst>
+    </a:fmtScheme>
+  </a:themeElements>
+  <a:objectDefaults/>
+  <a:extraClrSchemeLst/>
+  <a:extLst>
+    <a:ext uri="{05A4C25C-085E-4340-85A3-A5531E510DB2}">
+      <thm15:themeFamily xmlns:thm15="http://schemas.microsoft.com/office/thememl/2012/main" name="Office Theme" id="{62F939B6-93AF-4DB8-9C6B-D6C7DFDC589F}" vid="{4A3C46E8-61CC-4603-A589-7422A47A8E4A}"/>
+    </a:ext>
+  </a:extLst>
+</a:theme>
 </file>
--- a/intro.pptx
+++ b/intro.pptx
@@ -555,12 +555,12 @@
               <a:t>xAI</a:t>
             </a:r>
             <a:r>
-              <a:rPr lang="en-US"/>
+              <a:rPr lang="en-US" dirty="0"/>
               <a:t> approaches.}</a:t>
             </a:r>
           </a:p>
           <a:p>
-            <a:endParaRPr lang="en-US"/>
+            <a:endParaRPr lang="en-US" dirty="0"/>
           </a:p>
         </p:txBody>
       </p:sp>

--- a/intro.pptx
+++ b/intro.pptx
@@ -209,7 +209,7 @@
           <a:p>
             <a:fld id="{F43FDD9E-F0E2-7A48-9C2D-75F5053E741C}" type="datetimeFigureOut">
               <a:rPr lang="en-US" smtClean="0"/>
-              <a:t>10/10/22</a:t>
+              <a:t>10/11/22</a:t>
             </a:fld>
             <a:endParaRPr lang="en-US"/>
           </a:p>
@@ -924,7 +924,7 @@
             <a:fld id="{B61BEF0D-F0BB-DE4B-95CE-6DB70DBA9567}" type="datetimeFigureOut">
               <a:rPr lang="en-US" dirty="0"/>
               <a:pPr/>
-              <a:t>10/10/22</a:t>
+              <a:t>10/11/22</a:t>
             </a:fld>
             <a:endParaRPr lang="en-US" dirty="0"/>
           </a:p>
@@ -1212,7 +1212,7 @@
             <a:fld id="{B61BEF0D-F0BB-DE4B-95CE-6DB70DBA9567}" type="datetimeFigureOut">
               <a:rPr lang="en-US" dirty="0"/>
               <a:pPr/>
-              <a:t>10/10/22</a:t>
+              <a:t>10/11/22</a:t>
             </a:fld>
             <a:endParaRPr lang="en-US" dirty="0"/>
           </a:p>
@@ -1468,7 +1468,7 @@
             <a:fld id="{B61BEF0D-F0BB-DE4B-95CE-6DB70DBA9567}" type="datetimeFigureOut">
               <a:rPr lang="en-US" dirty="0"/>
               <a:pPr/>
-              <a:t>10/10/22</a:t>
+              <a:t>10/11/22</a:t>
             </a:fld>
             <a:endParaRPr lang="en-US" dirty="0"/>
           </a:p>
@@ -1934,7 +1934,7 @@
             <a:fld id="{B61BEF0D-F0BB-DE4B-95CE-6DB70DBA9567}" type="datetimeFigureOut">
               <a:rPr lang="en-US" dirty="0"/>
               <a:pPr/>
-              <a:t>10/10/22</a:t>
+              <a:t>10/11/22</a:t>
             </a:fld>
             <a:endParaRPr lang="en-US" dirty="0"/>
           </a:p>
@@ -2111,7 +2111,7 @@
             <a:fld id="{B61BEF0D-F0BB-DE4B-95CE-6DB70DBA9567}" type="datetimeFigureOut">
               <a:rPr lang="en-US" dirty="0"/>
               <a:pPr/>
-              <a:t>10/10/22</a:t>
+              <a:t>10/11/22</a:t>
             </a:fld>
             <a:endParaRPr lang="en-US" dirty="0"/>
           </a:p>
@@ -2684,7 +2684,7 @@
             <a:fld id="{B61BEF0D-F0BB-DE4B-95CE-6DB70DBA9567}" type="datetimeFigureOut">
               <a:rPr lang="en-US" dirty="0"/>
               <a:pPr/>
-              <a:t>10/10/22</a:t>
+              <a:t>10/11/22</a:t>
             </a:fld>
             <a:endParaRPr lang="en-US" dirty="0"/>
           </a:p>
@@ -3013,7 +3013,7 @@
             <a:fld id="{B61BEF0D-F0BB-DE4B-95CE-6DB70DBA9567}" type="datetimeFigureOut">
               <a:rPr lang="en-US" dirty="0"/>
               <a:pPr/>
-              <a:t>10/10/22</a:t>
+              <a:t>10/11/22</a:t>
             </a:fld>
             <a:endParaRPr lang="en-US" dirty="0"/>
           </a:p>
@@ -3185,7 +3185,7 @@
             <a:fld id="{B61BEF0D-F0BB-DE4B-95CE-6DB70DBA9567}" type="datetimeFigureOut">
               <a:rPr lang="en-US" dirty="0"/>
               <a:pPr/>
-              <a:t>10/10/22</a:t>
+              <a:t>10/11/22</a:t>
             </a:fld>
             <a:endParaRPr lang="en-US" dirty="0"/>
           </a:p>
@@ -3362,7 +3362,7 @@
             <a:fld id="{B61BEF0D-F0BB-DE4B-95CE-6DB70DBA9567}" type="datetimeFigureOut">
               <a:rPr lang="en-US" dirty="0"/>
               <a:pPr/>
-              <a:t>10/10/22</a:t>
+              <a:t>10/11/22</a:t>
             </a:fld>
             <a:endParaRPr lang="en-US" dirty="0"/>
           </a:p>
@@ -3529,7 +3529,7 @@
             <a:fld id="{B61BEF0D-F0BB-DE4B-95CE-6DB70DBA9567}" type="datetimeFigureOut">
               <a:rPr lang="en-US" dirty="0"/>
               <a:pPr/>
-              <a:t>10/10/22</a:t>
+              <a:t>10/11/22</a:t>
             </a:fld>
             <a:endParaRPr lang="en-US" dirty="0"/>
           </a:p>
@@ -3783,7 +3783,7 @@
             <a:fld id="{B61BEF0D-F0BB-DE4B-95CE-6DB70DBA9567}" type="datetimeFigureOut">
               <a:rPr lang="en-US" dirty="0"/>
               <a:pPr/>
-              <a:t>10/10/22</a:t>
+              <a:t>10/11/22</a:t>
             </a:fld>
             <a:endParaRPr lang="en-US" dirty="0"/>
           </a:p>
@@ -4072,7 +4072,7 @@
             <a:fld id="{B61BEF0D-F0BB-DE4B-95CE-6DB70DBA9567}" type="datetimeFigureOut">
               <a:rPr lang="en-US" dirty="0"/>
               <a:pPr/>
-              <a:t>10/10/22</a:t>
+              <a:t>10/11/22</a:t>
             </a:fld>
             <a:endParaRPr lang="en-US" dirty="0"/>
           </a:p>
@@ -4499,7 +4499,7 @@
             <a:fld id="{B61BEF0D-F0BB-DE4B-95CE-6DB70DBA9567}" type="datetimeFigureOut">
               <a:rPr lang="en-US" dirty="0"/>
               <a:pPr/>
-              <a:t>10/10/22</a:t>
+              <a:t>10/11/22</a:t>
             </a:fld>
             <a:endParaRPr lang="en-US" dirty="0"/>
           </a:p>
@@ -4614,7 +4614,7 @@
             <a:fld id="{B61BEF0D-F0BB-DE4B-95CE-6DB70DBA9567}" type="datetimeFigureOut">
               <a:rPr lang="en-US" dirty="0"/>
               <a:pPr/>
-              <a:t>10/10/22</a:t>
+              <a:t>10/11/22</a:t>
             </a:fld>
             <a:endParaRPr lang="en-US" dirty="0"/>
           </a:p>
@@ -4706,7 +4706,7 @@
             <a:fld id="{B61BEF0D-F0BB-DE4B-95CE-6DB70DBA9567}" type="datetimeFigureOut">
               <a:rPr lang="en-US" dirty="0"/>
               <a:pPr/>
-              <a:t>10/10/22</a:t>
+              <a:t>10/11/22</a:t>
             </a:fld>
             <a:endParaRPr lang="en-US" dirty="0"/>
           </a:p>
@@ -4986,7 +4986,7 @@
             <a:fld id="{B61BEF0D-F0BB-DE4B-95CE-6DB70DBA9567}" type="datetimeFigureOut">
               <a:rPr lang="en-US" dirty="0"/>
               <a:pPr/>
-              <a:t>10/10/22</a:t>
+              <a:t>10/11/22</a:t>
             </a:fld>
             <a:endParaRPr lang="en-US" dirty="0"/>
           </a:p>
@@ -5274,7 +5274,7 @@
             <a:fld id="{B61BEF0D-F0BB-DE4B-95CE-6DB70DBA9567}" type="datetimeFigureOut">
               <a:rPr lang="en-US" dirty="0"/>
               <a:pPr/>
-              <a:t>10/10/22</a:t>
+              <a:t>10/11/22</a:t>
             </a:fld>
             <a:endParaRPr lang="en-US" dirty="0"/>
           </a:p>
@@ -5502,7 +5502,7 @@
             <a:fld id="{B61BEF0D-F0BB-DE4B-95CE-6DB70DBA9567}" type="datetimeFigureOut">
               <a:rPr lang="en-US" dirty="0"/>
               <a:pPr/>
-              <a:t>10/10/22</a:t>
+              <a:t>10/11/22</a:t>
             </a:fld>
             <a:endParaRPr lang="en-US" dirty="0"/>
           </a:p>
@@ -7824,7 +7824,9 @@
         </p:nvSpPr>
         <p:spPr/>
         <p:txBody>
-          <a:bodyPr/>
+          <a:bodyPr>
+            <a:normAutofit/>
+          </a:bodyPr>
           <a:lstStyle/>
           <a:p>
             <a:r>
@@ -7855,6 +7857,18 @@
               <a:rPr lang="en-US" dirty="0"/>
               <a:t>Rudin, 2019</a:t>
             </a:r>
+          </a:p>
+          <a:p>
+            <a:pPr lvl="1"/>
+            <a:r>
+              <a:rPr lang="en-US" dirty="0"/>
+              <a:t>Important for high stakes decisions in domains like healthcare, </a:t>
+            </a:r>
+            <a:r>
+              <a:rPr lang="en-US"/>
+              <a:t>recidivism prediction</a:t>
+            </a:r>
+            <a:endParaRPr lang="en-US" dirty="0"/>
           </a:p>
           <a:p>
             <a:pPr lvl="1"/>

--- a/intro.pptx
+++ b/intro.pptx
@@ -209,7 +209,7 @@
           <a:p>
             <a:fld id="{F43FDD9E-F0E2-7A48-9C2D-75F5053E741C}" type="datetimeFigureOut">
               <a:rPr lang="en-US" smtClean="0"/>
-              <a:t>10/11/22</a:t>
+              <a:t>10/21/22</a:t>
             </a:fld>
             <a:endParaRPr lang="en-US"/>
           </a:p>
@@ -924,7 +924,7 @@
             <a:fld id="{B61BEF0D-F0BB-DE4B-95CE-6DB70DBA9567}" type="datetimeFigureOut">
               <a:rPr lang="en-US" dirty="0"/>
               <a:pPr/>
-              <a:t>10/11/22</a:t>
+              <a:t>10/21/22</a:t>
             </a:fld>
             <a:endParaRPr lang="en-US" dirty="0"/>
           </a:p>
@@ -1212,7 +1212,7 @@
             <a:fld id="{B61BEF0D-F0BB-DE4B-95CE-6DB70DBA9567}" type="datetimeFigureOut">
               <a:rPr lang="en-US" dirty="0"/>
               <a:pPr/>
-              <a:t>10/11/22</a:t>
+              <a:t>10/21/22</a:t>
             </a:fld>
             <a:endParaRPr lang="en-US" dirty="0"/>
           </a:p>
@@ -1468,7 +1468,7 @@
             <a:fld id="{B61BEF0D-F0BB-DE4B-95CE-6DB70DBA9567}" type="datetimeFigureOut">
               <a:rPr lang="en-US" dirty="0"/>
               <a:pPr/>
-              <a:t>10/11/22</a:t>
+              <a:t>10/21/22</a:t>
             </a:fld>
             <a:endParaRPr lang="en-US" dirty="0"/>
           </a:p>
@@ -1934,7 +1934,7 @@
             <a:fld id="{B61BEF0D-F0BB-DE4B-95CE-6DB70DBA9567}" type="datetimeFigureOut">
               <a:rPr lang="en-US" dirty="0"/>
               <a:pPr/>
-              <a:t>10/11/22</a:t>
+              <a:t>10/21/22</a:t>
             </a:fld>
             <a:endParaRPr lang="en-US" dirty="0"/>
           </a:p>
@@ -2111,7 +2111,7 @@
             <a:fld id="{B61BEF0D-F0BB-DE4B-95CE-6DB70DBA9567}" type="datetimeFigureOut">
               <a:rPr lang="en-US" dirty="0"/>
               <a:pPr/>
-              <a:t>10/11/22</a:t>
+              <a:t>10/21/22</a:t>
             </a:fld>
             <a:endParaRPr lang="en-US" dirty="0"/>
           </a:p>
@@ -2684,7 +2684,7 @@
             <a:fld id="{B61BEF0D-F0BB-DE4B-95CE-6DB70DBA9567}" type="datetimeFigureOut">
               <a:rPr lang="en-US" dirty="0"/>
               <a:pPr/>
-              <a:t>10/11/22</a:t>
+              <a:t>10/21/22</a:t>
             </a:fld>
             <a:endParaRPr lang="en-US" dirty="0"/>
           </a:p>
@@ -3013,7 +3013,7 @@
             <a:fld id="{B61BEF0D-F0BB-DE4B-95CE-6DB70DBA9567}" type="datetimeFigureOut">
               <a:rPr lang="en-US" dirty="0"/>
               <a:pPr/>
-              <a:t>10/11/22</a:t>
+              <a:t>10/21/22</a:t>
             </a:fld>
             <a:endParaRPr lang="en-US" dirty="0"/>
           </a:p>
@@ -3185,7 +3185,7 @@
             <a:fld id="{B61BEF0D-F0BB-DE4B-95CE-6DB70DBA9567}" type="datetimeFigureOut">
               <a:rPr lang="en-US" dirty="0"/>
               <a:pPr/>
-              <a:t>10/11/22</a:t>
+              <a:t>10/21/22</a:t>
             </a:fld>
             <a:endParaRPr lang="en-US" dirty="0"/>
           </a:p>
@@ -3362,7 +3362,7 @@
             <a:fld id="{B61BEF0D-F0BB-DE4B-95CE-6DB70DBA9567}" type="datetimeFigureOut">
               <a:rPr lang="en-US" dirty="0"/>
               <a:pPr/>
-              <a:t>10/11/22</a:t>
+              <a:t>10/21/22</a:t>
             </a:fld>
             <a:endParaRPr lang="en-US" dirty="0"/>
           </a:p>
@@ -3529,7 +3529,7 @@
             <a:fld id="{B61BEF0D-F0BB-DE4B-95CE-6DB70DBA9567}" type="datetimeFigureOut">
               <a:rPr lang="en-US" dirty="0"/>
               <a:pPr/>
-              <a:t>10/11/22</a:t>
+              <a:t>10/21/22</a:t>
             </a:fld>
             <a:endParaRPr lang="en-US" dirty="0"/>
           </a:p>
@@ -3783,7 +3783,7 @@
             <a:fld id="{B61BEF0D-F0BB-DE4B-95CE-6DB70DBA9567}" type="datetimeFigureOut">
               <a:rPr lang="en-US" dirty="0"/>
               <a:pPr/>
-              <a:t>10/11/22</a:t>
+              <a:t>10/21/22</a:t>
             </a:fld>
             <a:endParaRPr lang="en-US" dirty="0"/>
           </a:p>
@@ -4072,7 +4072,7 @@
             <a:fld id="{B61BEF0D-F0BB-DE4B-95CE-6DB70DBA9567}" type="datetimeFigureOut">
               <a:rPr lang="en-US" dirty="0"/>
               <a:pPr/>
-              <a:t>10/11/22</a:t>
+              <a:t>10/21/22</a:t>
             </a:fld>
             <a:endParaRPr lang="en-US" dirty="0"/>
           </a:p>
@@ -4499,7 +4499,7 @@
             <a:fld id="{B61BEF0D-F0BB-DE4B-95CE-6DB70DBA9567}" type="datetimeFigureOut">
               <a:rPr lang="en-US" dirty="0"/>
               <a:pPr/>
-              <a:t>10/11/22</a:t>
+              <a:t>10/21/22</a:t>
             </a:fld>
             <a:endParaRPr lang="en-US" dirty="0"/>
           </a:p>
@@ -4614,7 +4614,7 @@
             <a:fld id="{B61BEF0D-F0BB-DE4B-95CE-6DB70DBA9567}" type="datetimeFigureOut">
               <a:rPr lang="en-US" dirty="0"/>
               <a:pPr/>
-              <a:t>10/11/22</a:t>
+              <a:t>10/21/22</a:t>
             </a:fld>
             <a:endParaRPr lang="en-US" dirty="0"/>
           </a:p>
@@ -4706,7 +4706,7 @@
             <a:fld id="{B61BEF0D-F0BB-DE4B-95CE-6DB70DBA9567}" type="datetimeFigureOut">
               <a:rPr lang="en-US" dirty="0"/>
               <a:pPr/>
-              <a:t>10/11/22</a:t>
+              <a:t>10/21/22</a:t>
             </a:fld>
             <a:endParaRPr lang="en-US" dirty="0"/>
           </a:p>
@@ -4986,7 +4986,7 @@
             <a:fld id="{B61BEF0D-F0BB-DE4B-95CE-6DB70DBA9567}" type="datetimeFigureOut">
               <a:rPr lang="en-US" dirty="0"/>
               <a:pPr/>
-              <a:t>10/11/22</a:t>
+              <a:t>10/21/22</a:t>
             </a:fld>
             <a:endParaRPr lang="en-US" dirty="0"/>
           </a:p>
@@ -5274,7 +5274,7 @@
             <a:fld id="{B61BEF0D-F0BB-DE4B-95CE-6DB70DBA9567}" type="datetimeFigureOut">
               <a:rPr lang="en-US" dirty="0"/>
               <a:pPr/>
-              <a:t>10/11/22</a:t>
+              <a:t>10/21/22</a:t>
             </a:fld>
             <a:endParaRPr lang="en-US" dirty="0"/>
           </a:p>
@@ -5502,7 +5502,7 @@
             <a:fld id="{B61BEF0D-F0BB-DE4B-95CE-6DB70DBA9567}" type="datetimeFigureOut">
               <a:rPr lang="en-US" dirty="0"/>
               <a:pPr/>
-              <a:t>10/11/22</a:t>
+              <a:t>10/21/22</a:t>
             </a:fld>
             <a:endParaRPr lang="en-US" dirty="0"/>
           </a:p>
@@ -7822,10 +7822,15 @@
             <p:ph idx="1"/>
           </p:nvPr>
         </p:nvSpPr>
-        <p:spPr/>
+        <p:spPr>
+          <a:xfrm>
+            <a:off x="1141413" y="2666999"/>
+            <a:ext cx="9905998" cy="3581401"/>
+          </a:xfrm>
+        </p:spPr>
         <p:txBody>
           <a:bodyPr>
-            <a:normAutofit/>
+            <a:normAutofit fontScale="92500" lnSpcReduction="20000"/>
           </a:bodyPr>
           <a:lstStyle/>
           <a:p>
@@ -7862,13 +7867,25 @@
             <a:pPr lvl="1"/>
             <a:r>
               <a:rPr lang="en-US" dirty="0"/>
-              <a:t>Important for high stakes decisions in domains like healthcare, </a:t>
-            </a:r>
-            <a:r>
-              <a:rPr lang="en-US"/>
-              <a:t>recidivism prediction</a:t>
-            </a:r>
-            <a:endParaRPr lang="en-US" dirty="0"/>
+              <a:t>Important for high stakes decisions in domains like healthcare, recidivism prediction</a:t>
+            </a:r>
+          </a:p>
+          <a:p>
+            <a:pPr lvl="1"/>
+            <a:endParaRPr lang="en-US" dirty="0"/>
+          </a:p>
+          <a:p>
+            <a:r>
+              <a:rPr lang="en-US" dirty="0"/>
+              <a:t>Case based reasoning</a:t>
+            </a:r>
+          </a:p>
+          <a:p>
+            <a:pPr lvl="1"/>
+            <a:r>
+              <a:rPr lang="en-US" dirty="0"/>
+              <a:t>How humans reason</a:t>
+            </a:r>
           </a:p>
           <a:p>
             <a:pPr lvl="1"/>

--- a/intro.pptx
+++ b/intro.pptx
@@ -5,7 +5,7 @@
     <p:sldMasterId id="2147483648" r:id="rId1"/>
   </p:sldMasterIdLst>
   <p:notesMasterIdLst>
-    <p:notesMasterId r:id="rId15"/>
+    <p:notesMasterId r:id="rId16"/>
   </p:notesMasterIdLst>
   <p:sldIdLst>
     <p:sldId id="256" r:id="rId2"/>
@@ -14,13 +14,14 @@
     <p:sldId id="259" r:id="rId5"/>
     <p:sldId id="258" r:id="rId6"/>
     <p:sldId id="263" r:id="rId7"/>
-    <p:sldId id="260" r:id="rId8"/>
-    <p:sldId id="268" r:id="rId9"/>
-    <p:sldId id="265" r:id="rId10"/>
-    <p:sldId id="266" r:id="rId11"/>
-    <p:sldId id="261" r:id="rId12"/>
-    <p:sldId id="267" r:id="rId13"/>
-    <p:sldId id="262" r:id="rId14"/>
+    <p:sldId id="270" r:id="rId8"/>
+    <p:sldId id="260" r:id="rId9"/>
+    <p:sldId id="268" r:id="rId10"/>
+    <p:sldId id="265" r:id="rId11"/>
+    <p:sldId id="266" r:id="rId12"/>
+    <p:sldId id="261" r:id="rId13"/>
+    <p:sldId id="267" r:id="rId14"/>
+    <p:sldId id="262" r:id="rId15"/>
   </p:sldIdLst>
   <p:sldSz cx="12192000" cy="6858000"/>
   <p:notesSz cx="6858000" cy="9144000"/>
@@ -209,7 +210,7 @@
           <a:p>
             <a:fld id="{F43FDD9E-F0E2-7A48-9C2D-75F5053E741C}" type="datetimeFigureOut">
               <a:rPr lang="en-US" smtClean="0"/>
-              <a:t>10/21/22</a:t>
+              <a:t>10/26/22</a:t>
             </a:fld>
             <a:endParaRPr lang="en-US"/>
           </a:p>
@@ -581,7 +582,7 @@
           <a:p>
             <a:fld id="{50371DB5-D0DF-4E48-A88F-A3049A7357B4}" type="slidenum">
               <a:rPr lang="en-US" smtClean="0"/>
-              <a:t>7</a:t>
+              <a:t>8</a:t>
             </a:fld>
             <a:endParaRPr lang="en-US"/>
           </a:p>
@@ -691,7 +692,7 @@
           <a:p>
             <a:fld id="{50371DB5-D0DF-4E48-A88F-A3049A7357B4}" type="slidenum">
               <a:rPr lang="en-US" smtClean="0"/>
-              <a:t>8</a:t>
+              <a:t>9</a:t>
             </a:fld>
             <a:endParaRPr lang="en-US"/>
           </a:p>
@@ -924,7 +925,7 @@
             <a:fld id="{B61BEF0D-F0BB-DE4B-95CE-6DB70DBA9567}" type="datetimeFigureOut">
               <a:rPr lang="en-US" dirty="0"/>
               <a:pPr/>
-              <a:t>10/21/22</a:t>
+              <a:t>10/26/22</a:t>
             </a:fld>
             <a:endParaRPr lang="en-US" dirty="0"/>
           </a:p>
@@ -1212,7 +1213,7 @@
             <a:fld id="{B61BEF0D-F0BB-DE4B-95CE-6DB70DBA9567}" type="datetimeFigureOut">
               <a:rPr lang="en-US" dirty="0"/>
               <a:pPr/>
-              <a:t>10/21/22</a:t>
+              <a:t>10/26/22</a:t>
             </a:fld>
             <a:endParaRPr lang="en-US" dirty="0"/>
           </a:p>
@@ -1468,7 +1469,7 @@
             <a:fld id="{B61BEF0D-F0BB-DE4B-95CE-6DB70DBA9567}" type="datetimeFigureOut">
               <a:rPr lang="en-US" dirty="0"/>
               <a:pPr/>
-              <a:t>10/21/22</a:t>
+              <a:t>10/26/22</a:t>
             </a:fld>
             <a:endParaRPr lang="en-US" dirty="0"/>
           </a:p>
@@ -1934,7 +1935,7 @@
             <a:fld id="{B61BEF0D-F0BB-DE4B-95CE-6DB70DBA9567}" type="datetimeFigureOut">
               <a:rPr lang="en-US" dirty="0"/>
               <a:pPr/>
-              <a:t>10/21/22</a:t>
+              <a:t>10/26/22</a:t>
             </a:fld>
             <a:endParaRPr lang="en-US" dirty="0"/>
           </a:p>
@@ -2111,7 +2112,7 @@
             <a:fld id="{B61BEF0D-F0BB-DE4B-95CE-6DB70DBA9567}" type="datetimeFigureOut">
               <a:rPr lang="en-US" dirty="0"/>
               <a:pPr/>
-              <a:t>10/21/22</a:t>
+              <a:t>10/26/22</a:t>
             </a:fld>
             <a:endParaRPr lang="en-US" dirty="0"/>
           </a:p>
@@ -2684,7 +2685,7 @@
             <a:fld id="{B61BEF0D-F0BB-DE4B-95CE-6DB70DBA9567}" type="datetimeFigureOut">
               <a:rPr lang="en-US" dirty="0"/>
               <a:pPr/>
-              <a:t>10/21/22</a:t>
+              <a:t>10/26/22</a:t>
             </a:fld>
             <a:endParaRPr lang="en-US" dirty="0"/>
           </a:p>
@@ -3013,7 +3014,7 @@
             <a:fld id="{B61BEF0D-F0BB-DE4B-95CE-6DB70DBA9567}" type="datetimeFigureOut">
               <a:rPr lang="en-US" dirty="0"/>
               <a:pPr/>
-              <a:t>10/21/22</a:t>
+              <a:t>10/26/22</a:t>
             </a:fld>
             <a:endParaRPr lang="en-US" dirty="0"/>
           </a:p>
@@ -3185,7 +3186,7 @@
             <a:fld id="{B61BEF0D-F0BB-DE4B-95CE-6DB70DBA9567}" type="datetimeFigureOut">
               <a:rPr lang="en-US" dirty="0"/>
               <a:pPr/>
-              <a:t>10/21/22</a:t>
+              <a:t>10/26/22</a:t>
             </a:fld>
             <a:endParaRPr lang="en-US" dirty="0"/>
           </a:p>
@@ -3362,7 +3363,7 @@
             <a:fld id="{B61BEF0D-F0BB-DE4B-95CE-6DB70DBA9567}" type="datetimeFigureOut">
               <a:rPr lang="en-US" dirty="0"/>
               <a:pPr/>
-              <a:t>10/21/22</a:t>
+              <a:t>10/26/22</a:t>
             </a:fld>
             <a:endParaRPr lang="en-US" dirty="0"/>
           </a:p>
@@ -3529,7 +3530,7 @@
             <a:fld id="{B61BEF0D-F0BB-DE4B-95CE-6DB70DBA9567}" type="datetimeFigureOut">
               <a:rPr lang="en-US" dirty="0"/>
               <a:pPr/>
-              <a:t>10/21/22</a:t>
+              <a:t>10/26/22</a:t>
             </a:fld>
             <a:endParaRPr lang="en-US" dirty="0"/>
           </a:p>
@@ -3783,7 +3784,7 @@
             <a:fld id="{B61BEF0D-F0BB-DE4B-95CE-6DB70DBA9567}" type="datetimeFigureOut">
               <a:rPr lang="en-US" dirty="0"/>
               <a:pPr/>
-              <a:t>10/21/22</a:t>
+              <a:t>10/26/22</a:t>
             </a:fld>
             <a:endParaRPr lang="en-US" dirty="0"/>
           </a:p>
@@ -4072,7 +4073,7 @@
             <a:fld id="{B61BEF0D-F0BB-DE4B-95CE-6DB70DBA9567}" type="datetimeFigureOut">
               <a:rPr lang="en-US" dirty="0"/>
               <a:pPr/>
-              <a:t>10/21/22</a:t>
+              <a:t>10/26/22</a:t>
             </a:fld>
             <a:endParaRPr lang="en-US" dirty="0"/>
           </a:p>
@@ -4499,7 +4500,7 @@
             <a:fld id="{B61BEF0D-F0BB-DE4B-95CE-6DB70DBA9567}" type="datetimeFigureOut">
               <a:rPr lang="en-US" dirty="0"/>
               <a:pPr/>
-              <a:t>10/21/22</a:t>
+              <a:t>10/26/22</a:t>
             </a:fld>
             <a:endParaRPr lang="en-US" dirty="0"/>
           </a:p>
@@ -4614,7 +4615,7 @@
             <a:fld id="{B61BEF0D-F0BB-DE4B-95CE-6DB70DBA9567}" type="datetimeFigureOut">
               <a:rPr lang="en-US" dirty="0"/>
               <a:pPr/>
-              <a:t>10/21/22</a:t>
+              <a:t>10/26/22</a:t>
             </a:fld>
             <a:endParaRPr lang="en-US" dirty="0"/>
           </a:p>
@@ -4706,7 +4707,7 @@
             <a:fld id="{B61BEF0D-F0BB-DE4B-95CE-6DB70DBA9567}" type="datetimeFigureOut">
               <a:rPr lang="en-US" dirty="0"/>
               <a:pPr/>
-              <a:t>10/21/22</a:t>
+              <a:t>10/26/22</a:t>
             </a:fld>
             <a:endParaRPr lang="en-US" dirty="0"/>
           </a:p>
@@ -4986,7 +4987,7 @@
             <a:fld id="{B61BEF0D-F0BB-DE4B-95CE-6DB70DBA9567}" type="datetimeFigureOut">
               <a:rPr lang="en-US" dirty="0"/>
               <a:pPr/>
-              <a:t>10/21/22</a:t>
+              <a:t>10/26/22</a:t>
             </a:fld>
             <a:endParaRPr lang="en-US" dirty="0"/>
           </a:p>
@@ -5274,7 +5275,7 @@
             <a:fld id="{B61BEF0D-F0BB-DE4B-95CE-6DB70DBA9567}" type="datetimeFigureOut">
               <a:rPr lang="en-US" dirty="0"/>
               <a:pPr/>
-              <a:t>10/21/22</a:t>
+              <a:t>10/26/22</a:t>
             </a:fld>
             <a:endParaRPr lang="en-US" dirty="0"/>
           </a:p>
@@ -5502,7 +5503,7 @@
             <a:fld id="{B61BEF0D-F0BB-DE4B-95CE-6DB70DBA9567}" type="datetimeFigureOut">
               <a:rPr lang="en-US" dirty="0"/>
               <a:pPr/>
-              <a:t>10/21/22</a:t>
+              <a:t>10/26/22</a:t>
             </a:fld>
             <a:endParaRPr lang="en-US" dirty="0"/>
           </a:p>
@@ -6390,6 +6391,201 @@
             <p:ph type="title"/>
           </p:nvPr>
         </p:nvSpPr>
+        <p:spPr/>
+        <p:txBody>
+          <a:bodyPr/>
+          <a:lstStyle/>
+          <a:p>
+            <a:pPr algn="ctr"/>
+            <a:r>
+              <a:rPr lang="en-US" dirty="0"/>
+              <a:t>Approaches</a:t>
+            </a:r>
+          </a:p>
+        </p:txBody>
+      </p:sp>
+      <p:pic>
+        <p:nvPicPr>
+          <p:cNvPr id="7" name="Picture 6">
+            <a:extLst>
+              <a:ext uri="{FF2B5EF4-FFF2-40B4-BE49-F238E27FC236}">
+                <a16:creationId xmlns:a16="http://schemas.microsoft.com/office/drawing/2014/main" id="{51D7B0E3-52C5-A3C8-C8B5-B5AAB484165B}"/>
+              </a:ext>
+            </a:extLst>
+          </p:cNvPr>
+          <p:cNvPicPr>
+            <a:picLocks noChangeAspect="1"/>
+          </p:cNvPicPr>
+          <p:nvPr/>
+        </p:nvPicPr>
+        <p:blipFill>
+          <a:blip r:embed="rId2"/>
+          <a:stretch>
+            <a:fillRect/>
+          </a:stretch>
+        </p:blipFill>
+        <p:spPr>
+          <a:xfrm>
+            <a:off x="2208212" y="2256224"/>
+            <a:ext cx="7772400" cy="3741703"/>
+          </a:xfrm>
+          <a:prstGeom prst="rect">
+            <a:avLst/>
+          </a:prstGeom>
+        </p:spPr>
+      </p:pic>
+      <p:sp>
+        <p:nvSpPr>
+          <p:cNvPr id="8" name="TextBox 7">
+            <a:extLst>
+              <a:ext uri="{FF2B5EF4-FFF2-40B4-BE49-F238E27FC236}">
+                <a16:creationId xmlns:a16="http://schemas.microsoft.com/office/drawing/2014/main" id="{F3513CDE-E96D-A06B-9CC3-218BD6C9F37B}"/>
+              </a:ext>
+            </a:extLst>
+          </p:cNvPr>
+          <p:cNvSpPr txBox="1"/>
+          <p:nvPr/>
+        </p:nvSpPr>
+        <p:spPr>
+          <a:xfrm>
+            <a:off x="8164106" y="6139440"/>
+            <a:ext cx="3237319" cy="261610"/>
+          </a:xfrm>
+          <a:prstGeom prst="rect">
+            <a:avLst/>
+          </a:prstGeom>
+          <a:noFill/>
+        </p:spPr>
+        <p:txBody>
+          <a:bodyPr wrap="square" rtlCol="0">
+            <a:spAutoFit/>
+          </a:bodyPr>
+          <a:lstStyle/>
+          <a:p>
+            <a:r>
+              <a:rPr lang="en-US" sz="1100" cap="all" dirty="0" err="1">
+                <a:ln w="3175" cmpd="sng">
+                  <a:noFill/>
+                </a:ln>
+                <a:gradFill flip="none" rotWithShape="1">
+                  <a:gsLst>
+                    <a:gs pos="0">
+                      <a:sysClr val="window" lastClr="FFFFFF"/>
+                    </a:gs>
+                    <a:gs pos="100000">
+                      <a:sysClr val="window" lastClr="FFFFFF">
+                        <a:lumMod val="65000"/>
+                      </a:sysClr>
+                    </a:gs>
+                  </a:gsLst>
+                  <a:lin ang="5580000" scaled="0"/>
+                  <a:tileRect/>
+                </a:gradFill>
+                <a:effectLst>
+                  <a:glow rad="38100">
+                    <a:schemeClr val="bg1">
+                      <a:lumMod val="65000"/>
+                      <a:lumOff val="35000"/>
+                      <a:alpha val="50000"/>
+                    </a:schemeClr>
+                  </a:glow>
+                  <a:outerShdw blurRad="28575" dist="31750" dir="13200000" algn="tl" rotWithShape="0">
+                    <a:srgbClr val="000000">
+                      <a:alpha val="25000"/>
+                    </a:srgbClr>
+                  </a:outerShdw>
+                </a:effectLst>
+                <a:latin typeface="+mj-lt"/>
+                <a:ea typeface="+mj-ea"/>
+                <a:cs typeface="+mj-cs"/>
+              </a:rPr>
+              <a:t>Copy.cat</a:t>
+            </a:r>
+            <a:endParaRPr lang="en-US" sz="1100" cap="all" dirty="0">
+              <a:ln w="3175" cmpd="sng">
+                <a:noFill/>
+              </a:ln>
+              <a:gradFill flip="none" rotWithShape="1">
+                <a:gsLst>
+                  <a:gs pos="0">
+                    <a:sysClr val="window" lastClr="FFFFFF"/>
+                  </a:gs>
+                  <a:gs pos="100000">
+                    <a:sysClr val="window" lastClr="FFFFFF">
+                      <a:lumMod val="65000"/>
+                    </a:sysClr>
+                  </a:gs>
+                </a:gsLst>
+                <a:lin ang="5580000" scaled="0"/>
+                <a:tileRect/>
+              </a:gradFill>
+              <a:effectLst>
+                <a:glow rad="38100">
+                  <a:schemeClr val="bg1">
+                    <a:lumMod val="65000"/>
+                    <a:lumOff val="35000"/>
+                    <a:alpha val="50000"/>
+                  </a:schemeClr>
+                </a:glow>
+                <a:outerShdw blurRad="28575" dist="31750" dir="13200000" algn="tl" rotWithShape="0">
+                  <a:srgbClr val="000000">
+                    <a:alpha val="25000"/>
+                  </a:srgbClr>
+                </a:outerShdw>
+              </a:effectLst>
+              <a:latin typeface="+mj-lt"/>
+              <a:ea typeface="+mj-ea"/>
+              <a:cs typeface="+mj-cs"/>
+            </a:endParaRPr>
+          </a:p>
+        </p:txBody>
+      </p:sp>
+    </p:spTree>
+    <p:extLst>
+      <p:ext uri="{BB962C8B-B14F-4D97-AF65-F5344CB8AC3E}">
+        <p14:creationId xmlns:p14="http://schemas.microsoft.com/office/powerpoint/2010/main" val="4287854798"/>
+      </p:ext>
+    </p:extLst>
+  </p:cSld>
+  <p:clrMapOvr>
+    <a:masterClrMapping/>
+  </p:clrMapOvr>
+</p:sld>
+</file>
+
+<file path=ppt/slides/slide11.xml><?xml version="1.0" encoding="utf-8"?>
+<p:sld xmlns:a="http://schemas.openxmlformats.org/drawingml/2006/main" xmlns:r="http://schemas.openxmlformats.org/officeDocument/2006/relationships" xmlns:p="http://schemas.openxmlformats.org/presentationml/2006/main">
+  <p:cSld>
+    <p:spTree>
+      <p:nvGrpSpPr>
+        <p:cNvPr id="1" name=""/>
+        <p:cNvGrpSpPr/>
+        <p:nvPr/>
+      </p:nvGrpSpPr>
+      <p:grpSpPr>
+        <a:xfrm>
+          <a:off x="0" y="0"/>
+          <a:ext cx="0" cy="0"/>
+          <a:chOff x="0" y="0"/>
+          <a:chExt cx="0" cy="0"/>
+        </a:xfrm>
+      </p:grpSpPr>
+      <p:sp>
+        <p:nvSpPr>
+          <p:cNvPr id="2" name="Title 1">
+            <a:extLst>
+              <a:ext uri="{FF2B5EF4-FFF2-40B4-BE49-F238E27FC236}">
+                <a16:creationId xmlns:a16="http://schemas.microsoft.com/office/drawing/2014/main" id="{CF612BA6-BC0E-B4AE-F70D-859427D8CA86}"/>
+              </a:ext>
+            </a:extLst>
+          </p:cNvPr>
+          <p:cNvSpPr>
+            <a:spLocks noGrp="1"/>
+          </p:cNvSpPr>
+          <p:nvPr>
+            <p:ph type="title"/>
+          </p:nvPr>
+        </p:nvSpPr>
         <p:spPr>
           <a:xfrm>
             <a:off x="8164106" y="609600"/>
@@ -6552,7 +6748,7 @@
 </p:sld>
 </file>
 
-<file path=ppt/slides/slide11.xml><?xml version="1.0" encoding="utf-8"?>
+<file path=ppt/slides/slide12.xml><?xml version="1.0" encoding="utf-8"?>
 <p:sld xmlns:a="http://schemas.openxmlformats.org/drawingml/2006/main" xmlns:r="http://schemas.openxmlformats.org/officeDocument/2006/relationships" xmlns:p="http://schemas.openxmlformats.org/presentationml/2006/main">
   <p:cSld>
     <p:spTree>
@@ -6653,7 +6849,7 @@
 </p:sld>
 </file>
 
-<file path=ppt/slides/slide12.xml><?xml version="1.0" encoding="utf-8"?>
+<file path=ppt/slides/slide13.xml><?xml version="1.0" encoding="utf-8"?>
 <p:sld xmlns:a="http://schemas.openxmlformats.org/drawingml/2006/main" xmlns:r="http://schemas.openxmlformats.org/officeDocument/2006/relationships" xmlns:p="http://schemas.openxmlformats.org/presentationml/2006/main">
   <p:cSld>
     <p:spTree>
@@ -6812,7 +7008,7 @@
 </p:sld>
 </file>
 
-<file path=ppt/slides/slide13.xml><?xml version="1.0" encoding="utf-8"?>
+<file path=ppt/slides/slide14.xml><?xml version="1.0" encoding="utf-8"?>
 <p:sld xmlns:a="http://schemas.openxmlformats.org/drawingml/2006/main" xmlns:r="http://schemas.openxmlformats.org/officeDocument/2006/relationships" xmlns:p="http://schemas.openxmlformats.org/presentationml/2006/main">
   <p:cSld>
     <p:spTree>
@@ -7777,316 +7973,12 @@
           <a:chExt cx="0" cy="0"/>
         </a:xfrm>
       </p:grpSpPr>
-      <p:sp>
-        <p:nvSpPr>
-          <p:cNvPr id="2" name="Title 1">
-            <a:extLst>
-              <a:ext uri="{FF2B5EF4-FFF2-40B4-BE49-F238E27FC236}">
-                <a16:creationId xmlns:a16="http://schemas.microsoft.com/office/drawing/2014/main" id="{CF612BA6-BC0E-B4AE-F70D-859427D8CA86}"/>
-              </a:ext>
-            </a:extLst>
-          </p:cNvPr>
-          <p:cNvSpPr>
-            <a:spLocks noGrp="1"/>
-          </p:cNvSpPr>
-          <p:nvPr>
-            <p:ph type="title"/>
-          </p:nvPr>
-        </p:nvSpPr>
-        <p:spPr/>
-        <p:txBody>
-          <a:bodyPr/>
-          <a:lstStyle/>
-          <a:p>
-            <a:pPr algn="ctr"/>
-            <a:r>
-              <a:rPr lang="en-US" dirty="0"/>
-              <a:t>Approaches</a:t>
-            </a:r>
-          </a:p>
-        </p:txBody>
-      </p:sp>
-      <p:sp>
-        <p:nvSpPr>
-          <p:cNvPr id="3" name="Content Placeholder 2">
-            <a:extLst>
-              <a:ext uri="{FF2B5EF4-FFF2-40B4-BE49-F238E27FC236}">
-                <a16:creationId xmlns:a16="http://schemas.microsoft.com/office/drawing/2014/main" id="{F1B0DF05-BBCC-D407-D536-3119B0214CAD}"/>
-              </a:ext>
-            </a:extLst>
-          </p:cNvPr>
-          <p:cNvSpPr>
-            <a:spLocks noGrp="1"/>
-          </p:cNvSpPr>
-          <p:nvPr>
-            <p:ph idx="1"/>
-          </p:nvPr>
-        </p:nvSpPr>
-        <p:spPr>
-          <a:xfrm>
-            <a:off x="1141413" y="2666999"/>
-            <a:ext cx="9905998" cy="3581401"/>
-          </a:xfrm>
-        </p:spPr>
-        <p:txBody>
-          <a:bodyPr>
-            <a:normAutofit fontScale="92500" lnSpcReduction="20000"/>
-          </a:bodyPr>
-          <a:lstStyle/>
-          <a:p>
-            <a:r>
-              <a:rPr lang="en-US" dirty="0" err="1"/>
-              <a:t>Explainability</a:t>
-            </a:r>
-            <a:r>
-              <a:rPr lang="en-US" dirty="0"/>
-              <a:t> (insights from social sciences)</a:t>
-            </a:r>
-          </a:p>
-          <a:p>
-            <a:pPr lvl="1"/>
-            <a:r>
-              <a:rPr lang="en-US" dirty="0"/>
-              <a:t>Miller, 2019</a:t>
-            </a:r>
-          </a:p>
-          <a:p>
-            <a:r>
-              <a:rPr lang="en-US" dirty="0"/>
-              <a:t>How do you generate explainable models by working with domain experts</a:t>
-            </a:r>
-          </a:p>
-          <a:p>
-            <a:pPr lvl="1"/>
-            <a:r>
-              <a:rPr lang="en-US" dirty="0"/>
-              <a:t>Rudin, 2019</a:t>
-            </a:r>
-          </a:p>
-          <a:p>
-            <a:pPr lvl="1"/>
-            <a:r>
-              <a:rPr lang="en-US" dirty="0"/>
-              <a:t>Important for high stakes decisions in domains like healthcare, recidivism prediction</a:t>
-            </a:r>
-          </a:p>
-          <a:p>
-            <a:pPr lvl="1"/>
-            <a:endParaRPr lang="en-US" dirty="0"/>
-          </a:p>
-          <a:p>
-            <a:r>
-              <a:rPr lang="en-US" dirty="0"/>
-              <a:t>Case based reasoning</a:t>
-            </a:r>
-          </a:p>
-          <a:p>
-            <a:pPr lvl="1"/>
-            <a:r>
-              <a:rPr lang="en-US" dirty="0"/>
-              <a:t>How humans reason</a:t>
-            </a:r>
-          </a:p>
-          <a:p>
-            <a:pPr lvl="1"/>
-            <a:endParaRPr lang="en-US" dirty="0"/>
-          </a:p>
-          <a:p>
-            <a:r>
-              <a:rPr lang="en-US" dirty="0"/>
-              <a:t>We can take inspiration from other disciplines and develop new </a:t>
-            </a:r>
-            <a:r>
-              <a:rPr lang="en-US" dirty="0" err="1"/>
-              <a:t>xAI</a:t>
-            </a:r>
-            <a:r>
-              <a:rPr lang="en-US" dirty="0"/>
-              <a:t> approaches</a:t>
-            </a:r>
-          </a:p>
-        </p:txBody>
-      </p:sp>
-    </p:spTree>
-    <p:extLst>
-      <p:ext uri="{BB962C8B-B14F-4D97-AF65-F5344CB8AC3E}">
-        <p14:creationId xmlns:p14="http://schemas.microsoft.com/office/powerpoint/2010/main" val="1232664304"/>
-      </p:ext>
-    </p:extLst>
-  </p:cSld>
-  <p:clrMapOvr>
-    <a:masterClrMapping/>
-  </p:clrMapOvr>
-</p:sld>
-</file>
-
-<file path=ppt/slides/slide8.xml><?xml version="1.0" encoding="utf-8"?>
-<p:sld xmlns:a="http://schemas.openxmlformats.org/drawingml/2006/main" xmlns:r="http://schemas.openxmlformats.org/officeDocument/2006/relationships" xmlns:p="http://schemas.openxmlformats.org/presentationml/2006/main">
-  <p:cSld>
-    <p:spTree>
-      <p:nvGrpSpPr>
-        <p:cNvPr id="1" name=""/>
-        <p:cNvGrpSpPr/>
-        <p:nvPr/>
-      </p:nvGrpSpPr>
-      <p:grpSpPr>
-        <a:xfrm>
-          <a:off x="0" y="0"/>
-          <a:ext cx="0" cy="0"/>
-          <a:chOff x="0" y="0"/>
-          <a:chExt cx="0" cy="0"/>
-        </a:xfrm>
-      </p:grpSpPr>
-      <p:sp>
-        <p:nvSpPr>
-          <p:cNvPr id="2" name="Title 1">
-            <a:extLst>
-              <a:ext uri="{FF2B5EF4-FFF2-40B4-BE49-F238E27FC236}">
-                <a16:creationId xmlns:a16="http://schemas.microsoft.com/office/drawing/2014/main" id="{CF612BA6-BC0E-B4AE-F70D-859427D8CA86}"/>
-              </a:ext>
-            </a:extLst>
-          </p:cNvPr>
-          <p:cNvSpPr>
-            <a:spLocks noGrp="1"/>
-          </p:cNvSpPr>
-          <p:nvPr>
-            <p:ph type="title"/>
-          </p:nvPr>
-        </p:nvSpPr>
-        <p:spPr/>
-        <p:txBody>
-          <a:bodyPr/>
-          <a:lstStyle/>
-          <a:p>
-            <a:pPr algn="ctr"/>
-            <a:r>
-              <a:rPr lang="en-US" dirty="0"/>
-              <a:t>Approaches</a:t>
-            </a:r>
-          </a:p>
-        </p:txBody>
-      </p:sp>
-      <p:sp>
-        <p:nvSpPr>
-          <p:cNvPr id="3" name="Content Placeholder 2">
-            <a:extLst>
-              <a:ext uri="{FF2B5EF4-FFF2-40B4-BE49-F238E27FC236}">
-                <a16:creationId xmlns:a16="http://schemas.microsoft.com/office/drawing/2014/main" id="{F1B0DF05-BBCC-D407-D536-3119B0214CAD}"/>
-              </a:ext>
-            </a:extLst>
-          </p:cNvPr>
-          <p:cNvSpPr>
-            <a:spLocks noGrp="1"/>
-          </p:cNvSpPr>
-          <p:nvPr>
-            <p:ph idx="1"/>
-          </p:nvPr>
-        </p:nvSpPr>
-        <p:spPr/>
-        <p:txBody>
-          <a:bodyPr/>
-          <a:lstStyle/>
-          <a:p>
-            <a:pPr marL="0" indent="0">
-              <a:buNone/>
-            </a:pPr>
-            <a:endParaRPr lang="en-US" dirty="0"/>
-          </a:p>
-          <a:p>
-            <a:r>
-              <a:rPr lang="en-US" dirty="0"/>
-              <a:t>Abstraction and reasoning</a:t>
-            </a:r>
-          </a:p>
-          <a:p>
-            <a:r>
-              <a:rPr lang="en-US" dirty="0"/>
-              <a:t>Psychology of invention</a:t>
-            </a:r>
-          </a:p>
-          <a:p>
-            <a:pPr lvl="1"/>
-            <a:r>
-              <a:rPr lang="en-US" dirty="0" err="1"/>
-              <a:t>Kekule</a:t>
-            </a:r>
-            <a:endParaRPr lang="en-US" dirty="0"/>
-          </a:p>
-          <a:p>
-            <a:pPr lvl="1"/>
-            <a:r>
-              <a:rPr lang="en-US" dirty="0" err="1"/>
-              <a:t>poincare</a:t>
-            </a:r>
-            <a:endParaRPr lang="en-US" dirty="0"/>
-          </a:p>
-        </p:txBody>
-      </p:sp>
-    </p:spTree>
-    <p:extLst>
-      <p:ext uri="{BB962C8B-B14F-4D97-AF65-F5344CB8AC3E}">
-        <p14:creationId xmlns:p14="http://schemas.microsoft.com/office/powerpoint/2010/main" val="3026762325"/>
-      </p:ext>
-    </p:extLst>
-  </p:cSld>
-  <p:clrMapOvr>
-    <a:masterClrMapping/>
-  </p:clrMapOvr>
-</p:sld>
-</file>
-
-<file path=ppt/slides/slide9.xml><?xml version="1.0" encoding="utf-8"?>
-<p:sld xmlns:a="http://schemas.openxmlformats.org/drawingml/2006/main" xmlns:r="http://schemas.openxmlformats.org/officeDocument/2006/relationships" xmlns:p="http://schemas.openxmlformats.org/presentationml/2006/main">
-  <p:cSld>
-    <p:spTree>
-      <p:nvGrpSpPr>
-        <p:cNvPr id="1" name=""/>
-        <p:cNvGrpSpPr/>
-        <p:nvPr/>
-      </p:nvGrpSpPr>
-      <p:grpSpPr>
-        <a:xfrm>
-          <a:off x="0" y="0"/>
-          <a:ext cx="0" cy="0"/>
-          <a:chOff x="0" y="0"/>
-          <a:chExt cx="0" cy="0"/>
-        </a:xfrm>
-      </p:grpSpPr>
-      <p:sp>
-        <p:nvSpPr>
-          <p:cNvPr id="2" name="Title 1">
-            <a:extLst>
-              <a:ext uri="{FF2B5EF4-FFF2-40B4-BE49-F238E27FC236}">
-                <a16:creationId xmlns:a16="http://schemas.microsoft.com/office/drawing/2014/main" id="{CF612BA6-BC0E-B4AE-F70D-859427D8CA86}"/>
-              </a:ext>
-            </a:extLst>
-          </p:cNvPr>
-          <p:cNvSpPr>
-            <a:spLocks noGrp="1"/>
-          </p:cNvSpPr>
-          <p:nvPr>
-            <p:ph type="title"/>
-          </p:nvPr>
-        </p:nvSpPr>
-        <p:spPr/>
-        <p:txBody>
-          <a:bodyPr/>
-          <a:lstStyle/>
-          <a:p>
-            <a:pPr algn="ctr"/>
-            <a:r>
-              <a:rPr lang="en-US" dirty="0"/>
-              <a:t>Approaches</a:t>
-            </a:r>
-          </a:p>
-        </p:txBody>
-      </p:sp>
       <p:pic>
         <p:nvPicPr>
           <p:cNvPr id="7" name="Picture 6">
             <a:extLst>
               <a:ext uri="{FF2B5EF4-FFF2-40B4-BE49-F238E27FC236}">
-                <a16:creationId xmlns:a16="http://schemas.microsoft.com/office/drawing/2014/main" id="{51D7B0E3-52C5-A3C8-C8B5-B5AAB484165B}"/>
+                <a16:creationId xmlns:a16="http://schemas.microsoft.com/office/drawing/2014/main" id="{202A31E7-3947-27BE-21A1-8E2E11F4D10C}"/>
               </a:ext>
             </a:extLst>
           </p:cNvPr>
@@ -8103,8 +7995,8 @@
         </p:blipFill>
         <p:spPr>
           <a:xfrm>
-            <a:off x="2208212" y="2256224"/>
-            <a:ext cx="7772400" cy="3741703"/>
+            <a:off x="1362532" y="140677"/>
+            <a:ext cx="3448958" cy="6518030"/>
           </a:xfrm>
           <a:prstGeom prst="rect">
             <a:avLst/>
@@ -8113,10 +8005,10 @@
       </p:pic>
       <p:sp>
         <p:nvSpPr>
-          <p:cNvPr id="8" name="TextBox 7">
+          <p:cNvPr id="10" name="TextBox 9">
             <a:extLst>
               <a:ext uri="{FF2B5EF4-FFF2-40B4-BE49-F238E27FC236}">
-                <a16:creationId xmlns:a16="http://schemas.microsoft.com/office/drawing/2014/main" id="{F3513CDE-E96D-A06B-9CC3-218BD6C9F37B}"/>
+                <a16:creationId xmlns:a16="http://schemas.microsoft.com/office/drawing/2014/main" id="{A21CF1C4-01D4-8F2A-0B4C-CCB036C1D2E1}"/>
               </a:ext>
             </a:extLst>
           </p:cNvPr>
@@ -8125,7 +8017,7 @@
         </p:nvSpPr>
         <p:spPr>
           <a:xfrm>
-            <a:off x="8164106" y="6139440"/>
+            <a:off x="8164106" y="6370757"/>
             <a:ext cx="3237319" cy="261610"/>
           </a:xfrm>
           <a:prstGeom prst="rect">
@@ -8139,6 +8031,45 @@
           </a:bodyPr>
           <a:lstStyle/>
           <a:p>
+            <a:r>
+              <a:rPr lang="en-US" sz="1100" cap="all" dirty="0">
+                <a:ln w="3175" cmpd="sng">
+                  <a:noFill/>
+                </a:ln>
+                <a:gradFill flip="none" rotWithShape="1">
+                  <a:gsLst>
+                    <a:gs pos="0">
+                      <a:sysClr val="window" lastClr="FFFFFF"/>
+                    </a:gs>
+                    <a:gs pos="100000">
+                      <a:sysClr val="window" lastClr="FFFFFF">
+                        <a:lumMod val="65000"/>
+                      </a:sysClr>
+                    </a:gs>
+                  </a:gsLst>
+                  <a:lin ang="5580000" scaled="0"/>
+                  <a:tileRect/>
+                </a:gradFill>
+                <a:effectLst>
+                  <a:glow rad="38100">
+                    <a:schemeClr val="bg1">
+                      <a:lumMod val="65000"/>
+                      <a:lumOff val="35000"/>
+                      <a:alpha val="50000"/>
+                    </a:schemeClr>
+                  </a:glow>
+                  <a:outerShdw blurRad="28575" dist="31750" dir="13200000" algn="tl" rotWithShape="0">
+                    <a:srgbClr val="000000">
+                      <a:alpha val="25000"/>
+                    </a:srgbClr>
+                  </a:outerShdw>
+                </a:effectLst>
+                <a:latin typeface="+mj-lt"/>
+                <a:ea typeface="+mj-ea"/>
+                <a:cs typeface="+mj-cs"/>
+              </a:rPr>
+              <a:t>Zen </a:t>
+            </a:r>
             <a:r>
               <a:rPr lang="en-US" sz="1100" cap="all" dirty="0" err="1">
                 <a:ln w="3175" cmpd="sng">
@@ -8176,7 +8107,85 @@
                 <a:ea typeface="+mj-ea"/>
                 <a:cs typeface="+mj-cs"/>
               </a:rPr>
-              <a:t>Copy.cat</a:t>
+              <a:t>koan</a:t>
+            </a:r>
+            <a:r>
+              <a:rPr lang="en-US" sz="1100" cap="all" dirty="0">
+                <a:ln w="3175" cmpd="sng">
+                  <a:noFill/>
+                </a:ln>
+                <a:gradFill flip="none" rotWithShape="1">
+                  <a:gsLst>
+                    <a:gs pos="0">
+                      <a:sysClr val="window" lastClr="FFFFFF"/>
+                    </a:gs>
+                    <a:gs pos="100000">
+                      <a:sysClr val="window" lastClr="FFFFFF">
+                        <a:lumMod val="65000"/>
+                      </a:sysClr>
+                    </a:gs>
+                  </a:gsLst>
+                  <a:lin ang="5580000" scaled="0"/>
+                  <a:tileRect/>
+                </a:gradFill>
+                <a:effectLst>
+                  <a:glow rad="38100">
+                    <a:schemeClr val="bg1">
+                      <a:lumMod val="65000"/>
+                      <a:lumOff val="35000"/>
+                      <a:alpha val="50000"/>
+                    </a:schemeClr>
+                  </a:glow>
+                  <a:outerShdw blurRad="28575" dist="31750" dir="13200000" algn="tl" rotWithShape="0">
+                    <a:srgbClr val="000000">
+                      <a:alpha val="25000"/>
+                    </a:srgbClr>
+                  </a:outerShdw>
+                </a:effectLst>
+                <a:latin typeface="+mj-lt"/>
+                <a:ea typeface="+mj-ea"/>
+                <a:cs typeface="+mj-cs"/>
+              </a:rPr>
+              <a:t>, ten bulls, </a:t>
+            </a:r>
+            <a:r>
+              <a:rPr lang="en-US" sz="1100" cap="all" dirty="0" err="1">
+                <a:ln w="3175" cmpd="sng">
+                  <a:noFill/>
+                </a:ln>
+                <a:gradFill flip="none" rotWithShape="1">
+                  <a:gsLst>
+                    <a:gs pos="0">
+                      <a:sysClr val="window" lastClr="FFFFFF"/>
+                    </a:gs>
+                    <a:gs pos="100000">
+                      <a:sysClr val="window" lastClr="FFFFFF">
+                        <a:lumMod val="65000"/>
+                      </a:sysClr>
+                    </a:gs>
+                  </a:gsLst>
+                  <a:lin ang="5580000" scaled="0"/>
+                  <a:tileRect/>
+                </a:gradFill>
+                <a:effectLst>
+                  <a:glow rad="38100">
+                    <a:schemeClr val="bg1">
+                      <a:lumMod val="65000"/>
+                      <a:lumOff val="35000"/>
+                      <a:alpha val="50000"/>
+                    </a:schemeClr>
+                  </a:glow>
+                  <a:outerShdw blurRad="28575" dist="31750" dir="13200000" algn="tl" rotWithShape="0">
+                    <a:srgbClr val="000000">
+                      <a:alpha val="25000"/>
+                    </a:srgbClr>
+                  </a:outerShdw>
+                </a:effectLst>
+                <a:latin typeface="+mj-lt"/>
+                <a:ea typeface="+mj-ea"/>
+                <a:cs typeface="+mj-cs"/>
+              </a:rPr>
+              <a:t>wikipedia</a:t>
             </a:r>
             <a:endParaRPr lang="en-US" sz="1100" cap="all" dirty="0">
               <a:ln w="3175" cmpd="sng">
@@ -8217,10 +8226,350 @@
           </a:p>
         </p:txBody>
       </p:sp>
+      <p:sp>
+        <p:nvSpPr>
+          <p:cNvPr id="11" name="Title 1">
+            <a:extLst>
+              <a:ext uri="{FF2B5EF4-FFF2-40B4-BE49-F238E27FC236}">
+                <a16:creationId xmlns:a16="http://schemas.microsoft.com/office/drawing/2014/main" id="{97587452-B28F-EE81-1917-4A7F5972F543}"/>
+              </a:ext>
+            </a:extLst>
+          </p:cNvPr>
+          <p:cNvSpPr>
+            <a:spLocks noGrp="1"/>
+          </p:cNvSpPr>
+          <p:nvPr>
+            <p:ph type="title"/>
+          </p:nvPr>
+        </p:nvSpPr>
+        <p:spPr>
+          <a:xfrm>
+            <a:off x="8164106" y="609600"/>
+            <a:ext cx="3369133" cy="3642851"/>
+          </a:xfrm>
+        </p:spPr>
+        <p:txBody>
+          <a:bodyPr vert="horz" lIns="91440" tIns="45720" rIns="91440" bIns="45720" rtlCol="0" anchor="b">
+            <a:normAutofit/>
+          </a:bodyPr>
+          <a:lstStyle/>
+          <a:p>
+            <a:pPr algn="ctr"/>
+            <a:r>
+              <a:rPr lang="en-US" sz="3700" dirty="0">
+                <a:gradFill flip="none" rotWithShape="1">
+                  <a:gsLst>
+                    <a:gs pos="0">
+                      <a:sysClr val="window" lastClr="FFFFFF"/>
+                    </a:gs>
+                    <a:gs pos="100000">
+                      <a:sysClr val="window" lastClr="FFFFFF">
+                        <a:lumMod val="65000"/>
+                      </a:sysClr>
+                    </a:gs>
+                  </a:gsLst>
+                  <a:lin ang="5580000" scaled="0"/>
+                  <a:tileRect/>
+                </a:gradFill>
+                <a:effectLst>
+                  <a:glow rad="38100">
+                    <a:schemeClr val="bg1">
+                      <a:lumMod val="65000"/>
+                      <a:lumOff val="35000"/>
+                      <a:alpha val="50000"/>
+                    </a:schemeClr>
+                  </a:glow>
+                  <a:outerShdw blurRad="28575" dist="31750" dir="13200000" algn="tl" rotWithShape="0">
+                    <a:srgbClr val="000000">
+                      <a:alpha val="25000"/>
+                    </a:srgbClr>
+                  </a:outerShdw>
+                </a:effectLst>
+              </a:rPr>
+              <a:t>Approaches</a:t>
+            </a:r>
+          </a:p>
+        </p:txBody>
+      </p:sp>
     </p:spTree>
     <p:extLst>
       <p:ext uri="{BB962C8B-B14F-4D97-AF65-F5344CB8AC3E}">
-        <p14:creationId xmlns:p14="http://schemas.microsoft.com/office/powerpoint/2010/main" val="4287854798"/>
+        <p14:creationId xmlns:p14="http://schemas.microsoft.com/office/powerpoint/2010/main" val="3264709307"/>
+      </p:ext>
+    </p:extLst>
+  </p:cSld>
+  <p:clrMapOvr>
+    <a:masterClrMapping/>
+  </p:clrMapOvr>
+</p:sld>
+</file>
+
+<file path=ppt/slides/slide8.xml><?xml version="1.0" encoding="utf-8"?>
+<p:sld xmlns:a="http://schemas.openxmlformats.org/drawingml/2006/main" xmlns:r="http://schemas.openxmlformats.org/officeDocument/2006/relationships" xmlns:p="http://schemas.openxmlformats.org/presentationml/2006/main">
+  <p:cSld>
+    <p:spTree>
+      <p:nvGrpSpPr>
+        <p:cNvPr id="1" name=""/>
+        <p:cNvGrpSpPr/>
+        <p:nvPr/>
+      </p:nvGrpSpPr>
+      <p:grpSpPr>
+        <a:xfrm>
+          <a:off x="0" y="0"/>
+          <a:ext cx="0" cy="0"/>
+          <a:chOff x="0" y="0"/>
+          <a:chExt cx="0" cy="0"/>
+        </a:xfrm>
+      </p:grpSpPr>
+      <p:sp>
+        <p:nvSpPr>
+          <p:cNvPr id="2" name="Title 1">
+            <a:extLst>
+              <a:ext uri="{FF2B5EF4-FFF2-40B4-BE49-F238E27FC236}">
+                <a16:creationId xmlns:a16="http://schemas.microsoft.com/office/drawing/2014/main" id="{CF612BA6-BC0E-B4AE-F70D-859427D8CA86}"/>
+              </a:ext>
+            </a:extLst>
+          </p:cNvPr>
+          <p:cNvSpPr>
+            <a:spLocks noGrp="1"/>
+          </p:cNvSpPr>
+          <p:nvPr>
+            <p:ph type="title"/>
+          </p:nvPr>
+        </p:nvSpPr>
+        <p:spPr/>
+        <p:txBody>
+          <a:bodyPr/>
+          <a:lstStyle/>
+          <a:p>
+            <a:pPr algn="ctr"/>
+            <a:r>
+              <a:rPr lang="en-US" dirty="0"/>
+              <a:t>Approaches</a:t>
+            </a:r>
+          </a:p>
+        </p:txBody>
+      </p:sp>
+      <p:sp>
+        <p:nvSpPr>
+          <p:cNvPr id="3" name="Content Placeholder 2">
+            <a:extLst>
+              <a:ext uri="{FF2B5EF4-FFF2-40B4-BE49-F238E27FC236}">
+                <a16:creationId xmlns:a16="http://schemas.microsoft.com/office/drawing/2014/main" id="{F1B0DF05-BBCC-D407-D536-3119B0214CAD}"/>
+              </a:ext>
+            </a:extLst>
+          </p:cNvPr>
+          <p:cNvSpPr>
+            <a:spLocks noGrp="1"/>
+          </p:cNvSpPr>
+          <p:nvPr>
+            <p:ph idx="1"/>
+          </p:nvPr>
+        </p:nvSpPr>
+        <p:spPr>
+          <a:xfrm>
+            <a:off x="1141413" y="2666999"/>
+            <a:ext cx="9905998" cy="3581401"/>
+          </a:xfrm>
+        </p:spPr>
+        <p:txBody>
+          <a:bodyPr>
+            <a:normAutofit fontScale="92500" lnSpcReduction="20000"/>
+          </a:bodyPr>
+          <a:lstStyle/>
+          <a:p>
+            <a:r>
+              <a:rPr lang="en-US" dirty="0" err="1"/>
+              <a:t>Explainability</a:t>
+            </a:r>
+            <a:r>
+              <a:rPr lang="en-US" dirty="0"/>
+              <a:t> (insights from social sciences)</a:t>
+            </a:r>
+          </a:p>
+          <a:p>
+            <a:pPr lvl="1"/>
+            <a:r>
+              <a:rPr lang="en-US" dirty="0"/>
+              <a:t>Miller, 2019</a:t>
+            </a:r>
+          </a:p>
+          <a:p>
+            <a:r>
+              <a:rPr lang="en-US" dirty="0"/>
+              <a:t>How do you generate explainable models by working with domain experts</a:t>
+            </a:r>
+          </a:p>
+          <a:p>
+            <a:pPr lvl="1"/>
+            <a:r>
+              <a:rPr lang="en-US" dirty="0"/>
+              <a:t>Rudin, 2019</a:t>
+            </a:r>
+          </a:p>
+          <a:p>
+            <a:pPr lvl="1"/>
+            <a:r>
+              <a:rPr lang="en-US" dirty="0"/>
+              <a:t>Important for high stakes decisions in domains like healthcare, recidivism prediction</a:t>
+            </a:r>
+          </a:p>
+          <a:p>
+            <a:pPr lvl="1"/>
+            <a:endParaRPr lang="en-US" dirty="0"/>
+          </a:p>
+          <a:p>
+            <a:r>
+              <a:rPr lang="en-US" dirty="0"/>
+              <a:t>Case based reasoning</a:t>
+            </a:r>
+          </a:p>
+          <a:p>
+            <a:pPr lvl="1"/>
+            <a:r>
+              <a:rPr lang="en-US" dirty="0"/>
+              <a:t>How humans reason</a:t>
+            </a:r>
+          </a:p>
+          <a:p>
+            <a:pPr lvl="1"/>
+            <a:endParaRPr lang="en-US" dirty="0"/>
+          </a:p>
+          <a:p>
+            <a:r>
+              <a:rPr lang="en-US" dirty="0"/>
+              <a:t>We can take inspiration from other disciplines and develop new </a:t>
+            </a:r>
+            <a:r>
+              <a:rPr lang="en-US" dirty="0" err="1"/>
+              <a:t>xAI</a:t>
+            </a:r>
+            <a:r>
+              <a:rPr lang="en-US" dirty="0"/>
+              <a:t> approaches</a:t>
+            </a:r>
+          </a:p>
+        </p:txBody>
+      </p:sp>
+    </p:spTree>
+    <p:extLst>
+      <p:ext uri="{BB962C8B-B14F-4D97-AF65-F5344CB8AC3E}">
+        <p14:creationId xmlns:p14="http://schemas.microsoft.com/office/powerpoint/2010/main" val="1232664304"/>
+      </p:ext>
+    </p:extLst>
+  </p:cSld>
+  <p:clrMapOvr>
+    <a:masterClrMapping/>
+  </p:clrMapOvr>
+</p:sld>
+</file>
+
+<file path=ppt/slides/slide9.xml><?xml version="1.0" encoding="utf-8"?>
+<p:sld xmlns:a="http://schemas.openxmlformats.org/drawingml/2006/main" xmlns:r="http://schemas.openxmlformats.org/officeDocument/2006/relationships" xmlns:p="http://schemas.openxmlformats.org/presentationml/2006/main">
+  <p:cSld>
+    <p:spTree>
+      <p:nvGrpSpPr>
+        <p:cNvPr id="1" name=""/>
+        <p:cNvGrpSpPr/>
+        <p:nvPr/>
+      </p:nvGrpSpPr>
+      <p:grpSpPr>
+        <a:xfrm>
+          <a:off x="0" y="0"/>
+          <a:ext cx="0" cy="0"/>
+          <a:chOff x="0" y="0"/>
+          <a:chExt cx="0" cy="0"/>
+        </a:xfrm>
+      </p:grpSpPr>
+      <p:sp>
+        <p:nvSpPr>
+          <p:cNvPr id="2" name="Title 1">
+            <a:extLst>
+              <a:ext uri="{FF2B5EF4-FFF2-40B4-BE49-F238E27FC236}">
+                <a16:creationId xmlns:a16="http://schemas.microsoft.com/office/drawing/2014/main" id="{CF612BA6-BC0E-B4AE-F70D-859427D8CA86}"/>
+              </a:ext>
+            </a:extLst>
+          </p:cNvPr>
+          <p:cNvSpPr>
+            <a:spLocks noGrp="1"/>
+          </p:cNvSpPr>
+          <p:nvPr>
+            <p:ph type="title"/>
+          </p:nvPr>
+        </p:nvSpPr>
+        <p:spPr/>
+        <p:txBody>
+          <a:bodyPr/>
+          <a:lstStyle/>
+          <a:p>
+            <a:pPr algn="ctr"/>
+            <a:r>
+              <a:rPr lang="en-US" dirty="0"/>
+              <a:t>Approaches</a:t>
+            </a:r>
+          </a:p>
+        </p:txBody>
+      </p:sp>
+      <p:sp>
+        <p:nvSpPr>
+          <p:cNvPr id="3" name="Content Placeholder 2">
+            <a:extLst>
+              <a:ext uri="{FF2B5EF4-FFF2-40B4-BE49-F238E27FC236}">
+                <a16:creationId xmlns:a16="http://schemas.microsoft.com/office/drawing/2014/main" id="{F1B0DF05-BBCC-D407-D536-3119B0214CAD}"/>
+              </a:ext>
+            </a:extLst>
+          </p:cNvPr>
+          <p:cNvSpPr>
+            <a:spLocks noGrp="1"/>
+          </p:cNvSpPr>
+          <p:nvPr>
+            <p:ph idx="1"/>
+          </p:nvPr>
+        </p:nvSpPr>
+        <p:spPr/>
+        <p:txBody>
+          <a:bodyPr/>
+          <a:lstStyle/>
+          <a:p>
+            <a:pPr marL="0" indent="0">
+              <a:buNone/>
+            </a:pPr>
+            <a:endParaRPr lang="en-US" dirty="0"/>
+          </a:p>
+          <a:p>
+            <a:r>
+              <a:rPr lang="en-US" dirty="0"/>
+              <a:t>Abstraction and reasoning</a:t>
+            </a:r>
+          </a:p>
+          <a:p>
+            <a:r>
+              <a:rPr lang="en-US" dirty="0"/>
+              <a:t>Psychology of invention</a:t>
+            </a:r>
+          </a:p>
+          <a:p>
+            <a:pPr lvl="1"/>
+            <a:r>
+              <a:rPr lang="en-US" dirty="0" err="1"/>
+              <a:t>Kekule</a:t>
+            </a:r>
+            <a:endParaRPr lang="en-US" dirty="0"/>
+          </a:p>
+          <a:p>
+            <a:pPr lvl="1"/>
+            <a:r>
+              <a:rPr lang="en-US" dirty="0" err="1"/>
+              <a:t>poincare</a:t>
+            </a:r>
+            <a:endParaRPr lang="en-US" dirty="0"/>
+          </a:p>
+        </p:txBody>
+      </p:sp>
+    </p:spTree>
+    <p:extLst>
+      <p:ext uri="{BB962C8B-B14F-4D97-AF65-F5344CB8AC3E}">
+        <p14:creationId xmlns:p14="http://schemas.microsoft.com/office/powerpoint/2010/main" val="3026762325"/>
       </p:ext>
     </p:extLst>
   </p:cSld>

--- a/intro.pptx
+++ b/intro.pptx
@@ -8146,83 +8146,8 @@
                 <a:ea typeface="+mj-ea"/>
                 <a:cs typeface="+mj-cs"/>
               </a:rPr>
-              <a:t>, ten bulls, </a:t>
-            </a:r>
-            <a:r>
-              <a:rPr lang="en-US" sz="1100" cap="all" dirty="0" err="1">
-                <a:ln w="3175" cmpd="sng">
-                  <a:noFill/>
-                </a:ln>
-                <a:gradFill flip="none" rotWithShape="1">
-                  <a:gsLst>
-                    <a:gs pos="0">
-                      <a:sysClr val="window" lastClr="FFFFFF"/>
-                    </a:gs>
-                    <a:gs pos="100000">
-                      <a:sysClr val="window" lastClr="FFFFFF">
-                        <a:lumMod val="65000"/>
-                      </a:sysClr>
-                    </a:gs>
-                  </a:gsLst>
-                  <a:lin ang="5580000" scaled="0"/>
-                  <a:tileRect/>
-                </a:gradFill>
-                <a:effectLst>
-                  <a:glow rad="38100">
-                    <a:schemeClr val="bg1">
-                      <a:lumMod val="65000"/>
-                      <a:lumOff val="35000"/>
-                      <a:alpha val="50000"/>
-                    </a:schemeClr>
-                  </a:glow>
-                  <a:outerShdw blurRad="28575" dist="31750" dir="13200000" algn="tl" rotWithShape="0">
-                    <a:srgbClr val="000000">
-                      <a:alpha val="25000"/>
-                    </a:srgbClr>
-                  </a:outerShdw>
-                </a:effectLst>
-                <a:latin typeface="+mj-lt"/>
-                <a:ea typeface="+mj-ea"/>
-                <a:cs typeface="+mj-cs"/>
-              </a:rPr>
-              <a:t>wikipedia</a:t>
-            </a:r>
-            <a:endParaRPr lang="en-US" sz="1100" cap="all" dirty="0">
-              <a:ln w="3175" cmpd="sng">
-                <a:noFill/>
-              </a:ln>
-              <a:gradFill flip="none" rotWithShape="1">
-                <a:gsLst>
-                  <a:gs pos="0">
-                    <a:sysClr val="window" lastClr="FFFFFF"/>
-                  </a:gs>
-                  <a:gs pos="100000">
-                    <a:sysClr val="window" lastClr="FFFFFF">
-                      <a:lumMod val="65000"/>
-                    </a:sysClr>
-                  </a:gs>
-                </a:gsLst>
-                <a:lin ang="5580000" scaled="0"/>
-                <a:tileRect/>
-              </a:gradFill>
-              <a:effectLst>
-                <a:glow rad="38100">
-                  <a:schemeClr val="bg1">
-                    <a:lumMod val="65000"/>
-                    <a:lumOff val="35000"/>
-                    <a:alpha val="50000"/>
-                  </a:schemeClr>
-                </a:glow>
-                <a:outerShdw blurRad="28575" dist="31750" dir="13200000" algn="tl" rotWithShape="0">
-                  <a:srgbClr val="000000">
-                    <a:alpha val="25000"/>
-                  </a:srgbClr>
-                </a:outerShdw>
-              </a:effectLst>
-              <a:latin typeface="+mj-lt"/>
-              <a:ea typeface="+mj-ea"/>
-              <a:cs typeface="+mj-cs"/>
-            </a:endParaRPr>
+              <a:t>, ten bulls, Wikipedia</a:t>
+            </a:r>
           </a:p>
         </p:txBody>
       </p:sp>
